--- a/week6/2014-6-eventhandling-js-boyd.pptx
+++ b/week6/2014-6-eventhandling-js-boyd.pptx
@@ -5,10 +5,10 @@
     <p:sldMasterId id="2147483648" r:id="rId1"/>
   </p:sldMasterIdLst>
   <p:notesMasterIdLst>
-    <p:notesMasterId r:id="rId45"/>
+    <p:notesMasterId r:id="rId40"/>
   </p:notesMasterIdLst>
   <p:handoutMasterIdLst>
-    <p:handoutMasterId r:id="rId46"/>
+    <p:handoutMasterId r:id="rId41"/>
   </p:handoutMasterIdLst>
   <p:sldIdLst>
     <p:sldId id="256" r:id="rId2"/>
@@ -44,16 +44,11 @@
     <p:sldId id="439" r:id="rId32"/>
     <p:sldId id="457" r:id="rId33"/>
     <p:sldId id="429" r:id="rId34"/>
-    <p:sldId id="432" r:id="rId35"/>
-    <p:sldId id="458" r:id="rId36"/>
-    <p:sldId id="431" r:id="rId37"/>
-    <p:sldId id="456" r:id="rId38"/>
-    <p:sldId id="440" r:id="rId39"/>
-    <p:sldId id="380" r:id="rId40"/>
-    <p:sldId id="417" r:id="rId41"/>
-    <p:sldId id="418" r:id="rId42"/>
-    <p:sldId id="419" r:id="rId43"/>
-    <p:sldId id="320" r:id="rId44"/>
+    <p:sldId id="380" r:id="rId35"/>
+    <p:sldId id="417" r:id="rId36"/>
+    <p:sldId id="418" r:id="rId37"/>
+    <p:sldId id="419" r:id="rId38"/>
+    <p:sldId id="320" r:id="rId39"/>
   </p:sldIdLst>
   <p:sldSz cx="9144000" cy="6858000" type="screen4x3"/>
   <p:notesSz cx="6858000" cy="9144000"/>
@@ -154,7 +149,7 @@
   </p:defaultTextStyle>
   <p:extLst>
     <p:ext uri="{EFAFB233-063F-42B5-8137-9DF3F51BA10A}">
-      <p15:sldGuideLst xmlns:p15="http://schemas.microsoft.com/office/powerpoint/2012/main" xmlns="">
+      <p15:sldGuideLst xmlns="" xmlns:p15="http://schemas.microsoft.com/office/powerpoint/2012/main">
         <p15:guide id="1" orient="horz" pos="2160">
           <p15:clr>
             <a:srgbClr val="A4A3A4"/>
@@ -254,7 +249,7 @@
             <a:fld id="{B6D27CE7-9DD6-0544-B3D7-99CD9FB772FA}" type="datetimeFigureOut">
               <a:rPr lang="nl-NL" smtClean="0"/>
               <a:pPr/>
-              <a:t>8-10-2014</a:t>
+              <a:t>13-10-2014</a:t>
             </a:fld>
             <a:endParaRPr lang="nl-NL"/>
           </a:p>
@@ -321,7 +316,7 @@
             <a:fld id="{E688F50E-C7D0-7047-BE1E-75EEFC7A1B0A}" type="slidenum">
               <a:rPr lang="nl-NL" smtClean="0"/>
               <a:pPr/>
-              <a:t>‹#›</a:t>
+              <a:t>‹nr.›</a:t>
             </a:fld>
             <a:endParaRPr lang="nl-NL"/>
           </a:p>
@@ -330,7 +325,7 @@
     </p:spTree>
     <p:extLst>
       <p:ext uri="{BB962C8B-B14F-4D97-AF65-F5344CB8AC3E}">
-        <p14:creationId xmlns="" xmlns:p14="http://schemas.microsoft.com/office/powerpoint/2010/main" val="597673790"/>
+        <p14:creationId xmlns:p14="http://schemas.microsoft.com/office/powerpoint/2010/main" xmlns="" val="597673790"/>
       </p:ext>
     </p:extLst>
   </p:cSld>
@@ -421,7 +416,7 @@
             <a:fld id="{C6EBFEAA-5427-1D4A-A9F6-53E7800DCEDE}" type="datetimeFigureOut">
               <a:rPr lang="nl-NL" smtClean="0"/>
               <a:pPr/>
-              <a:t>8-10-2014</a:t>
+              <a:t>13-10-2014</a:t>
             </a:fld>
             <a:endParaRPr lang="nl-NL"/>
           </a:p>
@@ -581,7 +576,7 @@
             <a:fld id="{38075BC8-9B54-074D-AB05-EEC369B5EB13}" type="slidenum">
               <a:rPr lang="nl-NL" smtClean="0"/>
               <a:pPr/>
-              <a:t>‹#›</a:t>
+              <a:t>‹nr.›</a:t>
             </a:fld>
             <a:endParaRPr lang="nl-NL"/>
           </a:p>
@@ -590,7 +585,7 @@
     </p:spTree>
     <p:extLst>
       <p:ext uri="{BB962C8B-B14F-4D97-AF65-F5344CB8AC3E}">
-        <p14:creationId xmlns="" xmlns:p14="http://schemas.microsoft.com/office/powerpoint/2010/main" val="3230414523"/>
+        <p14:creationId xmlns:p14="http://schemas.microsoft.com/office/powerpoint/2010/main" xmlns="" val="3230414523"/>
       </p:ext>
     </p:extLst>
   </p:cSld>
@@ -859,7 +854,7 @@
     </p:spTree>
     <p:extLst>
       <p:ext uri="{BB962C8B-B14F-4D97-AF65-F5344CB8AC3E}">
-        <p14:creationId xmlns="" xmlns:p14="http://schemas.microsoft.com/office/powerpoint/2010/main" val="2221476322"/>
+        <p14:creationId xmlns:p14="http://schemas.microsoft.com/office/powerpoint/2010/main" xmlns="" val="2221476322"/>
       </p:ext>
     </p:extLst>
   </p:cSld>
@@ -952,7 +947,7 @@
     </p:spTree>
     <p:extLst>
       <p:ext uri="{BB962C8B-B14F-4D97-AF65-F5344CB8AC3E}">
-        <p14:creationId xmlns="" xmlns:p14="http://schemas.microsoft.com/office/powerpoint/2010/main" val="2221476322"/>
+        <p14:creationId xmlns:p14="http://schemas.microsoft.com/office/powerpoint/2010/main" xmlns="" val="2221476322"/>
       </p:ext>
     </p:extLst>
   </p:cSld>
@@ -1041,7 +1036,7 @@
     </p:spTree>
     <p:extLst>
       <p:ext uri="{BB962C8B-B14F-4D97-AF65-F5344CB8AC3E}">
-        <p14:creationId xmlns="" xmlns:p14="http://schemas.microsoft.com/office/powerpoint/2010/main" val="1099155352"/>
+        <p14:creationId xmlns:p14="http://schemas.microsoft.com/office/powerpoint/2010/main" xmlns="" val="1099155352"/>
       </p:ext>
     </p:extLst>
   </p:cSld>
@@ -1130,7 +1125,7 @@
     </p:spTree>
     <p:extLst>
       <p:ext uri="{BB962C8B-B14F-4D97-AF65-F5344CB8AC3E}">
-        <p14:creationId xmlns="" xmlns:p14="http://schemas.microsoft.com/office/powerpoint/2010/main" val="1099155352"/>
+        <p14:creationId xmlns:p14="http://schemas.microsoft.com/office/powerpoint/2010/main" xmlns="" val="1099155352"/>
       </p:ext>
     </p:extLst>
   </p:cSld>
@@ -1219,7 +1214,7 @@
     </p:spTree>
     <p:extLst>
       <p:ext uri="{BB962C8B-B14F-4D97-AF65-F5344CB8AC3E}">
-        <p14:creationId xmlns="" xmlns:p14="http://schemas.microsoft.com/office/powerpoint/2010/main" val="1099155352"/>
+        <p14:creationId xmlns:p14="http://schemas.microsoft.com/office/powerpoint/2010/main" xmlns="" val="1099155352"/>
       </p:ext>
     </p:extLst>
   </p:cSld>
@@ -1354,7 +1349,7 @@
     </p:spTree>
     <p:extLst>
       <p:ext uri="{BB962C8B-B14F-4D97-AF65-F5344CB8AC3E}">
-        <p14:creationId xmlns="" xmlns:p14="http://schemas.microsoft.com/office/powerpoint/2010/main" val="170127230"/>
+        <p14:creationId xmlns:p14="http://schemas.microsoft.com/office/powerpoint/2010/main" xmlns="" val="170127230"/>
       </p:ext>
     </p:extLst>
   </p:cSld>
@@ -1447,7 +1442,7 @@
     </p:spTree>
     <p:extLst>
       <p:ext uri="{BB962C8B-B14F-4D97-AF65-F5344CB8AC3E}">
-        <p14:creationId xmlns="" xmlns:p14="http://schemas.microsoft.com/office/powerpoint/2010/main" val="2531556722"/>
+        <p14:creationId xmlns:p14="http://schemas.microsoft.com/office/powerpoint/2010/main" xmlns="" val="2531556722"/>
       </p:ext>
     </p:extLst>
   </p:cSld>
@@ -1544,7 +1539,7 @@
     </p:spTree>
     <p:extLst>
       <p:ext uri="{BB962C8B-B14F-4D97-AF65-F5344CB8AC3E}">
-        <p14:creationId xmlns="" xmlns:p14="http://schemas.microsoft.com/office/powerpoint/2010/main" val="2493649613"/>
+        <p14:creationId xmlns:p14="http://schemas.microsoft.com/office/powerpoint/2010/main" xmlns="" val="2493649613"/>
       </p:ext>
     </p:extLst>
   </p:cSld>
@@ -1635,7 +1630,7 @@
     </p:spTree>
     <p:extLst>
       <p:ext uri="{BB962C8B-B14F-4D97-AF65-F5344CB8AC3E}">
-        <p14:creationId xmlns="" xmlns:p14="http://schemas.microsoft.com/office/powerpoint/2010/main" val="534535260"/>
+        <p14:creationId xmlns:p14="http://schemas.microsoft.com/office/powerpoint/2010/main" xmlns="" val="534535260"/>
       </p:ext>
     </p:extLst>
   </p:cSld>
@@ -1732,7 +1727,7 @@
     </p:spTree>
     <p:extLst>
       <p:ext uri="{BB962C8B-B14F-4D97-AF65-F5344CB8AC3E}">
-        <p14:creationId xmlns="" xmlns:p14="http://schemas.microsoft.com/office/powerpoint/2010/main" val="2493649613"/>
+        <p14:creationId xmlns:p14="http://schemas.microsoft.com/office/powerpoint/2010/main" xmlns="" val="2493649613"/>
       </p:ext>
     </p:extLst>
   </p:cSld>
@@ -1821,7 +1816,7 @@
     </p:spTree>
     <p:extLst>
       <p:ext uri="{BB962C8B-B14F-4D97-AF65-F5344CB8AC3E}">
-        <p14:creationId xmlns="" xmlns:p14="http://schemas.microsoft.com/office/powerpoint/2010/main" val="4255636388"/>
+        <p14:creationId xmlns:p14="http://schemas.microsoft.com/office/powerpoint/2010/main" xmlns="" val="4255636388"/>
       </p:ext>
     </p:extLst>
   </p:cSld>
@@ -1937,7 +1932,7 @@
     </p:spTree>
     <p:extLst>
       <p:ext uri="{BB962C8B-B14F-4D97-AF65-F5344CB8AC3E}">
-        <p14:creationId xmlns="" xmlns:p14="http://schemas.microsoft.com/office/powerpoint/2010/main" val="1704053693"/>
+        <p14:creationId xmlns:p14="http://schemas.microsoft.com/office/powerpoint/2010/main" xmlns="" val="1704053693"/>
       </p:ext>
     </p:extLst>
   </p:cSld>
@@ -2034,7 +2029,7 @@
     </p:spTree>
     <p:extLst>
       <p:ext uri="{BB962C8B-B14F-4D97-AF65-F5344CB8AC3E}">
-        <p14:creationId xmlns="" xmlns:p14="http://schemas.microsoft.com/office/powerpoint/2010/main" val="2493649613"/>
+        <p14:creationId xmlns:p14="http://schemas.microsoft.com/office/powerpoint/2010/main" xmlns="" val="2493649613"/>
       </p:ext>
     </p:extLst>
   </p:cSld>
@@ -2090,53 +2085,7 @@
           <a:p>
             <a:r>
               <a:rPr lang="nl-NL" dirty="0" smtClean="0"/>
-              <a:t>Fase 1 heet</a:t>
-            </a:r>
-            <a:r>
-              <a:rPr lang="nl-NL" baseline="0" dirty="0" smtClean="0"/>
-              <a:t> </a:t>
-            </a:r>
-            <a:r>
-              <a:rPr lang="nl-NL" baseline="0" dirty="0" err="1" smtClean="0"/>
-              <a:t>capturing</a:t>
-            </a:r>
-            <a:endParaRPr lang="nl-NL" baseline="0" dirty="0" smtClean="0"/>
-          </a:p>
-          <a:p>
-            <a:r>
-              <a:rPr lang="nl-NL" baseline="0" dirty="0" smtClean="0"/>
-              <a:t>Fase 2 heet </a:t>
-            </a:r>
-            <a:r>
-              <a:rPr lang="nl-NL" baseline="0" dirty="0" err="1" smtClean="0"/>
-              <a:t>bubbling</a:t>
-            </a:r>
-            <a:endParaRPr lang="nl-NL" baseline="0" dirty="0" smtClean="0"/>
-          </a:p>
-          <a:p>
-            <a:r>
-              <a:rPr lang="nl-NL" baseline="0" dirty="0" err="1" smtClean="0"/>
-              <a:t>Bubbling</a:t>
-            </a:r>
-            <a:r>
-              <a:rPr lang="nl-NL" baseline="0" dirty="0" smtClean="0"/>
-              <a:t> is de standaard bij een </a:t>
-            </a:r>
-            <a:r>
-              <a:rPr lang="nl-NL" baseline="0" dirty="0" err="1" smtClean="0"/>
-              <a:t>onmouseover</a:t>
-            </a:r>
-            <a:r>
-              <a:rPr lang="nl-NL" baseline="0" dirty="0" smtClean="0"/>
-              <a:t> of een </a:t>
-            </a:r>
-            <a:r>
-              <a:rPr lang="nl-NL" baseline="0" dirty="0" err="1" smtClean="0"/>
-              <a:t>onclick</a:t>
-            </a:r>
-            <a:r>
-              <a:rPr lang="nl-NL" baseline="0" dirty="0" smtClean="0"/>
-              <a:t> event.</a:t>
+              <a:t>Maak deze opdracht af.</a:t>
             </a:r>
             <a:endParaRPr lang="nl-NL" dirty="0"/>
           </a:p>
@@ -2160,7 +2109,7 @@
             <a:fld id="{38075BC8-9B54-074D-AB05-EEC369B5EB13}" type="slidenum">
               <a:rPr lang="nl-NL" smtClean="0"/>
               <a:pPr/>
-              <a:t>34</a:t>
+              <a:t>35</a:t>
             </a:fld>
             <a:endParaRPr lang="nl-NL"/>
           </a:p>
@@ -2169,7 +2118,7 @@
     </p:spTree>
     <p:extLst>
       <p:ext uri="{BB962C8B-B14F-4D97-AF65-F5344CB8AC3E}">
-        <p14:creationId xmlns="" xmlns:p14="http://schemas.microsoft.com/office/powerpoint/2010/main" val="170127230"/>
+        <p14:creationId xmlns:p14="http://schemas.microsoft.com/office/powerpoint/2010/main" xmlns="" val="1099155352"/>
       </p:ext>
     </p:extLst>
   </p:cSld>
@@ -2223,18 +2172,6 @@
           <a:bodyPr/>
           <a:lstStyle/>
           <a:p>
-            <a:r>
-              <a:rPr lang="nl-NL" dirty="0" smtClean="0"/>
-              <a:t>Zie code-in-les/week6/</a:t>
-            </a:r>
-            <a:r>
-              <a:rPr lang="nl-NL" dirty="0" err="1" smtClean="0"/>
-              <a:t>simple</a:t>
-            </a:r>
-            <a:r>
-              <a:rPr lang="nl-NL" dirty="0" smtClean="0"/>
-              <a:t>-form-event.</a:t>
-            </a:r>
             <a:endParaRPr lang="nl-NL" dirty="0"/>
           </a:p>
         </p:txBody>
@@ -2257,7 +2194,7 @@
             <a:fld id="{38075BC8-9B54-074D-AB05-EEC369B5EB13}" type="slidenum">
               <a:rPr lang="nl-NL" smtClean="0"/>
               <a:pPr/>
-              <a:t>35</a:t>
+              <a:t>36</a:t>
             </a:fld>
             <a:endParaRPr lang="nl-NL"/>
           </a:p>
@@ -2266,7 +2203,7 @@
     </p:spTree>
     <p:extLst>
       <p:ext uri="{BB962C8B-B14F-4D97-AF65-F5344CB8AC3E}">
-        <p14:creationId xmlns="" xmlns:p14="http://schemas.microsoft.com/office/powerpoint/2010/main" val="2493649613"/>
+        <p14:creationId xmlns:p14="http://schemas.microsoft.com/office/powerpoint/2010/main" xmlns="" val="1099155352"/>
       </p:ext>
     </p:extLst>
   </p:cSld>
@@ -2320,14 +2257,6 @@
           <a:bodyPr/>
           <a:lstStyle/>
           <a:p>
-            <a:r>
-              <a:rPr lang="nl-NL" dirty="0" smtClean="0"/>
-              <a:t>I, en als het niet 4 is maar 3?</a:t>
-            </a:r>
-            <a:r>
-              <a:rPr lang="nl-NL" baseline="0" dirty="0" smtClean="0"/>
-              <a:t> Dan een witregel.</a:t>
-            </a:r>
             <a:endParaRPr lang="nl-NL" dirty="0"/>
           </a:p>
         </p:txBody>
@@ -2350,7 +2279,7 @@
             <a:fld id="{38075BC8-9B54-074D-AB05-EEC369B5EB13}" type="slidenum">
               <a:rPr lang="nl-NL" smtClean="0"/>
               <a:pPr/>
-              <a:t>36</a:t>
+              <a:t>37</a:t>
             </a:fld>
             <a:endParaRPr lang="nl-NL"/>
           </a:p>
@@ -2359,7 +2288,7 @@
     </p:spTree>
     <p:extLst>
       <p:ext uri="{BB962C8B-B14F-4D97-AF65-F5344CB8AC3E}">
-        <p14:creationId xmlns="" xmlns:p14="http://schemas.microsoft.com/office/powerpoint/2010/main" val="2531556722"/>
+        <p14:creationId xmlns:p14="http://schemas.microsoft.com/office/powerpoint/2010/main" xmlns="" val="1099155352"/>
       </p:ext>
     </p:extLst>
   </p:cSld>
@@ -2413,21 +2342,7 @@
           <a:bodyPr/>
           <a:lstStyle/>
           <a:p>
-            <a:r>
-              <a:rPr lang="nl-NL" dirty="0" smtClean="0"/>
-              <a:t>I, en als het niet 4 is maar 3?</a:t>
-            </a:r>
-            <a:r>
-              <a:rPr lang="nl-NL" baseline="0" dirty="0" smtClean="0"/>
-              <a:t> Dan een witregel.</a:t>
-            </a:r>
-          </a:p>
-          <a:p>
-            <a:r>
-              <a:rPr lang="nl-NL" baseline="0" dirty="0" smtClean="0"/>
-              <a:t>Voorbeeld kun je ook vinden op:</a:t>
-            </a:r>
-            <a:endParaRPr lang="nl-NL" dirty="0"/>
+            <a:endParaRPr lang="nl-NL" dirty="0" smtClean="0"/>
           </a:p>
         </p:txBody>
       </p:sp>
@@ -2458,351 +2373,7 @@
     </p:spTree>
     <p:extLst>
       <p:ext uri="{BB962C8B-B14F-4D97-AF65-F5344CB8AC3E}">
-        <p14:creationId xmlns="" xmlns:p14="http://schemas.microsoft.com/office/powerpoint/2010/main" val="2531556722"/>
-      </p:ext>
-    </p:extLst>
-  </p:cSld>
-  <p:clrMapOvr>
-    <a:masterClrMapping/>
-  </p:clrMapOvr>
-</p:notes>
-</file>
-
-<file path=ppt/notesSlides/notesSlide26.xml><?xml version="1.0" encoding="utf-8"?>
-<p:notes xmlns:a="http://schemas.openxmlformats.org/drawingml/2006/main" xmlns:r="http://schemas.openxmlformats.org/officeDocument/2006/relationships" xmlns:p="http://schemas.openxmlformats.org/presentationml/2006/main">
-  <p:cSld>
-    <p:spTree>
-      <p:nvGrpSpPr>
-        <p:cNvPr id="1" name=""/>
-        <p:cNvGrpSpPr/>
-        <p:nvPr/>
-      </p:nvGrpSpPr>
-      <p:grpSpPr>
-        <a:xfrm>
-          <a:off x="0" y="0"/>
-          <a:ext cx="0" cy="0"/>
-          <a:chOff x="0" y="0"/>
-          <a:chExt cx="0" cy="0"/>
-        </a:xfrm>
-      </p:grpSpPr>
-      <p:sp>
-        <p:nvSpPr>
-          <p:cNvPr id="2" name="Tijdelijke aanduiding voor dia-afbeelding 1"/>
-          <p:cNvSpPr>
-            <a:spLocks noGrp="1" noRot="1" noChangeAspect="1"/>
-          </p:cNvSpPr>
-          <p:nvPr>
-            <p:ph type="sldImg"/>
-          </p:nvPr>
-        </p:nvSpPr>
-        <p:spPr/>
-      </p:sp>
-      <p:sp>
-        <p:nvSpPr>
-          <p:cNvPr id="3" name="Tijdelijke aanduiding voor notities 2"/>
-          <p:cNvSpPr>
-            <a:spLocks noGrp="1"/>
-          </p:cNvSpPr>
-          <p:nvPr>
-            <p:ph type="body" idx="1"/>
-          </p:nvPr>
-        </p:nvSpPr>
-        <p:spPr/>
-        <p:txBody>
-          <a:bodyPr/>
-          <a:lstStyle/>
-          <a:p>
-            <a:r>
-              <a:rPr lang="nl-NL" dirty="0" smtClean="0"/>
-              <a:t>Maak deze opdracht af.</a:t>
-            </a:r>
-            <a:endParaRPr lang="nl-NL" dirty="0"/>
-          </a:p>
-        </p:txBody>
-      </p:sp>
-      <p:sp>
-        <p:nvSpPr>
-          <p:cNvPr id="4" name="Tijdelijke aanduiding voor dianummer 3"/>
-          <p:cNvSpPr>
-            <a:spLocks noGrp="1"/>
-          </p:cNvSpPr>
-          <p:nvPr>
-            <p:ph type="sldNum" sz="quarter" idx="10"/>
-          </p:nvPr>
-        </p:nvSpPr>
-        <p:spPr/>
-        <p:txBody>
-          <a:bodyPr/>
-          <a:lstStyle/>
-          <a:p>
-            <a:fld id="{38075BC8-9B54-074D-AB05-EEC369B5EB13}" type="slidenum">
-              <a:rPr lang="nl-NL" smtClean="0"/>
-              <a:pPr/>
-              <a:t>40</a:t>
-            </a:fld>
-            <a:endParaRPr lang="nl-NL"/>
-          </a:p>
-        </p:txBody>
-      </p:sp>
-    </p:spTree>
-    <p:extLst>
-      <p:ext uri="{BB962C8B-B14F-4D97-AF65-F5344CB8AC3E}">
-        <p14:creationId xmlns="" xmlns:p14="http://schemas.microsoft.com/office/powerpoint/2010/main" val="1099155352"/>
-      </p:ext>
-    </p:extLst>
-  </p:cSld>
-  <p:clrMapOvr>
-    <a:masterClrMapping/>
-  </p:clrMapOvr>
-</p:notes>
-</file>
-
-<file path=ppt/notesSlides/notesSlide27.xml><?xml version="1.0" encoding="utf-8"?>
-<p:notes xmlns:a="http://schemas.openxmlformats.org/drawingml/2006/main" xmlns:r="http://schemas.openxmlformats.org/officeDocument/2006/relationships" xmlns:p="http://schemas.openxmlformats.org/presentationml/2006/main">
-  <p:cSld>
-    <p:spTree>
-      <p:nvGrpSpPr>
-        <p:cNvPr id="1" name=""/>
-        <p:cNvGrpSpPr/>
-        <p:nvPr/>
-      </p:nvGrpSpPr>
-      <p:grpSpPr>
-        <a:xfrm>
-          <a:off x="0" y="0"/>
-          <a:ext cx="0" cy="0"/>
-          <a:chOff x="0" y="0"/>
-          <a:chExt cx="0" cy="0"/>
-        </a:xfrm>
-      </p:grpSpPr>
-      <p:sp>
-        <p:nvSpPr>
-          <p:cNvPr id="2" name="Tijdelijke aanduiding voor dia-afbeelding 1"/>
-          <p:cNvSpPr>
-            <a:spLocks noGrp="1" noRot="1" noChangeAspect="1"/>
-          </p:cNvSpPr>
-          <p:nvPr>
-            <p:ph type="sldImg"/>
-          </p:nvPr>
-        </p:nvSpPr>
-        <p:spPr/>
-      </p:sp>
-      <p:sp>
-        <p:nvSpPr>
-          <p:cNvPr id="3" name="Tijdelijke aanduiding voor notities 2"/>
-          <p:cNvSpPr>
-            <a:spLocks noGrp="1"/>
-          </p:cNvSpPr>
-          <p:nvPr>
-            <p:ph type="body" idx="1"/>
-          </p:nvPr>
-        </p:nvSpPr>
-        <p:spPr/>
-        <p:txBody>
-          <a:bodyPr/>
-          <a:lstStyle/>
-          <a:p>
-            <a:endParaRPr lang="nl-NL" dirty="0"/>
-          </a:p>
-        </p:txBody>
-      </p:sp>
-      <p:sp>
-        <p:nvSpPr>
-          <p:cNvPr id="4" name="Tijdelijke aanduiding voor dianummer 3"/>
-          <p:cNvSpPr>
-            <a:spLocks noGrp="1"/>
-          </p:cNvSpPr>
-          <p:nvPr>
-            <p:ph type="sldNum" sz="quarter" idx="10"/>
-          </p:nvPr>
-        </p:nvSpPr>
-        <p:spPr/>
-        <p:txBody>
-          <a:bodyPr/>
-          <a:lstStyle/>
-          <a:p>
-            <a:fld id="{38075BC8-9B54-074D-AB05-EEC369B5EB13}" type="slidenum">
-              <a:rPr lang="nl-NL" smtClean="0"/>
-              <a:pPr/>
-              <a:t>41</a:t>
-            </a:fld>
-            <a:endParaRPr lang="nl-NL"/>
-          </a:p>
-        </p:txBody>
-      </p:sp>
-    </p:spTree>
-    <p:extLst>
-      <p:ext uri="{BB962C8B-B14F-4D97-AF65-F5344CB8AC3E}">
-        <p14:creationId xmlns="" xmlns:p14="http://schemas.microsoft.com/office/powerpoint/2010/main" val="1099155352"/>
-      </p:ext>
-    </p:extLst>
-  </p:cSld>
-  <p:clrMapOvr>
-    <a:masterClrMapping/>
-  </p:clrMapOvr>
-</p:notes>
-</file>
-
-<file path=ppt/notesSlides/notesSlide28.xml><?xml version="1.0" encoding="utf-8"?>
-<p:notes xmlns:a="http://schemas.openxmlformats.org/drawingml/2006/main" xmlns:r="http://schemas.openxmlformats.org/officeDocument/2006/relationships" xmlns:p="http://schemas.openxmlformats.org/presentationml/2006/main">
-  <p:cSld>
-    <p:spTree>
-      <p:nvGrpSpPr>
-        <p:cNvPr id="1" name=""/>
-        <p:cNvGrpSpPr/>
-        <p:nvPr/>
-      </p:nvGrpSpPr>
-      <p:grpSpPr>
-        <a:xfrm>
-          <a:off x="0" y="0"/>
-          <a:ext cx="0" cy="0"/>
-          <a:chOff x="0" y="0"/>
-          <a:chExt cx="0" cy="0"/>
-        </a:xfrm>
-      </p:grpSpPr>
-      <p:sp>
-        <p:nvSpPr>
-          <p:cNvPr id="2" name="Tijdelijke aanduiding voor dia-afbeelding 1"/>
-          <p:cNvSpPr>
-            <a:spLocks noGrp="1" noRot="1" noChangeAspect="1"/>
-          </p:cNvSpPr>
-          <p:nvPr>
-            <p:ph type="sldImg"/>
-          </p:nvPr>
-        </p:nvSpPr>
-        <p:spPr/>
-      </p:sp>
-      <p:sp>
-        <p:nvSpPr>
-          <p:cNvPr id="3" name="Tijdelijke aanduiding voor notities 2"/>
-          <p:cNvSpPr>
-            <a:spLocks noGrp="1"/>
-          </p:cNvSpPr>
-          <p:nvPr>
-            <p:ph type="body" idx="1"/>
-          </p:nvPr>
-        </p:nvSpPr>
-        <p:spPr/>
-        <p:txBody>
-          <a:bodyPr/>
-          <a:lstStyle/>
-          <a:p>
-            <a:endParaRPr lang="nl-NL" dirty="0"/>
-          </a:p>
-        </p:txBody>
-      </p:sp>
-      <p:sp>
-        <p:nvSpPr>
-          <p:cNvPr id="4" name="Tijdelijke aanduiding voor dianummer 3"/>
-          <p:cNvSpPr>
-            <a:spLocks noGrp="1"/>
-          </p:cNvSpPr>
-          <p:nvPr>
-            <p:ph type="sldNum" sz="quarter" idx="10"/>
-          </p:nvPr>
-        </p:nvSpPr>
-        <p:spPr/>
-        <p:txBody>
-          <a:bodyPr/>
-          <a:lstStyle/>
-          <a:p>
-            <a:fld id="{38075BC8-9B54-074D-AB05-EEC369B5EB13}" type="slidenum">
-              <a:rPr lang="nl-NL" smtClean="0"/>
-              <a:pPr/>
-              <a:t>42</a:t>
-            </a:fld>
-            <a:endParaRPr lang="nl-NL"/>
-          </a:p>
-        </p:txBody>
-      </p:sp>
-    </p:spTree>
-    <p:extLst>
-      <p:ext uri="{BB962C8B-B14F-4D97-AF65-F5344CB8AC3E}">
-        <p14:creationId xmlns="" xmlns:p14="http://schemas.microsoft.com/office/powerpoint/2010/main" val="1099155352"/>
-      </p:ext>
-    </p:extLst>
-  </p:cSld>
-  <p:clrMapOvr>
-    <a:masterClrMapping/>
-  </p:clrMapOvr>
-</p:notes>
-</file>
-
-<file path=ppt/notesSlides/notesSlide29.xml><?xml version="1.0" encoding="utf-8"?>
-<p:notes xmlns:a="http://schemas.openxmlformats.org/drawingml/2006/main" xmlns:r="http://schemas.openxmlformats.org/officeDocument/2006/relationships" xmlns:p="http://schemas.openxmlformats.org/presentationml/2006/main">
-  <p:cSld>
-    <p:spTree>
-      <p:nvGrpSpPr>
-        <p:cNvPr id="1" name=""/>
-        <p:cNvGrpSpPr/>
-        <p:nvPr/>
-      </p:nvGrpSpPr>
-      <p:grpSpPr>
-        <a:xfrm>
-          <a:off x="0" y="0"/>
-          <a:ext cx="0" cy="0"/>
-          <a:chOff x="0" y="0"/>
-          <a:chExt cx="0" cy="0"/>
-        </a:xfrm>
-      </p:grpSpPr>
-      <p:sp>
-        <p:nvSpPr>
-          <p:cNvPr id="2" name="Tijdelijke aanduiding voor dia-afbeelding 1"/>
-          <p:cNvSpPr>
-            <a:spLocks noGrp="1" noRot="1" noChangeAspect="1"/>
-          </p:cNvSpPr>
-          <p:nvPr>
-            <p:ph type="sldImg"/>
-          </p:nvPr>
-        </p:nvSpPr>
-        <p:spPr/>
-      </p:sp>
-      <p:sp>
-        <p:nvSpPr>
-          <p:cNvPr id="3" name="Tijdelijke aanduiding voor notities 2"/>
-          <p:cNvSpPr>
-            <a:spLocks noGrp="1"/>
-          </p:cNvSpPr>
-          <p:nvPr>
-            <p:ph type="body" idx="1"/>
-          </p:nvPr>
-        </p:nvSpPr>
-        <p:spPr/>
-        <p:txBody>
-          <a:bodyPr/>
-          <a:lstStyle/>
-          <a:p>
-            <a:endParaRPr lang="nl-NL" dirty="0" smtClean="0"/>
-          </a:p>
-        </p:txBody>
-      </p:sp>
-      <p:sp>
-        <p:nvSpPr>
-          <p:cNvPr id="4" name="Tijdelijke aanduiding voor dianummer 3"/>
-          <p:cNvSpPr>
-            <a:spLocks noGrp="1"/>
-          </p:cNvSpPr>
-          <p:nvPr>
-            <p:ph type="sldNum" sz="quarter" idx="10"/>
-          </p:nvPr>
-        </p:nvSpPr>
-        <p:spPr/>
-        <p:txBody>
-          <a:bodyPr/>
-          <a:lstStyle/>
-          <a:p>
-            <a:fld id="{38075BC8-9B54-074D-AB05-EEC369B5EB13}" type="slidenum">
-              <a:rPr lang="nl-NL" smtClean="0"/>
-              <a:pPr/>
-              <a:t>43</a:t>
-            </a:fld>
-            <a:endParaRPr lang="nl-NL"/>
-          </a:p>
-        </p:txBody>
-      </p:sp>
-    </p:spTree>
-    <p:extLst>
-      <p:ext uri="{BB962C8B-B14F-4D97-AF65-F5344CB8AC3E}">
-        <p14:creationId xmlns="" xmlns:p14="http://schemas.microsoft.com/office/powerpoint/2010/main" val="3554293232"/>
+        <p14:creationId xmlns:p14="http://schemas.microsoft.com/office/powerpoint/2010/main" xmlns="" val="3554293232"/>
       </p:ext>
     </p:extLst>
   </p:cSld>
@@ -3071,7 +2642,7 @@
     </p:spTree>
     <p:extLst>
       <p:ext uri="{BB962C8B-B14F-4D97-AF65-F5344CB8AC3E}">
-        <p14:creationId xmlns="" xmlns:p14="http://schemas.microsoft.com/office/powerpoint/2010/main" val="2531556722"/>
+        <p14:creationId xmlns:p14="http://schemas.microsoft.com/office/powerpoint/2010/main" xmlns="" val="2531556722"/>
       </p:ext>
     </p:extLst>
   </p:cSld>
@@ -3332,7 +2903,7 @@
     </p:spTree>
     <p:extLst>
       <p:ext uri="{BB962C8B-B14F-4D97-AF65-F5344CB8AC3E}">
-        <p14:creationId xmlns="" xmlns:p14="http://schemas.microsoft.com/office/powerpoint/2010/main" val="2531556722"/>
+        <p14:creationId xmlns:p14="http://schemas.microsoft.com/office/powerpoint/2010/main" xmlns="" val="2531556722"/>
       </p:ext>
     </p:extLst>
   </p:cSld>
@@ -3449,7 +3020,7 @@
     </p:spTree>
     <p:extLst>
       <p:ext uri="{BB962C8B-B14F-4D97-AF65-F5344CB8AC3E}">
-        <p14:creationId xmlns="" xmlns:p14="http://schemas.microsoft.com/office/powerpoint/2010/main" val="2531556722"/>
+        <p14:creationId xmlns:p14="http://schemas.microsoft.com/office/powerpoint/2010/main" xmlns="" val="2531556722"/>
       </p:ext>
     </p:extLst>
   </p:cSld>
@@ -3641,7 +3212,7 @@
             <a:fld id="{67F3BEE5-94E6-E445-95DA-CAD88A30EC74}" type="datetimeFigureOut">
               <a:rPr lang="nl-NL" smtClean="0"/>
               <a:pPr/>
-              <a:t>8-10-2014</a:t>
+              <a:t>13-10-2014</a:t>
             </a:fld>
             <a:endParaRPr lang="nl-NL"/>
           </a:p>
@@ -3684,7 +3255,7 @@
             <a:fld id="{4B3BD6EF-DFBF-244C-B9AC-84EA73E0F738}" type="slidenum">
               <a:rPr lang="nl-NL" smtClean="0"/>
               <a:pPr/>
-              <a:t>‹#›</a:t>
+              <a:t>‹nr.›</a:t>
             </a:fld>
             <a:endParaRPr lang="nl-NL"/>
           </a:p>
@@ -3693,7 +3264,7 @@
     </p:spTree>
     <p:extLst>
       <p:ext uri="{BB962C8B-B14F-4D97-AF65-F5344CB8AC3E}">
-        <p14:creationId xmlns="" xmlns:p14="http://schemas.microsoft.com/office/powerpoint/2010/main" val="1609621839"/>
+        <p14:creationId xmlns:p14="http://schemas.microsoft.com/office/powerpoint/2010/main" xmlns="" val="1609621839"/>
       </p:ext>
     </p:extLst>
   </p:cSld>
@@ -3813,7 +3384,7 @@
             <a:fld id="{67F3BEE5-94E6-E445-95DA-CAD88A30EC74}" type="datetimeFigureOut">
               <a:rPr lang="nl-NL" smtClean="0"/>
               <a:pPr/>
-              <a:t>8-10-2014</a:t>
+              <a:t>13-10-2014</a:t>
             </a:fld>
             <a:endParaRPr lang="nl-NL"/>
           </a:p>
@@ -3856,7 +3427,7 @@
             <a:fld id="{4B3BD6EF-DFBF-244C-B9AC-84EA73E0F738}" type="slidenum">
               <a:rPr lang="nl-NL" smtClean="0"/>
               <a:pPr/>
-              <a:t>‹#›</a:t>
+              <a:t>‹nr.›</a:t>
             </a:fld>
             <a:endParaRPr lang="nl-NL"/>
           </a:p>
@@ -3865,7 +3436,7 @@
     </p:spTree>
     <p:extLst>
       <p:ext uri="{BB962C8B-B14F-4D97-AF65-F5344CB8AC3E}">
-        <p14:creationId xmlns="" xmlns:p14="http://schemas.microsoft.com/office/powerpoint/2010/main" val="1295549590"/>
+        <p14:creationId xmlns:p14="http://schemas.microsoft.com/office/powerpoint/2010/main" xmlns="" val="1295549590"/>
       </p:ext>
     </p:extLst>
   </p:cSld>
@@ -3995,7 +3566,7 @@
             <a:fld id="{67F3BEE5-94E6-E445-95DA-CAD88A30EC74}" type="datetimeFigureOut">
               <a:rPr lang="nl-NL" smtClean="0"/>
               <a:pPr/>
-              <a:t>8-10-2014</a:t>
+              <a:t>13-10-2014</a:t>
             </a:fld>
             <a:endParaRPr lang="nl-NL"/>
           </a:p>
@@ -4038,7 +3609,7 @@
             <a:fld id="{4B3BD6EF-DFBF-244C-B9AC-84EA73E0F738}" type="slidenum">
               <a:rPr lang="nl-NL" smtClean="0"/>
               <a:pPr/>
-              <a:t>‹#›</a:t>
+              <a:t>‹nr.›</a:t>
             </a:fld>
             <a:endParaRPr lang="nl-NL"/>
           </a:p>
@@ -4047,7 +3618,7 @@
     </p:spTree>
     <p:extLst>
       <p:ext uri="{BB962C8B-B14F-4D97-AF65-F5344CB8AC3E}">
-        <p14:creationId xmlns="" xmlns:p14="http://schemas.microsoft.com/office/powerpoint/2010/main" val="2596447324"/>
+        <p14:creationId xmlns:p14="http://schemas.microsoft.com/office/powerpoint/2010/main" xmlns="" val="2596447324"/>
       </p:ext>
     </p:extLst>
   </p:cSld>
@@ -4167,7 +3738,7 @@
             <a:fld id="{67F3BEE5-94E6-E445-95DA-CAD88A30EC74}" type="datetimeFigureOut">
               <a:rPr lang="nl-NL" smtClean="0"/>
               <a:pPr/>
-              <a:t>8-10-2014</a:t>
+              <a:t>13-10-2014</a:t>
             </a:fld>
             <a:endParaRPr lang="nl-NL"/>
           </a:p>
@@ -4210,7 +3781,7 @@
             <a:fld id="{4B3BD6EF-DFBF-244C-B9AC-84EA73E0F738}" type="slidenum">
               <a:rPr lang="nl-NL" smtClean="0"/>
               <a:pPr/>
-              <a:t>‹#›</a:t>
+              <a:t>‹nr.›</a:t>
             </a:fld>
             <a:endParaRPr lang="nl-NL"/>
           </a:p>
@@ -4219,7 +3790,7 @@
     </p:spTree>
     <p:extLst>
       <p:ext uri="{BB962C8B-B14F-4D97-AF65-F5344CB8AC3E}">
-        <p14:creationId xmlns="" xmlns:p14="http://schemas.microsoft.com/office/powerpoint/2010/main" val="3529887062"/>
+        <p14:creationId xmlns:p14="http://schemas.microsoft.com/office/powerpoint/2010/main" xmlns="" val="3529887062"/>
       </p:ext>
     </p:extLst>
   </p:cSld>
@@ -4415,7 +3986,7 @@
             <a:fld id="{67F3BEE5-94E6-E445-95DA-CAD88A30EC74}" type="datetimeFigureOut">
               <a:rPr lang="nl-NL" smtClean="0"/>
               <a:pPr/>
-              <a:t>8-10-2014</a:t>
+              <a:t>13-10-2014</a:t>
             </a:fld>
             <a:endParaRPr lang="nl-NL"/>
           </a:p>
@@ -4458,7 +4029,7 @@
             <a:fld id="{4B3BD6EF-DFBF-244C-B9AC-84EA73E0F738}" type="slidenum">
               <a:rPr lang="nl-NL" smtClean="0"/>
               <a:pPr/>
-              <a:t>‹#›</a:t>
+              <a:t>‹nr.›</a:t>
             </a:fld>
             <a:endParaRPr lang="nl-NL"/>
           </a:p>
@@ -4467,7 +4038,7 @@
     </p:spTree>
     <p:extLst>
       <p:ext uri="{BB962C8B-B14F-4D97-AF65-F5344CB8AC3E}">
-        <p14:creationId xmlns="" xmlns:p14="http://schemas.microsoft.com/office/powerpoint/2010/main" val="1504421425"/>
+        <p14:creationId xmlns:p14="http://schemas.microsoft.com/office/powerpoint/2010/main" xmlns="" val="1504421425"/>
       </p:ext>
     </p:extLst>
   </p:cSld>
@@ -4705,7 +4276,7 @@
             <a:fld id="{67F3BEE5-94E6-E445-95DA-CAD88A30EC74}" type="datetimeFigureOut">
               <a:rPr lang="nl-NL" smtClean="0"/>
               <a:pPr/>
-              <a:t>8-10-2014</a:t>
+              <a:t>13-10-2014</a:t>
             </a:fld>
             <a:endParaRPr lang="nl-NL"/>
           </a:p>
@@ -4748,7 +4319,7 @@
             <a:fld id="{4B3BD6EF-DFBF-244C-B9AC-84EA73E0F738}" type="slidenum">
               <a:rPr lang="nl-NL" smtClean="0"/>
               <a:pPr/>
-              <a:t>‹#›</a:t>
+              <a:t>‹nr.›</a:t>
             </a:fld>
             <a:endParaRPr lang="nl-NL"/>
           </a:p>
@@ -4757,7 +4328,7 @@
     </p:spTree>
     <p:extLst>
       <p:ext uri="{BB962C8B-B14F-4D97-AF65-F5344CB8AC3E}">
-        <p14:creationId xmlns="" xmlns:p14="http://schemas.microsoft.com/office/powerpoint/2010/main" val="985573502"/>
+        <p14:creationId xmlns:p14="http://schemas.microsoft.com/office/powerpoint/2010/main" xmlns="" val="985573502"/>
       </p:ext>
     </p:extLst>
   </p:cSld>
@@ -5129,7 +4700,7 @@
             <a:fld id="{67F3BEE5-94E6-E445-95DA-CAD88A30EC74}" type="datetimeFigureOut">
               <a:rPr lang="nl-NL" smtClean="0"/>
               <a:pPr/>
-              <a:t>8-10-2014</a:t>
+              <a:t>13-10-2014</a:t>
             </a:fld>
             <a:endParaRPr lang="nl-NL"/>
           </a:p>
@@ -5172,7 +4743,7 @@
             <a:fld id="{4B3BD6EF-DFBF-244C-B9AC-84EA73E0F738}" type="slidenum">
               <a:rPr lang="nl-NL" smtClean="0"/>
               <a:pPr/>
-              <a:t>‹#›</a:t>
+              <a:t>‹nr.›</a:t>
             </a:fld>
             <a:endParaRPr lang="nl-NL"/>
           </a:p>
@@ -5181,7 +4752,7 @@
     </p:spTree>
     <p:extLst>
       <p:ext uri="{BB962C8B-B14F-4D97-AF65-F5344CB8AC3E}">
-        <p14:creationId xmlns="" xmlns:p14="http://schemas.microsoft.com/office/powerpoint/2010/main" val="3892708282"/>
+        <p14:creationId xmlns:p14="http://schemas.microsoft.com/office/powerpoint/2010/main" xmlns="" val="3892708282"/>
       </p:ext>
     </p:extLst>
   </p:cSld>
@@ -5249,7 +4820,7 @@
             <a:fld id="{67F3BEE5-94E6-E445-95DA-CAD88A30EC74}" type="datetimeFigureOut">
               <a:rPr lang="nl-NL" smtClean="0"/>
               <a:pPr/>
-              <a:t>8-10-2014</a:t>
+              <a:t>13-10-2014</a:t>
             </a:fld>
             <a:endParaRPr lang="nl-NL"/>
           </a:p>
@@ -5292,7 +4863,7 @@
             <a:fld id="{4B3BD6EF-DFBF-244C-B9AC-84EA73E0F738}" type="slidenum">
               <a:rPr lang="nl-NL" smtClean="0"/>
               <a:pPr/>
-              <a:t>‹#›</a:t>
+              <a:t>‹nr.›</a:t>
             </a:fld>
             <a:endParaRPr lang="nl-NL"/>
           </a:p>
@@ -5301,7 +4872,7 @@
     </p:spTree>
     <p:extLst>
       <p:ext uri="{BB962C8B-B14F-4D97-AF65-F5344CB8AC3E}">
-        <p14:creationId xmlns="" xmlns:p14="http://schemas.microsoft.com/office/powerpoint/2010/main" val="47706445"/>
+        <p14:creationId xmlns:p14="http://schemas.microsoft.com/office/powerpoint/2010/main" xmlns="" val="47706445"/>
       </p:ext>
     </p:extLst>
   </p:cSld>
@@ -5346,7 +4917,7 @@
             <a:fld id="{67F3BEE5-94E6-E445-95DA-CAD88A30EC74}" type="datetimeFigureOut">
               <a:rPr lang="nl-NL" smtClean="0"/>
               <a:pPr/>
-              <a:t>8-10-2014</a:t>
+              <a:t>13-10-2014</a:t>
             </a:fld>
             <a:endParaRPr lang="nl-NL"/>
           </a:p>
@@ -5389,7 +4960,7 @@
             <a:fld id="{4B3BD6EF-DFBF-244C-B9AC-84EA73E0F738}" type="slidenum">
               <a:rPr lang="nl-NL" smtClean="0"/>
               <a:pPr/>
-              <a:t>‹#›</a:t>
+              <a:t>‹nr.›</a:t>
             </a:fld>
             <a:endParaRPr lang="nl-NL"/>
           </a:p>
@@ -5398,7 +4969,7 @@
     </p:spTree>
     <p:extLst>
       <p:ext uri="{BB962C8B-B14F-4D97-AF65-F5344CB8AC3E}">
-        <p14:creationId xmlns="" xmlns:p14="http://schemas.microsoft.com/office/powerpoint/2010/main" val="415016955"/>
+        <p14:creationId xmlns:p14="http://schemas.microsoft.com/office/powerpoint/2010/main" xmlns="" val="415016955"/>
       </p:ext>
     </p:extLst>
   </p:cSld>
@@ -5625,7 +5196,7 @@
             <a:fld id="{67F3BEE5-94E6-E445-95DA-CAD88A30EC74}" type="datetimeFigureOut">
               <a:rPr lang="nl-NL" smtClean="0"/>
               <a:pPr/>
-              <a:t>8-10-2014</a:t>
+              <a:t>13-10-2014</a:t>
             </a:fld>
             <a:endParaRPr lang="nl-NL"/>
           </a:p>
@@ -5668,7 +5239,7 @@
             <a:fld id="{4B3BD6EF-DFBF-244C-B9AC-84EA73E0F738}" type="slidenum">
               <a:rPr lang="nl-NL" smtClean="0"/>
               <a:pPr/>
-              <a:t>‹#›</a:t>
+              <a:t>‹nr.›</a:t>
             </a:fld>
             <a:endParaRPr lang="nl-NL"/>
           </a:p>
@@ -5677,7 +5248,7 @@
     </p:spTree>
     <p:extLst>
       <p:ext uri="{BB962C8B-B14F-4D97-AF65-F5344CB8AC3E}">
-        <p14:creationId xmlns="" xmlns:p14="http://schemas.microsoft.com/office/powerpoint/2010/main" val="278754095"/>
+        <p14:creationId xmlns:p14="http://schemas.microsoft.com/office/powerpoint/2010/main" xmlns="" val="278754095"/>
       </p:ext>
     </p:extLst>
   </p:cSld>
@@ -5880,7 +5451,7 @@
             <a:fld id="{67F3BEE5-94E6-E445-95DA-CAD88A30EC74}" type="datetimeFigureOut">
               <a:rPr lang="nl-NL" smtClean="0"/>
               <a:pPr/>
-              <a:t>8-10-2014</a:t>
+              <a:t>13-10-2014</a:t>
             </a:fld>
             <a:endParaRPr lang="nl-NL"/>
           </a:p>
@@ -5923,7 +5494,7 @@
             <a:fld id="{4B3BD6EF-DFBF-244C-B9AC-84EA73E0F738}" type="slidenum">
               <a:rPr lang="nl-NL" smtClean="0"/>
               <a:pPr/>
-              <a:t>‹#›</a:t>
+              <a:t>‹nr.›</a:t>
             </a:fld>
             <a:endParaRPr lang="nl-NL"/>
           </a:p>
@@ -5932,7 +5503,7 @@
     </p:spTree>
     <p:extLst>
       <p:ext uri="{BB962C8B-B14F-4D97-AF65-F5344CB8AC3E}">
-        <p14:creationId xmlns="" xmlns:p14="http://schemas.microsoft.com/office/powerpoint/2010/main" val="2828589501"/>
+        <p14:creationId xmlns:p14="http://schemas.microsoft.com/office/powerpoint/2010/main" xmlns="" val="2828589501"/>
       </p:ext>
     </p:extLst>
   </p:cSld>
@@ -6095,7 +5666,7 @@
             <a:fld id="{67F3BEE5-94E6-E445-95DA-CAD88A30EC74}" type="datetimeFigureOut">
               <a:rPr lang="nl-NL" smtClean="0"/>
               <a:pPr/>
-              <a:t>8-10-2014</a:t>
+              <a:t>13-10-2014</a:t>
             </a:fld>
             <a:endParaRPr lang="nl-NL"/>
           </a:p>
@@ -6174,7 +5745,7 @@
             <a:fld id="{4B3BD6EF-DFBF-244C-B9AC-84EA73E0F738}" type="slidenum">
               <a:rPr lang="nl-NL" smtClean="0"/>
               <a:pPr/>
-              <a:t>‹#›</a:t>
+              <a:t>‹nr.›</a:t>
             </a:fld>
             <a:endParaRPr lang="nl-NL"/>
           </a:p>
@@ -6183,7 +5754,7 @@
     </p:spTree>
     <p:extLst>
       <p:ext uri="{BB962C8B-B14F-4D97-AF65-F5344CB8AC3E}">
-        <p14:creationId xmlns="" xmlns:p14="http://schemas.microsoft.com/office/powerpoint/2010/main" val="22387284"/>
+        <p14:creationId xmlns:p14="http://schemas.microsoft.com/office/powerpoint/2010/main" xmlns="" val="22387284"/>
       </p:ext>
     </p:extLst>
   </p:cSld>
@@ -6573,7 +6144,7 @@
     </p:spTree>
     <p:extLst>
       <p:ext uri="{BB962C8B-B14F-4D97-AF65-F5344CB8AC3E}">
-        <p14:creationId xmlns="" xmlns:p14="http://schemas.microsoft.com/office/powerpoint/2010/main" val="668355121"/>
+        <p14:creationId xmlns:p14="http://schemas.microsoft.com/office/powerpoint/2010/main" xmlns="" val="668355121"/>
       </p:ext>
     </p:extLst>
   </p:cSld>
@@ -11912,7 +11483,7 @@
     </p:spTree>
     <p:extLst>
       <p:ext uri="{BB962C8B-B14F-4D97-AF65-F5344CB8AC3E}">
-        <p14:creationId xmlns="" xmlns:p14="http://schemas.microsoft.com/office/powerpoint/2010/main" val="2612358646"/>
+        <p14:creationId xmlns:p14="http://schemas.microsoft.com/office/powerpoint/2010/main" xmlns="" val="2612358646"/>
       </p:ext>
     </p:extLst>
   </p:cSld>
@@ -12431,7 +12002,7 @@
     </p:spTree>
     <p:extLst>
       <p:ext uri="{BB962C8B-B14F-4D97-AF65-F5344CB8AC3E}">
-        <p14:creationId xmlns="" xmlns:p14="http://schemas.microsoft.com/office/powerpoint/2010/main" val="3092044375"/>
+        <p14:creationId xmlns:p14="http://schemas.microsoft.com/office/powerpoint/2010/main" xmlns="" val="3092044375"/>
       </p:ext>
     </p:extLst>
   </p:cSld>
@@ -12511,7 +12082,7 @@
     </p:spTree>
     <p:extLst>
       <p:ext uri="{BB962C8B-B14F-4D97-AF65-F5344CB8AC3E}">
-        <p14:creationId xmlns="" xmlns:p14="http://schemas.microsoft.com/office/powerpoint/2010/main" val="734020736"/>
+        <p14:creationId xmlns:p14="http://schemas.microsoft.com/office/powerpoint/2010/main" xmlns="" val="734020736"/>
       </p:ext>
     </p:extLst>
   </p:cSld>
@@ -12598,7 +12169,7 @@
     </p:spTree>
     <p:extLst>
       <p:ext uri="{BB962C8B-B14F-4D97-AF65-F5344CB8AC3E}">
-        <p14:creationId xmlns="" xmlns:p14="http://schemas.microsoft.com/office/powerpoint/2010/main" val="734020736"/>
+        <p14:creationId xmlns:p14="http://schemas.microsoft.com/office/powerpoint/2010/main" xmlns="" val="734020736"/>
       </p:ext>
     </p:extLst>
   </p:cSld>
@@ -13401,7 +12972,7 @@
     </p:spTree>
     <p:extLst>
       <p:ext uri="{BB962C8B-B14F-4D97-AF65-F5344CB8AC3E}">
-        <p14:creationId xmlns="" xmlns:p14="http://schemas.microsoft.com/office/powerpoint/2010/main" val="2369823554"/>
+        <p14:creationId xmlns:p14="http://schemas.microsoft.com/office/powerpoint/2010/main" xmlns="" val="2369823554"/>
       </p:ext>
     </p:extLst>
   </p:cSld>
@@ -14434,7 +14005,7 @@
     </p:spTree>
     <p:extLst>
       <p:ext uri="{BB962C8B-B14F-4D97-AF65-F5344CB8AC3E}">
-        <p14:creationId xmlns="" xmlns:p14="http://schemas.microsoft.com/office/powerpoint/2010/main" val="3354695465"/>
+        <p14:creationId xmlns:p14="http://schemas.microsoft.com/office/powerpoint/2010/main" xmlns="" val="3354695465"/>
       </p:ext>
     </p:extLst>
   </p:cSld>
@@ -14514,7 +14085,7 @@
     </p:spTree>
     <p:extLst>
       <p:ext uri="{BB962C8B-B14F-4D97-AF65-F5344CB8AC3E}">
-        <p14:creationId xmlns="" xmlns:p14="http://schemas.microsoft.com/office/powerpoint/2010/main" val="2695700454"/>
+        <p14:creationId xmlns:p14="http://schemas.microsoft.com/office/powerpoint/2010/main" xmlns="" val="2695700454"/>
       </p:ext>
     </p:extLst>
   </p:cSld>
@@ -15326,7 +14897,7 @@
     </p:spTree>
     <p:extLst>
       <p:ext uri="{BB962C8B-B14F-4D97-AF65-F5344CB8AC3E}">
-        <p14:creationId xmlns="" xmlns:p14="http://schemas.microsoft.com/office/powerpoint/2010/main" val="1361020139"/>
+        <p14:creationId xmlns:p14="http://schemas.microsoft.com/office/powerpoint/2010/main" xmlns="" val="1361020139"/>
       </p:ext>
     </p:extLst>
   </p:cSld>
@@ -15372,7 +14943,7 @@
           <a:blip r:embed="rId2">
             <a:extLst>
               <a:ext uri="{28A0092B-C50C-407E-A947-70E740481C1C}">
-                <a14:useLocalDpi xmlns="" xmlns:a14="http://schemas.microsoft.com/office/drawing/2010/main" val="0"/>
+                <a14:useLocalDpi xmlns:a14="http://schemas.microsoft.com/office/drawing/2010/main" xmlns="" val="0"/>
               </a:ext>
             </a:extLst>
           </a:blip>
@@ -15393,7 +14964,7 @@
     </p:spTree>
     <p:extLst>
       <p:ext uri="{BB962C8B-B14F-4D97-AF65-F5344CB8AC3E}">
-        <p14:creationId xmlns="" xmlns:p14="http://schemas.microsoft.com/office/powerpoint/2010/main" val="795261111"/>
+        <p14:creationId xmlns:p14="http://schemas.microsoft.com/office/powerpoint/2010/main" xmlns="" val="795261111"/>
       </p:ext>
     </p:extLst>
   </p:cSld>
@@ -15439,7 +15010,7 @@
           <a:blip r:embed="rId2">
             <a:extLst>
               <a:ext uri="{28A0092B-C50C-407E-A947-70E740481C1C}">
-                <a14:useLocalDpi xmlns="" xmlns:a14="http://schemas.microsoft.com/office/drawing/2010/main" val="0"/>
+                <a14:useLocalDpi xmlns:a14="http://schemas.microsoft.com/office/drawing/2010/main" xmlns="" val="0"/>
               </a:ext>
             </a:extLst>
           </a:blip>
@@ -15789,7 +15360,7 @@
     </p:spTree>
     <p:extLst>
       <p:ext uri="{BB962C8B-B14F-4D97-AF65-F5344CB8AC3E}">
-        <p14:creationId xmlns="" xmlns:p14="http://schemas.microsoft.com/office/powerpoint/2010/main" val="3427716604"/>
+        <p14:creationId xmlns:p14="http://schemas.microsoft.com/office/powerpoint/2010/main" xmlns="" val="3427716604"/>
       </p:ext>
     </p:extLst>
   </p:cSld>
@@ -17433,7 +17004,7 @@
     </p:spTree>
     <p:extLst>
       <p:ext uri="{BB962C8B-B14F-4D97-AF65-F5344CB8AC3E}">
-        <p14:creationId xmlns="" xmlns:p14="http://schemas.microsoft.com/office/powerpoint/2010/main" val="2041237107"/>
+        <p14:creationId xmlns:p14="http://schemas.microsoft.com/office/powerpoint/2010/main" xmlns="" val="2041237107"/>
       </p:ext>
     </p:extLst>
   </p:cSld>
@@ -18211,7 +17782,7 @@
     </p:spTree>
     <p:extLst>
       <p:ext uri="{BB962C8B-B14F-4D97-AF65-F5344CB8AC3E}">
-        <p14:creationId xmlns="" xmlns:p14="http://schemas.microsoft.com/office/powerpoint/2010/main" val="502708394"/>
+        <p14:creationId xmlns:p14="http://schemas.microsoft.com/office/powerpoint/2010/main" xmlns="" val="502708394"/>
       </p:ext>
     </p:extLst>
   </p:cSld>
@@ -18345,7 +17916,7 @@
     </p:spTree>
     <p:extLst>
       <p:ext uri="{BB962C8B-B14F-4D97-AF65-F5344CB8AC3E}">
-        <p14:creationId xmlns="" xmlns:p14="http://schemas.microsoft.com/office/powerpoint/2010/main" val="1327450433"/>
+        <p14:creationId xmlns:p14="http://schemas.microsoft.com/office/powerpoint/2010/main" xmlns="" val="1327450433"/>
       </p:ext>
     </p:extLst>
   </p:cSld>
@@ -18524,7 +18095,7 @@
     </p:spTree>
     <p:extLst>
       <p:ext uri="{BB962C8B-B14F-4D97-AF65-F5344CB8AC3E}">
-        <p14:creationId xmlns="" xmlns:p14="http://schemas.microsoft.com/office/powerpoint/2010/main" val="242460842"/>
+        <p14:creationId xmlns:p14="http://schemas.microsoft.com/office/powerpoint/2010/main" xmlns="" val="242460842"/>
       </p:ext>
     </p:extLst>
   </p:cSld>
@@ -18604,7 +18175,7 @@
     </p:spTree>
     <p:extLst>
       <p:ext uri="{BB962C8B-B14F-4D97-AF65-F5344CB8AC3E}">
-        <p14:creationId xmlns="" xmlns:p14="http://schemas.microsoft.com/office/powerpoint/2010/main" val="2965063915"/>
+        <p14:creationId xmlns:p14="http://schemas.microsoft.com/office/powerpoint/2010/main" xmlns="" val="2965063915"/>
       </p:ext>
     </p:extLst>
   </p:cSld>
@@ -18650,7 +18221,7 @@
           <a:blip r:embed="rId3">
             <a:extLst>
               <a:ext uri="{28A0092B-C50C-407E-A947-70E740481C1C}">
-                <a14:useLocalDpi xmlns="" xmlns:a14="http://schemas.microsoft.com/office/drawing/2010/main" val="0"/>
+                <a14:useLocalDpi xmlns:a14="http://schemas.microsoft.com/office/drawing/2010/main" xmlns="" val="0"/>
               </a:ext>
             </a:extLst>
           </a:blip>
@@ -19007,7 +18578,7 @@
     </p:spTree>
     <p:extLst>
       <p:ext uri="{BB962C8B-B14F-4D97-AF65-F5344CB8AC3E}">
-        <p14:creationId xmlns="" xmlns:p14="http://schemas.microsoft.com/office/powerpoint/2010/main" val="3427716604"/>
+        <p14:creationId xmlns:p14="http://schemas.microsoft.com/office/powerpoint/2010/main" xmlns="" val="3427716604"/>
       </p:ext>
     </p:extLst>
   </p:cSld>
@@ -19229,7 +18800,7 @@
     </p:spTree>
     <p:extLst>
       <p:ext uri="{BB962C8B-B14F-4D97-AF65-F5344CB8AC3E}">
-        <p14:creationId xmlns="" xmlns:p14="http://schemas.microsoft.com/office/powerpoint/2010/main" val="1377507107"/>
+        <p14:creationId xmlns:p14="http://schemas.microsoft.com/office/powerpoint/2010/main" xmlns="" val="1377507107"/>
       </p:ext>
     </p:extLst>
   </p:cSld>
@@ -21132,7 +20703,7 @@
     </p:spTree>
     <p:extLst>
       <p:ext uri="{BB962C8B-B14F-4D97-AF65-F5344CB8AC3E}">
-        <p14:creationId xmlns="" xmlns:p14="http://schemas.microsoft.com/office/powerpoint/2010/main" val="3166308526"/>
+        <p14:creationId xmlns:p14="http://schemas.microsoft.com/office/powerpoint/2010/main" xmlns="" val="3166308526"/>
       </p:ext>
     </p:extLst>
   </p:cSld>
@@ -21266,7 +20837,7 @@
     </p:spTree>
     <p:extLst>
       <p:ext uri="{BB962C8B-B14F-4D97-AF65-F5344CB8AC3E}">
-        <p14:creationId xmlns="" xmlns:p14="http://schemas.microsoft.com/office/powerpoint/2010/main" val="1162483000"/>
+        <p14:creationId xmlns:p14="http://schemas.microsoft.com/office/powerpoint/2010/main" xmlns="" val="1162483000"/>
       </p:ext>
     </p:extLst>
   </p:cSld>
@@ -21312,7 +20883,7 @@
           <a:blip r:embed="rId3">
             <a:extLst>
               <a:ext uri="{28A0092B-C50C-407E-A947-70E740481C1C}">
-                <a14:useLocalDpi xmlns="" xmlns:a14="http://schemas.microsoft.com/office/drawing/2010/main" val="0"/>
+                <a14:useLocalDpi xmlns:a14="http://schemas.microsoft.com/office/drawing/2010/main" xmlns="" val="0"/>
               </a:ext>
             </a:extLst>
           </a:blip>
@@ -21464,7 +21035,7 @@
     </p:spTree>
     <p:extLst>
       <p:ext uri="{BB962C8B-B14F-4D97-AF65-F5344CB8AC3E}">
-        <p14:creationId xmlns="" xmlns:p14="http://schemas.microsoft.com/office/powerpoint/2010/main" val="735665626"/>
+        <p14:creationId xmlns:p14="http://schemas.microsoft.com/office/powerpoint/2010/main" xmlns="" val="735665626"/>
       </p:ext>
     </p:extLst>
   </p:cSld>
@@ -21650,7 +21221,7 @@
     </p:spTree>
     <p:extLst>
       <p:ext uri="{BB962C8B-B14F-4D97-AF65-F5344CB8AC3E}">
-        <p14:creationId xmlns="" xmlns:p14="http://schemas.microsoft.com/office/powerpoint/2010/main" val="2068506870"/>
+        <p14:creationId xmlns:p14="http://schemas.microsoft.com/office/powerpoint/2010/main" xmlns="" val="2068506870"/>
       </p:ext>
     </p:extLst>
   </p:cSld>
@@ -21689,7 +21260,7 @@
           <a:blip r:embed="rId2">
             <a:extLst>
               <a:ext uri="{28A0092B-C50C-407E-A947-70E740481C1C}">
-                <a14:useLocalDpi xmlns="" xmlns:a14="http://schemas.microsoft.com/office/drawing/2010/main" val="0"/>
+                <a14:useLocalDpi xmlns:a14="http://schemas.microsoft.com/office/drawing/2010/main" xmlns="" val="0"/>
               </a:ext>
             </a:extLst>
           </a:blip>
@@ -21861,7 +21432,7 @@
     </p:spTree>
     <p:extLst>
       <p:ext uri="{BB962C8B-B14F-4D97-AF65-F5344CB8AC3E}">
-        <p14:creationId xmlns="" xmlns:p14="http://schemas.microsoft.com/office/powerpoint/2010/main" val="1574733216"/>
+        <p14:creationId xmlns:p14="http://schemas.microsoft.com/office/powerpoint/2010/main" xmlns="" val="1574733216"/>
       </p:ext>
     </p:extLst>
   </p:cSld>
@@ -21879,2962 +21450,6 @@
 </file>
 
 <file path=ppt/slides/slide34.xml><?xml version="1.0" encoding="utf-8"?>
-<p:sld xmlns:a="http://schemas.openxmlformats.org/drawingml/2006/main" xmlns:r="http://schemas.openxmlformats.org/officeDocument/2006/relationships" xmlns:p="http://schemas.openxmlformats.org/presentationml/2006/main">
-  <p:cSld>
-    <p:spTree>
-      <p:nvGrpSpPr>
-        <p:cNvPr id="1" name=""/>
-        <p:cNvGrpSpPr/>
-        <p:nvPr/>
-      </p:nvGrpSpPr>
-      <p:grpSpPr>
-        <a:xfrm>
-          <a:off x="0" y="0"/>
-          <a:ext cx="0" cy="0"/>
-          <a:chOff x="0" y="0"/>
-          <a:chExt cx="0" cy="0"/>
-        </a:xfrm>
-      </p:grpSpPr>
-      <p:sp>
-        <p:nvSpPr>
-          <p:cNvPr id="2" name="Afgeronde rechthoek 1"/>
-          <p:cNvSpPr/>
-          <p:nvPr/>
-        </p:nvSpPr>
-        <p:spPr>
-          <a:xfrm>
-            <a:off x="6183834" y="249609"/>
-            <a:ext cx="1340391" cy="451339"/>
-          </a:xfrm>
-          <a:prstGeom prst="roundRect">
-            <a:avLst/>
-          </a:prstGeom>
-          <a:solidFill>
-            <a:srgbClr val="008000"/>
-          </a:solidFill>
-          <a:ln>
-            <a:noFill/>
-          </a:ln>
-          <a:effectLst/>
-        </p:spPr>
-        <p:style>
-          <a:lnRef idx="1">
-            <a:schemeClr val="accent1"/>
-          </a:lnRef>
-          <a:fillRef idx="3">
-            <a:schemeClr val="accent1"/>
-          </a:fillRef>
-          <a:effectRef idx="2">
-            <a:schemeClr val="accent1"/>
-          </a:effectRef>
-          <a:fontRef idx="minor">
-            <a:schemeClr val="lt1"/>
-          </a:fontRef>
-        </p:style>
-        <p:txBody>
-          <a:bodyPr rtlCol="0" anchor="t"/>
-          <a:lstStyle/>
-          <a:p>
-            <a:pPr algn="ctr"/>
-            <a:r>
-              <a:rPr lang="nl-NL" sz="1600" dirty="0" smtClean="0"/>
-              <a:t>document</a:t>
-            </a:r>
-            <a:endParaRPr lang="nl-NL" sz="1600" dirty="0"/>
-          </a:p>
-        </p:txBody>
-      </p:sp>
-      <p:sp>
-        <p:nvSpPr>
-          <p:cNvPr id="5" name="Afgeronde rechthoek 4"/>
-          <p:cNvSpPr/>
-          <p:nvPr/>
-        </p:nvSpPr>
-        <p:spPr>
-          <a:xfrm>
-            <a:off x="6023280" y="3425044"/>
-            <a:ext cx="1686442" cy="451339"/>
-          </a:xfrm>
-          <a:prstGeom prst="roundRect">
-            <a:avLst/>
-          </a:prstGeom>
-          <a:solidFill>
-            <a:srgbClr val="CD2400"/>
-          </a:solidFill>
-          <a:ln>
-            <a:noFill/>
-          </a:ln>
-          <a:effectLst/>
-        </p:spPr>
-        <p:style>
-          <a:lnRef idx="1">
-            <a:schemeClr val="accent1"/>
-          </a:lnRef>
-          <a:fillRef idx="3">
-            <a:schemeClr val="accent1"/>
-          </a:fillRef>
-          <a:effectRef idx="2">
-            <a:schemeClr val="accent1"/>
-          </a:effectRef>
-          <a:fontRef idx="minor">
-            <a:schemeClr val="lt1"/>
-          </a:fontRef>
-        </p:style>
-        <p:txBody>
-          <a:bodyPr rtlCol="0" anchor="t"/>
-          <a:lstStyle/>
-          <a:p>
-            <a:pPr algn="ctr"/>
-            <a:r>
-              <a:rPr lang="nl-NL" sz="1600" dirty="0" err="1" smtClean="0"/>
-              <a:t>ul</a:t>
-            </a:r>
-            <a:r>
-              <a:rPr lang="nl-NL" sz="1600" dirty="0" smtClean="0"/>
-              <a:t> </a:t>
-            </a:r>
-            <a:r>
-              <a:rPr lang="nl-NL" sz="1600" dirty="0" err="1" smtClean="0"/>
-              <a:t>id</a:t>
-            </a:r>
-            <a:r>
-              <a:rPr lang="nl-NL" sz="1600" dirty="0" smtClean="0"/>
-              <a:t>=</a:t>
-            </a:r>
-            <a:r>
-              <a:rPr lang="nl-NL" sz="1600" dirty="0" err="1" smtClean="0"/>
-              <a:t>todo</a:t>
-            </a:r>
-            <a:endParaRPr lang="nl-NL" sz="1600" dirty="0"/>
-          </a:p>
-        </p:txBody>
-      </p:sp>
-      <p:cxnSp>
-        <p:nvCxnSpPr>
-          <p:cNvPr id="14" name="Rechte verbindingslijn met pijl 13"/>
-          <p:cNvCxnSpPr>
-            <a:endCxn id="24" idx="0"/>
-          </p:cNvCxnSpPr>
-          <p:nvPr/>
-        </p:nvCxnSpPr>
-        <p:spPr>
-          <a:xfrm>
-            <a:off x="5352896" y="4149080"/>
-            <a:ext cx="39670" cy="643333"/>
-          </a:xfrm>
-          <a:prstGeom prst="straightConnector1">
-            <a:avLst/>
-          </a:prstGeom>
-          <a:ln>
-            <a:solidFill>
-              <a:schemeClr val="tx1"/>
-            </a:solidFill>
-            <a:tailEnd type="arrow"/>
-          </a:ln>
-          <a:effectLst/>
-        </p:spPr>
-        <p:style>
-          <a:lnRef idx="2">
-            <a:schemeClr val="accent1"/>
-          </a:lnRef>
-          <a:fillRef idx="0">
-            <a:schemeClr val="accent1"/>
-          </a:fillRef>
-          <a:effectRef idx="1">
-            <a:schemeClr val="accent1"/>
-          </a:effectRef>
-          <a:fontRef idx="minor">
-            <a:schemeClr val="tx1"/>
-          </a:fontRef>
-        </p:style>
-      </p:cxnSp>
-      <p:cxnSp>
-        <p:nvCxnSpPr>
-          <p:cNvPr id="17" name="Rechte verbindingslijn met pijl 16"/>
-          <p:cNvCxnSpPr>
-            <a:endCxn id="25" idx="0"/>
-          </p:cNvCxnSpPr>
-          <p:nvPr/>
-        </p:nvCxnSpPr>
-        <p:spPr>
-          <a:xfrm>
-            <a:off x="6741320" y="4140383"/>
-            <a:ext cx="0" cy="652030"/>
-          </a:xfrm>
-          <a:prstGeom prst="straightConnector1">
-            <a:avLst/>
-          </a:prstGeom>
-          <a:ln>
-            <a:solidFill>
-              <a:schemeClr val="tx1"/>
-            </a:solidFill>
-            <a:tailEnd type="arrow"/>
-          </a:ln>
-          <a:effectLst/>
-        </p:spPr>
-        <p:style>
-          <a:lnRef idx="2">
-            <a:schemeClr val="accent1"/>
-          </a:lnRef>
-          <a:fillRef idx="0">
-            <a:schemeClr val="accent1"/>
-          </a:fillRef>
-          <a:effectRef idx="1">
-            <a:schemeClr val="accent1"/>
-          </a:effectRef>
-          <a:fontRef idx="minor">
-            <a:schemeClr val="tx1"/>
-          </a:fontRef>
-        </p:style>
-      </p:cxnSp>
-      <p:sp>
-        <p:nvSpPr>
-          <p:cNvPr id="19" name="Afgeronde rechthoek 18"/>
-          <p:cNvSpPr/>
-          <p:nvPr/>
-        </p:nvSpPr>
-        <p:spPr>
-          <a:xfrm>
-            <a:off x="6353817" y="2564091"/>
-            <a:ext cx="1025368" cy="451339"/>
-          </a:xfrm>
-          <a:prstGeom prst="roundRect">
-            <a:avLst/>
-          </a:prstGeom>
-          <a:solidFill>
-            <a:srgbClr val="CD2400"/>
-          </a:solidFill>
-          <a:ln>
-            <a:noFill/>
-          </a:ln>
-          <a:effectLst/>
-        </p:spPr>
-        <p:style>
-          <a:lnRef idx="1">
-            <a:schemeClr val="accent1"/>
-          </a:lnRef>
-          <a:fillRef idx="3">
-            <a:schemeClr val="accent1"/>
-          </a:fillRef>
-          <a:effectRef idx="2">
-            <a:schemeClr val="accent1"/>
-          </a:effectRef>
-          <a:fontRef idx="minor">
-            <a:schemeClr val="lt1"/>
-          </a:fontRef>
-        </p:style>
-        <p:txBody>
-          <a:bodyPr rtlCol="0" anchor="t"/>
-          <a:lstStyle/>
-          <a:p>
-            <a:pPr algn="ctr"/>
-            <a:r>
-              <a:rPr lang="nl-NL" sz="1600" dirty="0" smtClean="0"/>
-              <a:t>body</a:t>
-            </a:r>
-            <a:endParaRPr lang="nl-NL" sz="1600" dirty="0"/>
-          </a:p>
-        </p:txBody>
-      </p:sp>
-      <p:sp>
-        <p:nvSpPr>
-          <p:cNvPr id="23" name="Afgeronde rechthoek 22"/>
-          <p:cNvSpPr/>
-          <p:nvPr/>
-        </p:nvSpPr>
-        <p:spPr>
-          <a:xfrm>
-            <a:off x="6189830" y="905403"/>
-            <a:ext cx="1340391" cy="451339"/>
-          </a:xfrm>
-          <a:prstGeom prst="roundRect">
-            <a:avLst/>
-          </a:prstGeom>
-          <a:solidFill>
-            <a:srgbClr val="008000"/>
-          </a:solidFill>
-          <a:ln>
-            <a:noFill/>
-          </a:ln>
-          <a:effectLst/>
-        </p:spPr>
-        <p:style>
-          <a:lnRef idx="1">
-            <a:schemeClr val="accent1"/>
-          </a:lnRef>
-          <a:fillRef idx="3">
-            <a:schemeClr val="accent1"/>
-          </a:fillRef>
-          <a:effectRef idx="2">
-            <a:schemeClr val="accent1"/>
-          </a:effectRef>
-          <a:fontRef idx="minor">
-            <a:schemeClr val="lt1"/>
-          </a:fontRef>
-        </p:style>
-        <p:txBody>
-          <a:bodyPr rtlCol="0" anchor="t"/>
-          <a:lstStyle/>
-          <a:p>
-            <a:pPr algn="ctr"/>
-            <a:r>
-              <a:rPr lang="nl-NL" sz="1600" dirty="0" smtClean="0"/>
-              <a:t>html</a:t>
-            </a:r>
-            <a:endParaRPr lang="nl-NL" sz="1600" dirty="0"/>
-          </a:p>
-        </p:txBody>
-      </p:sp>
-      <p:sp>
-        <p:nvSpPr>
-          <p:cNvPr id="24" name="Afgeronde rechthoek 23"/>
-          <p:cNvSpPr/>
-          <p:nvPr/>
-        </p:nvSpPr>
-        <p:spPr>
-          <a:xfrm>
-            <a:off x="4777202" y="4792413"/>
-            <a:ext cx="1230728" cy="451339"/>
-          </a:xfrm>
-          <a:prstGeom prst="roundRect">
-            <a:avLst/>
-          </a:prstGeom>
-          <a:solidFill>
-            <a:schemeClr val="accent6">
-              <a:lumMod val="75000"/>
-            </a:schemeClr>
-          </a:solidFill>
-          <a:ln>
-            <a:noFill/>
-          </a:ln>
-          <a:effectLst/>
-        </p:spPr>
-        <p:style>
-          <a:lnRef idx="1">
-            <a:schemeClr val="accent1"/>
-          </a:lnRef>
-          <a:fillRef idx="3">
-            <a:schemeClr val="accent1"/>
-          </a:fillRef>
-          <a:effectRef idx="2">
-            <a:schemeClr val="accent1"/>
-          </a:effectRef>
-          <a:fontRef idx="minor">
-            <a:schemeClr val="lt1"/>
-          </a:fontRef>
-        </p:style>
-        <p:txBody>
-          <a:bodyPr rtlCol="0" anchor="t"/>
-          <a:lstStyle/>
-          <a:p>
-            <a:pPr algn="ctr"/>
-            <a:r>
-              <a:rPr lang="nl-NL" sz="1600" dirty="0"/>
-              <a:t>l</a:t>
-            </a:r>
-            <a:r>
-              <a:rPr lang="nl-NL" sz="1600" dirty="0" smtClean="0"/>
-              <a:t>i</a:t>
-            </a:r>
-            <a:endParaRPr lang="nl-NL" sz="1600" dirty="0"/>
-          </a:p>
-        </p:txBody>
-      </p:sp>
-      <p:sp>
-        <p:nvSpPr>
-          <p:cNvPr id="25" name="Afgeronde rechthoek 24"/>
-          <p:cNvSpPr/>
-          <p:nvPr/>
-        </p:nvSpPr>
-        <p:spPr>
-          <a:xfrm>
-            <a:off x="6228636" y="4792413"/>
-            <a:ext cx="1025368" cy="451339"/>
-          </a:xfrm>
-          <a:prstGeom prst="roundRect">
-            <a:avLst/>
-          </a:prstGeom>
-          <a:solidFill>
-            <a:schemeClr val="accent6">
-              <a:lumMod val="75000"/>
-            </a:schemeClr>
-          </a:solidFill>
-          <a:ln>
-            <a:noFill/>
-          </a:ln>
-          <a:effectLst/>
-        </p:spPr>
-        <p:style>
-          <a:lnRef idx="1">
-            <a:schemeClr val="accent1"/>
-          </a:lnRef>
-          <a:fillRef idx="3">
-            <a:schemeClr val="accent1"/>
-          </a:fillRef>
-          <a:effectRef idx="2">
-            <a:schemeClr val="accent1"/>
-          </a:effectRef>
-          <a:fontRef idx="minor">
-            <a:schemeClr val="lt1"/>
-          </a:fontRef>
-        </p:style>
-        <p:txBody>
-          <a:bodyPr rtlCol="0" anchor="t"/>
-          <a:lstStyle/>
-          <a:p>
-            <a:pPr algn="ctr"/>
-            <a:r>
-              <a:rPr lang="nl-NL" sz="1600" dirty="0" smtClean="0"/>
-              <a:t>li</a:t>
-            </a:r>
-            <a:endParaRPr lang="nl-NL" sz="1600" dirty="0"/>
-          </a:p>
-        </p:txBody>
-      </p:sp>
-      <p:sp>
-        <p:nvSpPr>
-          <p:cNvPr id="26" name="Afgeronde rechthoek 25"/>
-          <p:cNvSpPr/>
-          <p:nvPr/>
-        </p:nvSpPr>
-        <p:spPr>
-          <a:xfrm>
-            <a:off x="7552842" y="4792413"/>
-            <a:ext cx="1025368" cy="451339"/>
-          </a:xfrm>
-          <a:prstGeom prst="roundRect">
-            <a:avLst/>
-          </a:prstGeom>
-          <a:solidFill>
-            <a:schemeClr val="accent6">
-              <a:lumMod val="75000"/>
-            </a:schemeClr>
-          </a:solidFill>
-          <a:ln>
-            <a:noFill/>
-          </a:ln>
-          <a:effectLst/>
-        </p:spPr>
-        <p:style>
-          <a:lnRef idx="1">
-            <a:schemeClr val="accent1"/>
-          </a:lnRef>
-          <a:fillRef idx="3">
-            <a:schemeClr val="accent1"/>
-          </a:fillRef>
-          <a:effectRef idx="2">
-            <a:schemeClr val="accent1"/>
-          </a:effectRef>
-          <a:fontRef idx="minor">
-            <a:schemeClr val="lt1"/>
-          </a:fontRef>
-        </p:style>
-        <p:txBody>
-          <a:bodyPr rtlCol="0" anchor="t"/>
-          <a:lstStyle/>
-          <a:p>
-            <a:pPr algn="ctr"/>
-            <a:r>
-              <a:rPr lang="nl-NL" sz="1600" dirty="0" smtClean="0"/>
-              <a:t>li</a:t>
-            </a:r>
-            <a:endParaRPr lang="nl-NL" sz="1600" dirty="0"/>
-          </a:p>
-        </p:txBody>
-      </p:sp>
-      <p:cxnSp>
-        <p:nvCxnSpPr>
-          <p:cNvPr id="49" name="Rechte verbindingslijn met pijl 48"/>
-          <p:cNvCxnSpPr>
-            <a:stCxn id="2" idx="2"/>
-            <a:endCxn id="23" idx="0"/>
-          </p:cNvCxnSpPr>
-          <p:nvPr/>
-        </p:nvCxnSpPr>
-        <p:spPr>
-          <a:xfrm>
-            <a:off x="6854030" y="700948"/>
-            <a:ext cx="5996" cy="204455"/>
-          </a:xfrm>
-          <a:prstGeom prst="straightConnector1">
-            <a:avLst/>
-          </a:prstGeom>
-          <a:ln>
-            <a:solidFill>
-              <a:schemeClr val="tx1"/>
-            </a:solidFill>
-            <a:tailEnd type="arrow"/>
-          </a:ln>
-          <a:effectLst/>
-        </p:spPr>
-        <p:style>
-          <a:lnRef idx="2">
-            <a:schemeClr val="accent1"/>
-          </a:lnRef>
-          <a:fillRef idx="0">
-            <a:schemeClr val="accent1"/>
-          </a:fillRef>
-          <a:effectRef idx="1">
-            <a:schemeClr val="accent1"/>
-          </a:effectRef>
-          <a:fontRef idx="minor">
-            <a:schemeClr val="tx1"/>
-          </a:fontRef>
-        </p:style>
-      </p:cxnSp>
-      <p:cxnSp>
-        <p:nvCxnSpPr>
-          <p:cNvPr id="50" name="Rechte verbindingslijn met pijl 49"/>
-          <p:cNvCxnSpPr>
-            <a:stCxn id="23" idx="2"/>
-            <a:endCxn id="19" idx="0"/>
-          </p:cNvCxnSpPr>
-          <p:nvPr/>
-        </p:nvCxnSpPr>
-        <p:spPr>
-          <a:xfrm>
-            <a:off x="6860026" y="1356742"/>
-            <a:ext cx="6475" cy="1207349"/>
-          </a:xfrm>
-          <a:prstGeom prst="straightConnector1">
-            <a:avLst/>
-          </a:prstGeom>
-          <a:ln>
-            <a:solidFill>
-              <a:schemeClr val="tx1"/>
-            </a:solidFill>
-            <a:tailEnd type="arrow"/>
-          </a:ln>
-          <a:effectLst/>
-        </p:spPr>
-        <p:style>
-          <a:lnRef idx="2">
-            <a:schemeClr val="accent1"/>
-          </a:lnRef>
-          <a:fillRef idx="0">
-            <a:schemeClr val="accent1"/>
-          </a:fillRef>
-          <a:effectRef idx="1">
-            <a:schemeClr val="accent1"/>
-          </a:effectRef>
-          <a:fontRef idx="minor">
-            <a:schemeClr val="tx1"/>
-          </a:fontRef>
-        </p:style>
-      </p:cxnSp>
-      <p:cxnSp>
-        <p:nvCxnSpPr>
-          <p:cNvPr id="56" name="Rechte verbindingslijn 55"/>
-          <p:cNvCxnSpPr/>
-          <p:nvPr/>
-        </p:nvCxnSpPr>
-        <p:spPr>
-          <a:xfrm>
-            <a:off x="5353893" y="4140383"/>
-            <a:ext cx="2717045" cy="0"/>
-          </a:xfrm>
-          <a:prstGeom prst="line">
-            <a:avLst/>
-          </a:prstGeom>
-          <a:ln>
-            <a:solidFill>
-              <a:schemeClr val="tx1"/>
-            </a:solidFill>
-          </a:ln>
-          <a:effectLst/>
-        </p:spPr>
-        <p:style>
-          <a:lnRef idx="2">
-            <a:schemeClr val="accent1"/>
-          </a:lnRef>
-          <a:fillRef idx="0">
-            <a:schemeClr val="accent1"/>
-          </a:fillRef>
-          <a:effectRef idx="1">
-            <a:schemeClr val="accent1"/>
-          </a:effectRef>
-          <a:fontRef idx="minor">
-            <a:schemeClr val="tx1"/>
-          </a:fontRef>
-        </p:style>
-      </p:cxnSp>
-      <p:cxnSp>
-        <p:nvCxnSpPr>
-          <p:cNvPr id="62" name="Rechte verbindingslijn met pijl 61"/>
-          <p:cNvCxnSpPr>
-            <a:stCxn id="5" idx="2"/>
-          </p:cNvCxnSpPr>
-          <p:nvPr/>
-        </p:nvCxnSpPr>
-        <p:spPr>
-          <a:xfrm>
-            <a:off x="6866501" y="3876383"/>
-            <a:ext cx="0" cy="272697"/>
-          </a:xfrm>
-          <a:prstGeom prst="straightConnector1">
-            <a:avLst/>
-          </a:prstGeom>
-          <a:ln>
-            <a:solidFill>
-              <a:schemeClr val="tx1"/>
-            </a:solidFill>
-            <a:tailEnd type="arrow"/>
-          </a:ln>
-          <a:effectLst/>
-        </p:spPr>
-        <p:style>
-          <a:lnRef idx="2">
-            <a:schemeClr val="accent1"/>
-          </a:lnRef>
-          <a:fillRef idx="0">
-            <a:schemeClr val="accent1"/>
-          </a:fillRef>
-          <a:effectRef idx="1">
-            <a:schemeClr val="accent1"/>
-          </a:effectRef>
-          <a:fontRef idx="minor">
-            <a:schemeClr val="tx1"/>
-          </a:fontRef>
-        </p:style>
-      </p:cxnSp>
-      <p:cxnSp>
-        <p:nvCxnSpPr>
-          <p:cNvPr id="63" name="Rechte verbindingslijn met pijl 62"/>
-          <p:cNvCxnSpPr>
-            <a:endCxn id="26" idx="0"/>
-          </p:cNvCxnSpPr>
-          <p:nvPr/>
-        </p:nvCxnSpPr>
-        <p:spPr>
-          <a:xfrm flipH="1">
-            <a:off x="8065526" y="4140383"/>
-            <a:ext cx="5412" cy="652030"/>
-          </a:xfrm>
-          <a:prstGeom prst="straightConnector1">
-            <a:avLst/>
-          </a:prstGeom>
-          <a:ln>
-            <a:solidFill>
-              <a:schemeClr val="tx1"/>
-            </a:solidFill>
-            <a:tailEnd type="arrow"/>
-          </a:ln>
-          <a:effectLst/>
-        </p:spPr>
-        <p:style>
-          <a:lnRef idx="2">
-            <a:schemeClr val="accent1"/>
-          </a:lnRef>
-          <a:fillRef idx="0">
-            <a:schemeClr val="accent1"/>
-          </a:fillRef>
-          <a:effectRef idx="1">
-            <a:schemeClr val="accent1"/>
-          </a:effectRef>
-          <a:fontRef idx="minor">
-            <a:schemeClr val="tx1"/>
-          </a:fontRef>
-        </p:style>
-      </p:cxnSp>
-      <p:cxnSp>
-        <p:nvCxnSpPr>
-          <p:cNvPr id="81" name="Rechte verbindingslijn met pijl 80"/>
-          <p:cNvCxnSpPr>
-            <a:stCxn id="19" idx="2"/>
-            <a:endCxn id="5" idx="0"/>
-          </p:cNvCxnSpPr>
-          <p:nvPr/>
-        </p:nvCxnSpPr>
-        <p:spPr>
-          <a:xfrm>
-            <a:off x="6866501" y="3015430"/>
-            <a:ext cx="0" cy="409614"/>
-          </a:xfrm>
-          <a:prstGeom prst="straightConnector1">
-            <a:avLst/>
-          </a:prstGeom>
-          <a:ln>
-            <a:solidFill>
-              <a:schemeClr val="tx1"/>
-            </a:solidFill>
-            <a:tailEnd type="arrow"/>
-          </a:ln>
-          <a:effectLst/>
-        </p:spPr>
-        <p:style>
-          <a:lnRef idx="2">
-            <a:schemeClr val="accent1"/>
-          </a:lnRef>
-          <a:fillRef idx="0">
-            <a:schemeClr val="accent1"/>
-          </a:fillRef>
-          <a:effectRef idx="1">
-            <a:schemeClr val="accent1"/>
-          </a:effectRef>
-          <a:fontRef idx="minor">
-            <a:schemeClr val="tx1"/>
-          </a:fontRef>
-        </p:style>
-      </p:cxnSp>
-      <p:sp>
-        <p:nvSpPr>
-          <p:cNvPr id="84" name="Tekstvak 83"/>
-          <p:cNvSpPr txBox="1"/>
-          <p:nvPr/>
-        </p:nvSpPr>
-        <p:spPr>
-          <a:xfrm>
-            <a:off x="200644" y="228003"/>
-            <a:ext cx="1891794" cy="584776"/>
-          </a:xfrm>
-          <a:prstGeom prst="rect">
-            <a:avLst/>
-          </a:prstGeom>
-          <a:solidFill>
-            <a:srgbClr val="1C88DA"/>
-          </a:solidFill>
-        </p:spPr>
-        <p:txBody>
-          <a:bodyPr wrap="square" rtlCol="0">
-            <a:spAutoFit/>
-          </a:bodyPr>
-          <a:lstStyle/>
-          <a:p>
-            <a:r>
-              <a:rPr lang="nl-NL" sz="3200" dirty="0" smtClean="0">
-                <a:solidFill>
-                  <a:schemeClr val="bg1"/>
-                </a:solidFill>
-                <a:latin typeface="Century Gothic"/>
-                <a:cs typeface="Century Gothic"/>
-              </a:rPr>
-              <a:t>DOM</a:t>
-            </a:r>
-            <a:endParaRPr lang="nl-NL" sz="3200" dirty="0">
-              <a:solidFill>
-                <a:schemeClr val="bg1"/>
-              </a:solidFill>
-              <a:latin typeface="Century Gothic"/>
-              <a:cs typeface="Century Gothic"/>
-            </a:endParaRPr>
-          </a:p>
-        </p:txBody>
-      </p:sp>
-      <p:sp>
-        <p:nvSpPr>
-          <p:cNvPr id="32" name="Afgeronde rechthoek 31"/>
-          <p:cNvSpPr/>
-          <p:nvPr/>
-        </p:nvSpPr>
-        <p:spPr>
-          <a:xfrm>
-            <a:off x="4869472" y="5666457"/>
-            <a:ext cx="1025368" cy="451339"/>
-          </a:xfrm>
-          <a:prstGeom prst="roundRect">
-            <a:avLst/>
-          </a:prstGeom>
-          <a:solidFill>
-            <a:schemeClr val="bg1">
-              <a:lumMod val="85000"/>
-            </a:schemeClr>
-          </a:solidFill>
-          <a:ln>
-            <a:noFill/>
-          </a:ln>
-          <a:effectLst/>
-        </p:spPr>
-        <p:style>
-          <a:lnRef idx="1">
-            <a:schemeClr val="accent1"/>
-          </a:lnRef>
-          <a:fillRef idx="3">
-            <a:schemeClr val="accent1"/>
-          </a:fillRef>
-          <a:effectRef idx="2">
-            <a:schemeClr val="accent1"/>
-          </a:effectRef>
-          <a:fontRef idx="minor">
-            <a:schemeClr val="lt1"/>
-          </a:fontRef>
-        </p:style>
-        <p:txBody>
-          <a:bodyPr rtlCol="0" anchor="t"/>
-          <a:lstStyle/>
-          <a:p>
-            <a:pPr algn="ctr"/>
-            <a:r>
-              <a:rPr lang="nl-NL" sz="1600" dirty="0" smtClean="0"/>
-              <a:t>Finish..</a:t>
-            </a:r>
-            <a:endParaRPr lang="nl-NL" sz="1600" dirty="0"/>
-          </a:p>
-        </p:txBody>
-      </p:sp>
-      <p:cxnSp>
-        <p:nvCxnSpPr>
-          <p:cNvPr id="33" name="Rechte verbindingslijn met pijl 32"/>
-          <p:cNvCxnSpPr>
-            <a:stCxn id="24" idx="2"/>
-            <a:endCxn id="32" idx="0"/>
-          </p:cNvCxnSpPr>
-          <p:nvPr/>
-        </p:nvCxnSpPr>
-        <p:spPr>
-          <a:xfrm flipH="1">
-            <a:off x="5382156" y="5243752"/>
-            <a:ext cx="10410" cy="422705"/>
-          </a:xfrm>
-          <a:prstGeom prst="straightConnector1">
-            <a:avLst/>
-          </a:prstGeom>
-          <a:ln>
-            <a:solidFill>
-              <a:schemeClr val="tx1"/>
-            </a:solidFill>
-            <a:tailEnd type="arrow"/>
-          </a:ln>
-          <a:effectLst/>
-        </p:spPr>
-        <p:style>
-          <a:lnRef idx="2">
-            <a:schemeClr val="accent1"/>
-          </a:lnRef>
-          <a:fillRef idx="0">
-            <a:schemeClr val="accent1"/>
-          </a:fillRef>
-          <a:effectRef idx="1">
-            <a:schemeClr val="accent1"/>
-          </a:effectRef>
-          <a:fontRef idx="minor">
-            <a:schemeClr val="tx1"/>
-          </a:fontRef>
-        </p:style>
-      </p:cxnSp>
-      <p:sp>
-        <p:nvSpPr>
-          <p:cNvPr id="39" name="Afgeronde rechthoek 38"/>
-          <p:cNvSpPr/>
-          <p:nvPr/>
-        </p:nvSpPr>
-        <p:spPr>
-          <a:xfrm>
-            <a:off x="709077" y="3383349"/>
-            <a:ext cx="1686442" cy="451339"/>
-          </a:xfrm>
-          <a:prstGeom prst="roundRect">
-            <a:avLst/>
-          </a:prstGeom>
-          <a:solidFill>
-            <a:schemeClr val="bg1">
-              <a:lumMod val="85000"/>
-            </a:schemeClr>
-          </a:solidFill>
-          <a:ln>
-            <a:noFill/>
-          </a:ln>
-          <a:effectLst/>
-        </p:spPr>
-        <p:style>
-          <a:lnRef idx="1">
-            <a:schemeClr val="accent1"/>
-          </a:lnRef>
-          <a:fillRef idx="3">
-            <a:schemeClr val="accent1"/>
-          </a:fillRef>
-          <a:effectRef idx="2">
-            <a:schemeClr val="accent1"/>
-          </a:effectRef>
-          <a:fontRef idx="minor">
-            <a:schemeClr val="lt1"/>
-          </a:fontRef>
-        </p:style>
-        <p:txBody>
-          <a:bodyPr rtlCol="0" anchor="t"/>
-          <a:lstStyle/>
-          <a:p>
-            <a:pPr algn="ctr"/>
-            <a:r>
-              <a:rPr lang="nl-NL" sz="1600" dirty="0" smtClean="0"/>
-              <a:t>form</a:t>
-            </a:r>
-            <a:endParaRPr lang="nl-NL" sz="1600" dirty="0"/>
-          </a:p>
-        </p:txBody>
-      </p:sp>
-      <p:sp>
-        <p:nvSpPr>
-          <p:cNvPr id="27" name="Afgeronde rechthoek 26"/>
-          <p:cNvSpPr/>
-          <p:nvPr/>
-        </p:nvSpPr>
-        <p:spPr>
-          <a:xfrm>
-            <a:off x="200644" y="4792413"/>
-            <a:ext cx="1230728" cy="451339"/>
-          </a:xfrm>
-          <a:prstGeom prst="roundRect">
-            <a:avLst/>
-          </a:prstGeom>
-          <a:solidFill>
-            <a:schemeClr val="bg1">
-              <a:lumMod val="85000"/>
-            </a:schemeClr>
-          </a:solidFill>
-          <a:ln>
-            <a:noFill/>
-          </a:ln>
-          <a:effectLst/>
-        </p:spPr>
-        <p:style>
-          <a:lnRef idx="1">
-            <a:schemeClr val="accent1"/>
-          </a:lnRef>
-          <a:fillRef idx="3">
-            <a:schemeClr val="accent1"/>
-          </a:fillRef>
-          <a:effectRef idx="2">
-            <a:schemeClr val="accent1"/>
-          </a:effectRef>
-          <a:fontRef idx="minor">
-            <a:schemeClr val="lt1"/>
-          </a:fontRef>
-        </p:style>
-        <p:txBody>
-          <a:bodyPr rtlCol="0" anchor="t"/>
-          <a:lstStyle/>
-          <a:p>
-            <a:pPr algn="ctr"/>
-            <a:r>
-              <a:rPr lang="nl-NL" sz="1600" dirty="0"/>
-              <a:t>l</a:t>
-            </a:r>
-            <a:r>
-              <a:rPr lang="nl-NL" sz="1600" dirty="0" smtClean="0"/>
-              <a:t>abel</a:t>
-            </a:r>
-            <a:endParaRPr lang="nl-NL" sz="1600" dirty="0"/>
-          </a:p>
-        </p:txBody>
-      </p:sp>
-      <p:sp>
-        <p:nvSpPr>
-          <p:cNvPr id="28" name="Afgeronde rechthoek 27"/>
-          <p:cNvSpPr/>
-          <p:nvPr/>
-        </p:nvSpPr>
-        <p:spPr>
-          <a:xfrm>
-            <a:off x="1550096" y="4792413"/>
-            <a:ext cx="1301267" cy="874044"/>
-          </a:xfrm>
-          <a:prstGeom prst="roundRect">
-            <a:avLst/>
-          </a:prstGeom>
-          <a:solidFill>
-            <a:schemeClr val="bg1">
-              <a:lumMod val="85000"/>
-            </a:schemeClr>
-          </a:solidFill>
-          <a:ln>
-            <a:noFill/>
-          </a:ln>
-          <a:effectLst/>
-        </p:spPr>
-        <p:style>
-          <a:lnRef idx="1">
-            <a:schemeClr val="accent1"/>
-          </a:lnRef>
-          <a:fillRef idx="3">
-            <a:schemeClr val="accent1"/>
-          </a:fillRef>
-          <a:effectRef idx="2">
-            <a:schemeClr val="accent1"/>
-          </a:effectRef>
-          <a:fontRef idx="minor">
-            <a:schemeClr val="lt1"/>
-          </a:fontRef>
-        </p:style>
-        <p:txBody>
-          <a:bodyPr rtlCol="0" anchor="t"/>
-          <a:lstStyle/>
-          <a:p>
-            <a:pPr algn="ctr"/>
-            <a:r>
-              <a:rPr lang="nl-NL" sz="1600" dirty="0"/>
-              <a:t>i</a:t>
-            </a:r>
-            <a:r>
-              <a:rPr lang="nl-NL" sz="1600" dirty="0" smtClean="0"/>
-              <a:t>nput</a:t>
-            </a:r>
-          </a:p>
-          <a:p>
-            <a:pPr algn="ctr"/>
-            <a:r>
-              <a:rPr lang="nl-NL" sz="1600" dirty="0" err="1"/>
-              <a:t>i</a:t>
-            </a:r>
-            <a:r>
-              <a:rPr lang="nl-NL" sz="1600" dirty="0" err="1" smtClean="0"/>
-              <a:t>d</a:t>
-            </a:r>
-            <a:r>
-              <a:rPr lang="nl-NL" sz="1600" dirty="0" smtClean="0"/>
-              <a:t> = </a:t>
-            </a:r>
-            <a:r>
-              <a:rPr lang="nl-NL" sz="1600" dirty="0" err="1" smtClean="0"/>
-              <a:t>todo</a:t>
-            </a:r>
-            <a:r>
-              <a:rPr lang="nl-NL" sz="1600" dirty="0" smtClean="0"/>
-              <a:t>-input</a:t>
-            </a:r>
-            <a:endParaRPr lang="nl-NL" sz="1600" dirty="0"/>
-          </a:p>
-        </p:txBody>
-      </p:sp>
-      <p:sp>
-        <p:nvSpPr>
-          <p:cNvPr id="29" name="Afgeronde rechthoek 28"/>
-          <p:cNvSpPr/>
-          <p:nvPr/>
-        </p:nvSpPr>
-        <p:spPr>
-          <a:xfrm>
-            <a:off x="2976284" y="4792413"/>
-            <a:ext cx="1025368" cy="874044"/>
-          </a:xfrm>
-          <a:prstGeom prst="roundRect">
-            <a:avLst/>
-          </a:prstGeom>
-          <a:solidFill>
-            <a:schemeClr val="bg1">
-              <a:lumMod val="85000"/>
-            </a:schemeClr>
-          </a:solidFill>
-          <a:ln>
-            <a:noFill/>
-          </a:ln>
-          <a:effectLst/>
-        </p:spPr>
-        <p:style>
-          <a:lnRef idx="1">
-            <a:schemeClr val="accent1"/>
-          </a:lnRef>
-          <a:fillRef idx="3">
-            <a:schemeClr val="accent1"/>
-          </a:fillRef>
-          <a:effectRef idx="2">
-            <a:schemeClr val="accent1"/>
-          </a:effectRef>
-          <a:fontRef idx="minor">
-            <a:schemeClr val="lt1"/>
-          </a:fontRef>
-        </p:style>
-        <p:txBody>
-          <a:bodyPr rtlCol="0" anchor="t"/>
-          <a:lstStyle/>
-          <a:p>
-            <a:pPr algn="ctr"/>
-            <a:r>
-              <a:rPr lang="nl-NL" sz="1600" dirty="0"/>
-              <a:t>i</a:t>
-            </a:r>
-            <a:r>
-              <a:rPr lang="nl-NL" sz="1600" dirty="0" smtClean="0"/>
-              <a:t>nput </a:t>
-            </a:r>
-          </a:p>
-          <a:p>
-            <a:pPr algn="ctr"/>
-            <a:r>
-              <a:rPr lang="nl-NL" sz="1600" dirty="0" err="1"/>
-              <a:t>i</a:t>
-            </a:r>
-            <a:r>
-              <a:rPr lang="nl-NL" sz="1600" dirty="0" err="1" smtClean="0"/>
-              <a:t>d</a:t>
-            </a:r>
-            <a:r>
-              <a:rPr lang="nl-NL" sz="1600" dirty="0" smtClean="0"/>
-              <a:t> = </a:t>
-            </a:r>
-            <a:r>
-              <a:rPr lang="nl-NL" sz="1600" dirty="0" err="1" smtClean="0"/>
-              <a:t>sbm</a:t>
-            </a:r>
-            <a:r>
-              <a:rPr lang="nl-NL" sz="1600" dirty="0" smtClean="0"/>
-              <a:t>-button</a:t>
-            </a:r>
-            <a:endParaRPr lang="nl-NL" sz="1600" dirty="0"/>
-          </a:p>
-        </p:txBody>
-      </p:sp>
-      <p:sp>
-        <p:nvSpPr>
-          <p:cNvPr id="30" name="Afgeronde rechthoek 29"/>
-          <p:cNvSpPr/>
-          <p:nvPr/>
-        </p:nvSpPr>
-        <p:spPr>
-          <a:xfrm>
-            <a:off x="6228636" y="5676185"/>
-            <a:ext cx="1025368" cy="451339"/>
-          </a:xfrm>
-          <a:prstGeom prst="roundRect">
-            <a:avLst/>
-          </a:prstGeom>
-          <a:solidFill>
-            <a:schemeClr val="bg1">
-              <a:lumMod val="85000"/>
-            </a:schemeClr>
-          </a:solidFill>
-          <a:ln>
-            <a:noFill/>
-          </a:ln>
-          <a:effectLst/>
-        </p:spPr>
-        <p:style>
-          <a:lnRef idx="1">
-            <a:schemeClr val="accent1"/>
-          </a:lnRef>
-          <a:fillRef idx="3">
-            <a:schemeClr val="accent1"/>
-          </a:fillRef>
-          <a:effectRef idx="2">
-            <a:schemeClr val="accent1"/>
-          </a:effectRef>
-          <a:fontRef idx="minor">
-            <a:schemeClr val="lt1"/>
-          </a:fontRef>
-        </p:style>
-        <p:txBody>
-          <a:bodyPr rtlCol="0" anchor="t"/>
-          <a:lstStyle/>
-          <a:p>
-            <a:pPr algn="ctr"/>
-            <a:r>
-              <a:rPr lang="nl-NL" sz="1600" dirty="0" smtClean="0"/>
-              <a:t>Clean..</a:t>
-            </a:r>
-            <a:endParaRPr lang="nl-NL" sz="1600" dirty="0"/>
-          </a:p>
-        </p:txBody>
-      </p:sp>
-      <p:cxnSp>
-        <p:nvCxnSpPr>
-          <p:cNvPr id="34" name="Rechte verbindingslijn met pijl 33"/>
-          <p:cNvCxnSpPr>
-            <a:endCxn id="30" idx="0"/>
-          </p:cNvCxnSpPr>
-          <p:nvPr/>
-        </p:nvCxnSpPr>
-        <p:spPr>
-          <a:xfrm flipH="1">
-            <a:off x="6741320" y="5253480"/>
-            <a:ext cx="10410" cy="422705"/>
-          </a:xfrm>
-          <a:prstGeom prst="straightConnector1">
-            <a:avLst/>
-          </a:prstGeom>
-          <a:ln>
-            <a:solidFill>
-              <a:schemeClr val="tx1"/>
-            </a:solidFill>
-            <a:tailEnd type="arrow"/>
-          </a:ln>
-          <a:effectLst/>
-        </p:spPr>
-        <p:style>
-          <a:lnRef idx="2">
-            <a:schemeClr val="accent1"/>
-          </a:lnRef>
-          <a:fillRef idx="0">
-            <a:schemeClr val="accent1"/>
-          </a:fillRef>
-          <a:effectRef idx="1">
-            <a:schemeClr val="accent1"/>
-          </a:effectRef>
-          <a:fontRef idx="minor">
-            <a:schemeClr val="tx1"/>
-          </a:fontRef>
-        </p:style>
-      </p:cxnSp>
-      <p:sp>
-        <p:nvSpPr>
-          <p:cNvPr id="35" name="Afgeronde rechthoek 34"/>
-          <p:cNvSpPr/>
-          <p:nvPr/>
-        </p:nvSpPr>
-        <p:spPr>
-          <a:xfrm>
-            <a:off x="7552842" y="5665774"/>
-            <a:ext cx="1025368" cy="451339"/>
-          </a:xfrm>
-          <a:prstGeom prst="roundRect">
-            <a:avLst/>
-          </a:prstGeom>
-          <a:solidFill>
-            <a:schemeClr val="bg1">
-              <a:lumMod val="85000"/>
-            </a:schemeClr>
-          </a:solidFill>
-          <a:ln>
-            <a:noFill/>
-          </a:ln>
-          <a:effectLst/>
-        </p:spPr>
-        <p:style>
-          <a:lnRef idx="1">
-            <a:schemeClr val="accent1"/>
-          </a:lnRef>
-          <a:fillRef idx="3">
-            <a:schemeClr val="accent1"/>
-          </a:fillRef>
-          <a:effectRef idx="2">
-            <a:schemeClr val="accent1"/>
-          </a:effectRef>
-          <a:fontRef idx="minor">
-            <a:schemeClr val="lt1"/>
-          </a:fontRef>
-        </p:style>
-        <p:txBody>
-          <a:bodyPr rtlCol="0" anchor="t"/>
-          <a:lstStyle/>
-          <a:p>
-            <a:pPr algn="ctr"/>
-            <a:r>
-              <a:rPr lang="nl-NL" sz="1600" dirty="0" err="1" smtClean="0"/>
-              <a:t>Buy</a:t>
-            </a:r>
-            <a:r>
-              <a:rPr lang="nl-NL" sz="1600" dirty="0" smtClean="0"/>
-              <a:t>..</a:t>
-            </a:r>
-            <a:endParaRPr lang="nl-NL" sz="1600" dirty="0"/>
-          </a:p>
-        </p:txBody>
-      </p:sp>
-      <p:cxnSp>
-        <p:nvCxnSpPr>
-          <p:cNvPr id="38" name="Rechte verbindingslijn met pijl 37"/>
-          <p:cNvCxnSpPr>
-            <a:endCxn id="35" idx="0"/>
-          </p:cNvCxnSpPr>
-          <p:nvPr/>
-        </p:nvCxnSpPr>
-        <p:spPr>
-          <a:xfrm flipH="1">
-            <a:off x="8065526" y="5243069"/>
-            <a:ext cx="10410" cy="422705"/>
-          </a:xfrm>
-          <a:prstGeom prst="straightConnector1">
-            <a:avLst/>
-          </a:prstGeom>
-          <a:ln>
-            <a:solidFill>
-              <a:schemeClr val="tx1"/>
-            </a:solidFill>
-            <a:tailEnd type="arrow"/>
-          </a:ln>
-          <a:effectLst/>
-        </p:spPr>
-        <p:style>
-          <a:lnRef idx="2">
-            <a:schemeClr val="accent1"/>
-          </a:lnRef>
-          <a:fillRef idx="0">
-            <a:schemeClr val="accent1"/>
-          </a:fillRef>
-          <a:effectRef idx="1">
-            <a:schemeClr val="accent1"/>
-          </a:effectRef>
-          <a:fontRef idx="minor">
-            <a:schemeClr val="tx1"/>
-          </a:fontRef>
-        </p:style>
-      </p:cxnSp>
-      <p:sp>
-        <p:nvSpPr>
-          <p:cNvPr id="40" name="Afgeronde rechthoek 39"/>
-          <p:cNvSpPr/>
-          <p:nvPr/>
-        </p:nvSpPr>
-        <p:spPr>
-          <a:xfrm>
-            <a:off x="274851" y="5665774"/>
-            <a:ext cx="1025368" cy="451339"/>
-          </a:xfrm>
-          <a:prstGeom prst="roundRect">
-            <a:avLst/>
-          </a:prstGeom>
-          <a:solidFill>
-            <a:schemeClr val="bg1">
-              <a:lumMod val="85000"/>
-            </a:schemeClr>
-          </a:solidFill>
-          <a:ln>
-            <a:noFill/>
-          </a:ln>
-          <a:effectLst/>
-        </p:spPr>
-        <p:style>
-          <a:lnRef idx="1">
-            <a:schemeClr val="accent1"/>
-          </a:lnRef>
-          <a:fillRef idx="3">
-            <a:schemeClr val="accent1"/>
-          </a:fillRef>
-          <a:effectRef idx="2">
-            <a:schemeClr val="accent1"/>
-          </a:effectRef>
-          <a:fontRef idx="minor">
-            <a:schemeClr val="lt1"/>
-          </a:fontRef>
-        </p:style>
-        <p:txBody>
-          <a:bodyPr rtlCol="0" anchor="t"/>
-          <a:lstStyle/>
-          <a:p>
-            <a:pPr algn="ctr"/>
-            <a:r>
-              <a:rPr lang="nl-NL" sz="1600" dirty="0" smtClean="0"/>
-              <a:t>Nieuw..</a:t>
-            </a:r>
-            <a:endParaRPr lang="nl-NL" sz="1600" dirty="0"/>
-          </a:p>
-        </p:txBody>
-      </p:sp>
-      <p:cxnSp>
-        <p:nvCxnSpPr>
-          <p:cNvPr id="41" name="Rechte verbindingslijn met pijl 40"/>
-          <p:cNvCxnSpPr>
-            <a:endCxn id="40" idx="0"/>
-          </p:cNvCxnSpPr>
-          <p:nvPr/>
-        </p:nvCxnSpPr>
-        <p:spPr>
-          <a:xfrm flipH="1">
-            <a:off x="787535" y="5243069"/>
-            <a:ext cx="10410" cy="422705"/>
-          </a:xfrm>
-          <a:prstGeom prst="straightConnector1">
-            <a:avLst/>
-          </a:prstGeom>
-          <a:ln>
-            <a:solidFill>
-              <a:schemeClr val="tx1"/>
-            </a:solidFill>
-            <a:tailEnd type="arrow"/>
-          </a:ln>
-          <a:effectLst/>
-        </p:spPr>
-        <p:style>
-          <a:lnRef idx="2">
-            <a:schemeClr val="accent1"/>
-          </a:lnRef>
-          <a:fillRef idx="0">
-            <a:schemeClr val="accent1"/>
-          </a:fillRef>
-          <a:effectRef idx="1">
-            <a:schemeClr val="accent1"/>
-          </a:effectRef>
-          <a:fontRef idx="minor">
-            <a:schemeClr val="tx1"/>
-          </a:fontRef>
-        </p:style>
-      </p:cxnSp>
-      <p:cxnSp>
-        <p:nvCxnSpPr>
-          <p:cNvPr id="43" name="Rechte verbindingslijn 42"/>
-          <p:cNvCxnSpPr/>
-          <p:nvPr/>
-        </p:nvCxnSpPr>
-        <p:spPr>
-          <a:xfrm>
-            <a:off x="1431372" y="3095561"/>
-            <a:ext cx="5422658" cy="0"/>
-          </a:xfrm>
-          <a:prstGeom prst="line">
-            <a:avLst/>
-          </a:prstGeom>
-          <a:ln>
-            <a:solidFill>
-              <a:schemeClr val="tx1"/>
-            </a:solidFill>
-          </a:ln>
-          <a:effectLst/>
-        </p:spPr>
-        <p:style>
-          <a:lnRef idx="2">
-            <a:schemeClr val="accent1"/>
-          </a:lnRef>
-          <a:fillRef idx="0">
-            <a:schemeClr val="accent1"/>
-          </a:fillRef>
-          <a:effectRef idx="1">
-            <a:schemeClr val="accent1"/>
-          </a:effectRef>
-          <a:fontRef idx="minor">
-            <a:schemeClr val="tx1"/>
-          </a:fontRef>
-        </p:style>
-      </p:cxnSp>
-      <p:cxnSp>
-        <p:nvCxnSpPr>
-          <p:cNvPr id="44" name="Rechte verbindingslijn met pijl 43"/>
-          <p:cNvCxnSpPr/>
-          <p:nvPr/>
-        </p:nvCxnSpPr>
-        <p:spPr>
-          <a:xfrm>
-            <a:off x="1444254" y="3095561"/>
-            <a:ext cx="0" cy="272697"/>
-          </a:xfrm>
-          <a:prstGeom prst="straightConnector1">
-            <a:avLst/>
-          </a:prstGeom>
-          <a:ln>
-            <a:solidFill>
-              <a:schemeClr val="tx1"/>
-            </a:solidFill>
-            <a:tailEnd type="arrow"/>
-          </a:ln>
-          <a:effectLst/>
-        </p:spPr>
-        <p:style>
-          <a:lnRef idx="2">
-            <a:schemeClr val="accent1"/>
-          </a:lnRef>
-          <a:fillRef idx="0">
-            <a:schemeClr val="accent1"/>
-          </a:fillRef>
-          <a:effectRef idx="1">
-            <a:schemeClr val="accent1"/>
-          </a:effectRef>
-          <a:fontRef idx="minor">
-            <a:schemeClr val="tx1"/>
-          </a:fontRef>
-        </p:style>
-      </p:cxnSp>
-      <p:cxnSp>
-        <p:nvCxnSpPr>
-          <p:cNvPr id="45" name="Rechte verbindingslijn met pijl 44"/>
-          <p:cNvCxnSpPr/>
-          <p:nvPr/>
-        </p:nvCxnSpPr>
-        <p:spPr>
-          <a:xfrm>
-            <a:off x="754446" y="4157777"/>
-            <a:ext cx="39670" cy="643333"/>
-          </a:xfrm>
-          <a:prstGeom prst="straightConnector1">
-            <a:avLst/>
-          </a:prstGeom>
-          <a:ln>
-            <a:solidFill>
-              <a:schemeClr val="tx1"/>
-            </a:solidFill>
-            <a:tailEnd type="arrow"/>
-          </a:ln>
-          <a:effectLst/>
-        </p:spPr>
-        <p:style>
-          <a:lnRef idx="2">
-            <a:schemeClr val="accent1"/>
-          </a:lnRef>
-          <a:fillRef idx="0">
-            <a:schemeClr val="accent1"/>
-          </a:fillRef>
-          <a:effectRef idx="1">
-            <a:schemeClr val="accent1"/>
-          </a:effectRef>
-          <a:fontRef idx="minor">
-            <a:schemeClr val="tx1"/>
-          </a:fontRef>
-        </p:style>
-      </p:cxnSp>
-      <p:cxnSp>
-        <p:nvCxnSpPr>
-          <p:cNvPr id="46" name="Rechte verbindingslijn met pijl 45"/>
-          <p:cNvCxnSpPr/>
-          <p:nvPr/>
-        </p:nvCxnSpPr>
-        <p:spPr>
-          <a:xfrm>
-            <a:off x="2142870" y="4149080"/>
-            <a:ext cx="0" cy="652030"/>
-          </a:xfrm>
-          <a:prstGeom prst="straightConnector1">
-            <a:avLst/>
-          </a:prstGeom>
-          <a:ln>
-            <a:solidFill>
-              <a:schemeClr val="tx1"/>
-            </a:solidFill>
-            <a:tailEnd type="arrow"/>
-          </a:ln>
-          <a:effectLst/>
-        </p:spPr>
-        <p:style>
-          <a:lnRef idx="2">
-            <a:schemeClr val="accent1"/>
-          </a:lnRef>
-          <a:fillRef idx="0">
-            <a:schemeClr val="accent1"/>
-          </a:fillRef>
-          <a:effectRef idx="1">
-            <a:schemeClr val="accent1"/>
-          </a:effectRef>
-          <a:fontRef idx="minor">
-            <a:schemeClr val="tx1"/>
-          </a:fontRef>
-        </p:style>
-      </p:cxnSp>
-      <p:cxnSp>
-        <p:nvCxnSpPr>
-          <p:cNvPr id="47" name="Rechte verbindingslijn 46"/>
-          <p:cNvCxnSpPr/>
-          <p:nvPr/>
-        </p:nvCxnSpPr>
-        <p:spPr>
-          <a:xfrm>
-            <a:off x="755443" y="4149080"/>
-            <a:ext cx="2717045" cy="0"/>
-          </a:xfrm>
-          <a:prstGeom prst="line">
-            <a:avLst/>
-          </a:prstGeom>
-          <a:ln>
-            <a:solidFill>
-              <a:schemeClr val="tx1"/>
-            </a:solidFill>
-          </a:ln>
-          <a:effectLst/>
-        </p:spPr>
-        <p:style>
-          <a:lnRef idx="2">
-            <a:schemeClr val="accent1"/>
-          </a:lnRef>
-          <a:fillRef idx="0">
-            <a:schemeClr val="accent1"/>
-          </a:fillRef>
-          <a:effectRef idx="1">
-            <a:schemeClr val="accent1"/>
-          </a:effectRef>
-          <a:fontRef idx="minor">
-            <a:schemeClr val="tx1"/>
-          </a:fontRef>
-        </p:style>
-      </p:cxnSp>
-      <p:cxnSp>
-        <p:nvCxnSpPr>
-          <p:cNvPr id="48" name="Rechte verbindingslijn met pijl 47"/>
-          <p:cNvCxnSpPr/>
-          <p:nvPr/>
-        </p:nvCxnSpPr>
-        <p:spPr>
-          <a:xfrm flipH="1">
-            <a:off x="3467076" y="4149080"/>
-            <a:ext cx="5412" cy="652030"/>
-          </a:xfrm>
-          <a:prstGeom prst="straightConnector1">
-            <a:avLst/>
-          </a:prstGeom>
-          <a:ln>
-            <a:solidFill>
-              <a:schemeClr val="tx1"/>
-            </a:solidFill>
-            <a:tailEnd type="arrow"/>
-          </a:ln>
-          <a:effectLst/>
-        </p:spPr>
-        <p:style>
-          <a:lnRef idx="2">
-            <a:schemeClr val="accent1"/>
-          </a:lnRef>
-          <a:fillRef idx="0">
-            <a:schemeClr val="accent1"/>
-          </a:fillRef>
-          <a:effectRef idx="1">
-            <a:schemeClr val="accent1"/>
-          </a:effectRef>
-          <a:fontRef idx="minor">
-            <a:schemeClr val="tx1"/>
-          </a:fontRef>
-        </p:style>
-      </p:cxnSp>
-      <p:cxnSp>
-        <p:nvCxnSpPr>
-          <p:cNvPr id="51" name="Rechte verbindingslijn met pijl 50"/>
-          <p:cNvCxnSpPr/>
-          <p:nvPr/>
-        </p:nvCxnSpPr>
-        <p:spPr>
-          <a:xfrm>
-            <a:off x="1465074" y="3834688"/>
-            <a:ext cx="0" cy="323089"/>
-          </a:xfrm>
-          <a:prstGeom prst="straightConnector1">
-            <a:avLst/>
-          </a:prstGeom>
-          <a:ln>
-            <a:solidFill>
-              <a:schemeClr val="tx1"/>
-            </a:solidFill>
-            <a:tailEnd type="arrow"/>
-          </a:ln>
-          <a:effectLst/>
-        </p:spPr>
-        <p:style>
-          <a:lnRef idx="2">
-            <a:schemeClr val="accent1"/>
-          </a:lnRef>
-          <a:fillRef idx="0">
-            <a:schemeClr val="accent1"/>
-          </a:fillRef>
-          <a:effectRef idx="1">
-            <a:schemeClr val="accent1"/>
-          </a:effectRef>
-          <a:fontRef idx="minor">
-            <a:schemeClr val="tx1"/>
-          </a:fontRef>
-        </p:style>
-      </p:cxnSp>
-      <p:sp>
-        <p:nvSpPr>
-          <p:cNvPr id="3" name="Vrije vorm 2"/>
-          <p:cNvSpPr/>
-          <p:nvPr/>
-        </p:nvSpPr>
-        <p:spPr>
-          <a:xfrm>
-            <a:off x="5380520" y="541353"/>
-            <a:ext cx="959251" cy="2217463"/>
-          </a:xfrm>
-          <a:custGeom>
-            <a:avLst/>
-            <a:gdLst>
-              <a:gd name="connsiteX0" fmla="*/ 782278 w 959251"/>
-              <a:gd name="connsiteY0" fmla="*/ 0 h 2217463"/>
-              <a:gd name="connsiteX1" fmla="*/ 1518 w 959251"/>
-              <a:gd name="connsiteY1" fmla="*/ 1280507 h 2217463"/>
-              <a:gd name="connsiteX2" fmla="*/ 959251 w 959251"/>
-              <a:gd name="connsiteY2" fmla="*/ 2217463 h 2217463"/>
-            </a:gdLst>
-            <a:ahLst/>
-            <a:cxnLst>
-              <a:cxn ang="0">
-                <a:pos x="connsiteX0" y="connsiteY0"/>
-              </a:cxn>
-              <a:cxn ang="0">
-                <a:pos x="connsiteX1" y="connsiteY1"/>
-              </a:cxn>
-              <a:cxn ang="0">
-                <a:pos x="connsiteX2" y="connsiteY2"/>
-              </a:cxn>
-            </a:cxnLst>
-            <a:rect l="l" t="t" r="r" b="b"/>
-            <a:pathLst>
-              <a:path w="959251" h="2217463">
-                <a:moveTo>
-                  <a:pt x="782278" y="0"/>
-                </a:moveTo>
-                <a:cubicBezTo>
-                  <a:pt x="377150" y="455465"/>
-                  <a:pt x="-27977" y="910930"/>
-                  <a:pt x="1518" y="1280507"/>
-                </a:cubicBezTo>
-                <a:cubicBezTo>
-                  <a:pt x="31013" y="1650084"/>
-                  <a:pt x="959251" y="2217463"/>
-                  <a:pt x="959251" y="2217463"/>
-                </a:cubicBezTo>
-              </a:path>
-            </a:pathLst>
-          </a:custGeom>
-          <a:ln w="12700" cmpd="sng">
-            <a:solidFill>
-              <a:schemeClr val="tx1"/>
-            </a:solidFill>
-            <a:tailEnd type="triangle"/>
-          </a:ln>
-          <a:effectLst/>
-        </p:spPr>
-        <p:style>
-          <a:lnRef idx="2">
-            <a:schemeClr val="accent1"/>
-          </a:lnRef>
-          <a:fillRef idx="0">
-            <a:schemeClr val="accent1"/>
-          </a:fillRef>
-          <a:effectRef idx="1">
-            <a:schemeClr val="accent1"/>
-          </a:effectRef>
-          <a:fontRef idx="minor">
-            <a:schemeClr val="tx1"/>
-          </a:fontRef>
-        </p:style>
-        <p:txBody>
-          <a:bodyPr rtlCol="0" anchor="ctr"/>
-          <a:lstStyle/>
-          <a:p>
-            <a:pPr algn="ctr"/>
-            <a:endParaRPr lang="nl-NL"/>
-          </a:p>
-        </p:txBody>
-      </p:sp>
-      <p:sp>
-        <p:nvSpPr>
-          <p:cNvPr id="4" name="Vrije vorm 3"/>
-          <p:cNvSpPr/>
-          <p:nvPr/>
-        </p:nvSpPr>
-        <p:spPr>
-          <a:xfrm>
-            <a:off x="5597167" y="2758816"/>
-            <a:ext cx="721783" cy="905724"/>
-          </a:xfrm>
-          <a:custGeom>
-            <a:avLst/>
-            <a:gdLst>
-              <a:gd name="connsiteX0" fmla="*/ 721783 w 721783"/>
-              <a:gd name="connsiteY0" fmla="*/ 0 h 905724"/>
-              <a:gd name="connsiteX1" fmla="*/ 3484 w 721783"/>
-              <a:gd name="connsiteY1" fmla="*/ 468478 h 905724"/>
-              <a:gd name="connsiteX2" fmla="*/ 430300 w 721783"/>
-              <a:gd name="connsiteY2" fmla="*/ 905724 h 905724"/>
-            </a:gdLst>
-            <a:ahLst/>
-            <a:cxnLst>
-              <a:cxn ang="0">
-                <a:pos x="connsiteX0" y="connsiteY0"/>
-              </a:cxn>
-              <a:cxn ang="0">
-                <a:pos x="connsiteX1" y="connsiteY1"/>
-              </a:cxn>
-              <a:cxn ang="0">
-                <a:pos x="connsiteX2" y="connsiteY2"/>
-              </a:cxn>
-            </a:cxnLst>
-            <a:rect l="l" t="t" r="r" b="b"/>
-            <a:pathLst>
-              <a:path w="721783" h="905724">
-                <a:moveTo>
-                  <a:pt x="721783" y="0"/>
-                </a:moveTo>
-                <a:cubicBezTo>
-                  <a:pt x="386923" y="158762"/>
-                  <a:pt x="52064" y="317524"/>
-                  <a:pt x="3484" y="468478"/>
-                </a:cubicBezTo>
-                <a:cubicBezTo>
-                  <a:pt x="-45096" y="619432"/>
-                  <a:pt x="430300" y="905724"/>
-                  <a:pt x="430300" y="905724"/>
-                </a:cubicBezTo>
-              </a:path>
-            </a:pathLst>
-          </a:custGeom>
-          <a:ln w="12700" cmpd="sng">
-            <a:solidFill>
-              <a:schemeClr val="tx1"/>
-            </a:solidFill>
-            <a:tailEnd type="triangle"/>
-          </a:ln>
-          <a:effectLst/>
-        </p:spPr>
-        <p:style>
-          <a:lnRef idx="2">
-            <a:schemeClr val="accent1"/>
-          </a:lnRef>
-          <a:fillRef idx="0">
-            <a:schemeClr val="accent1"/>
-          </a:fillRef>
-          <a:effectRef idx="1">
-            <a:schemeClr val="accent1"/>
-          </a:effectRef>
-          <a:fontRef idx="minor">
-            <a:schemeClr val="tx1"/>
-          </a:fontRef>
-        </p:style>
-        <p:txBody>
-          <a:bodyPr rtlCol="0" anchor="ctr"/>
-          <a:lstStyle/>
-          <a:p>
-            <a:pPr algn="ctr"/>
-            <a:endParaRPr lang="nl-NL"/>
-          </a:p>
-        </p:txBody>
-      </p:sp>
-      <p:sp>
-        <p:nvSpPr>
-          <p:cNvPr id="6" name="Vrije vorm 5"/>
-          <p:cNvSpPr/>
-          <p:nvPr/>
-        </p:nvSpPr>
-        <p:spPr>
-          <a:xfrm>
-            <a:off x="4357904" y="3643719"/>
-            <a:ext cx="1659152" cy="1374203"/>
-          </a:xfrm>
-          <a:custGeom>
-            <a:avLst/>
-            <a:gdLst>
-              <a:gd name="connsiteX0" fmla="*/ 1659152 w 1659152"/>
-              <a:gd name="connsiteY0" fmla="*/ 0 h 1374203"/>
-              <a:gd name="connsiteX1" fmla="*/ 45582 w 1659152"/>
-              <a:gd name="connsiteY1" fmla="*/ 530942 h 1374203"/>
-              <a:gd name="connsiteX2" fmla="*/ 409937 w 1659152"/>
-              <a:gd name="connsiteY2" fmla="*/ 1374203 h 1374203"/>
-            </a:gdLst>
-            <a:ahLst/>
-            <a:cxnLst>
-              <a:cxn ang="0">
-                <a:pos x="connsiteX0" y="connsiteY0"/>
-              </a:cxn>
-              <a:cxn ang="0">
-                <a:pos x="connsiteX1" y="connsiteY1"/>
-              </a:cxn>
-              <a:cxn ang="0">
-                <a:pos x="connsiteX2" y="connsiteY2"/>
-              </a:cxn>
-            </a:cxnLst>
-            <a:rect l="l" t="t" r="r" b="b"/>
-            <a:pathLst>
-              <a:path w="1659152" h="1374203">
-                <a:moveTo>
-                  <a:pt x="1659152" y="0"/>
-                </a:moveTo>
-                <a:cubicBezTo>
-                  <a:pt x="956468" y="150954"/>
-                  <a:pt x="253784" y="301908"/>
-                  <a:pt x="45582" y="530942"/>
-                </a:cubicBezTo>
-                <a:cubicBezTo>
-                  <a:pt x="-162620" y="759976"/>
-                  <a:pt x="409937" y="1374203"/>
-                  <a:pt x="409937" y="1374203"/>
-                </a:cubicBezTo>
-              </a:path>
-            </a:pathLst>
-          </a:custGeom>
-          <a:ln w="12700" cmpd="sng">
-            <a:solidFill>
-              <a:schemeClr val="tx1"/>
-            </a:solidFill>
-            <a:tailEnd type="triangle"/>
-          </a:ln>
-          <a:effectLst/>
-        </p:spPr>
-        <p:style>
-          <a:lnRef idx="2">
-            <a:schemeClr val="accent1"/>
-          </a:lnRef>
-          <a:fillRef idx="0">
-            <a:schemeClr val="accent1"/>
-          </a:fillRef>
-          <a:effectRef idx="1">
-            <a:schemeClr val="accent1"/>
-          </a:effectRef>
-          <a:fontRef idx="minor">
-            <a:schemeClr val="tx1"/>
-          </a:fontRef>
-        </p:style>
-        <p:txBody>
-          <a:bodyPr rtlCol="0" anchor="ctr"/>
-          <a:lstStyle/>
-          <a:p>
-            <a:pPr algn="ctr"/>
-            <a:endParaRPr lang="nl-NL"/>
-          </a:p>
-        </p:txBody>
-      </p:sp>
-      <p:sp>
-        <p:nvSpPr>
-          <p:cNvPr id="7" name="Vrije vorm 6"/>
-          <p:cNvSpPr/>
-          <p:nvPr/>
-        </p:nvSpPr>
-        <p:spPr>
-          <a:xfrm>
-            <a:off x="6027467" y="3559127"/>
-            <a:ext cx="2293069" cy="1448384"/>
-          </a:xfrm>
-          <a:custGeom>
-            <a:avLst/>
-            <a:gdLst>
-              <a:gd name="connsiteX0" fmla="*/ 0 w 2293069"/>
-              <a:gd name="connsiteY0" fmla="*/ 1448384 h 1448384"/>
-              <a:gd name="connsiteX1" fmla="*/ 2227768 w 2293069"/>
-              <a:gd name="connsiteY1" fmla="*/ 948674 h 1448384"/>
-              <a:gd name="connsiteX2" fmla="*/ 1696851 w 2293069"/>
-              <a:gd name="connsiteY2" fmla="*/ 84592 h 1448384"/>
-              <a:gd name="connsiteX3" fmla="*/ 1676031 w 2293069"/>
-              <a:gd name="connsiteY3" fmla="*/ 32539 h 1448384"/>
-            </a:gdLst>
-            <a:ahLst/>
-            <a:cxnLst>
-              <a:cxn ang="0">
-                <a:pos x="connsiteX0" y="connsiteY0"/>
-              </a:cxn>
-              <a:cxn ang="0">
-                <a:pos x="connsiteX1" y="connsiteY1"/>
-              </a:cxn>
-              <a:cxn ang="0">
-                <a:pos x="connsiteX2" y="connsiteY2"/>
-              </a:cxn>
-              <a:cxn ang="0">
-                <a:pos x="connsiteX3" y="connsiteY3"/>
-              </a:cxn>
-            </a:cxnLst>
-            <a:rect l="l" t="t" r="r" b="b"/>
-            <a:pathLst>
-              <a:path w="2293069" h="1448384">
-                <a:moveTo>
-                  <a:pt x="0" y="1448384"/>
-                </a:moveTo>
-                <a:cubicBezTo>
-                  <a:pt x="972480" y="1312178"/>
-                  <a:pt x="1944960" y="1175973"/>
-                  <a:pt x="2227768" y="948674"/>
-                </a:cubicBezTo>
-                <a:cubicBezTo>
-                  <a:pt x="2510577" y="721375"/>
-                  <a:pt x="1788807" y="237281"/>
-                  <a:pt x="1696851" y="84592"/>
-                </a:cubicBezTo>
-                <a:cubicBezTo>
-                  <a:pt x="1604895" y="-68097"/>
-                  <a:pt x="1676031" y="32539"/>
-                  <a:pt x="1676031" y="32539"/>
-                </a:cubicBezTo>
-              </a:path>
-            </a:pathLst>
-          </a:custGeom>
-          <a:ln w="12700" cmpd="sng">
-            <a:solidFill>
-              <a:schemeClr val="tx1"/>
-            </a:solidFill>
-            <a:tailEnd type="triangle"/>
-          </a:ln>
-          <a:effectLst/>
-        </p:spPr>
-        <p:style>
-          <a:lnRef idx="2">
-            <a:schemeClr val="accent1"/>
-          </a:lnRef>
-          <a:fillRef idx="0">
-            <a:schemeClr val="accent1"/>
-          </a:fillRef>
-          <a:effectRef idx="1">
-            <a:schemeClr val="accent1"/>
-          </a:effectRef>
-          <a:fontRef idx="minor">
-            <a:schemeClr val="tx1"/>
-          </a:fontRef>
-        </p:style>
-        <p:txBody>
-          <a:bodyPr rtlCol="0" anchor="ctr"/>
-          <a:lstStyle/>
-          <a:p>
-            <a:pPr algn="ctr"/>
-            <a:endParaRPr lang="nl-NL"/>
-          </a:p>
-        </p:txBody>
-      </p:sp>
-      <p:sp>
-        <p:nvSpPr>
-          <p:cNvPr id="8" name="Vrije vorm 7"/>
-          <p:cNvSpPr/>
-          <p:nvPr/>
-        </p:nvSpPr>
-        <p:spPr>
-          <a:xfrm>
-            <a:off x="7370374" y="2769227"/>
-            <a:ext cx="686081" cy="780797"/>
-          </a:xfrm>
-          <a:custGeom>
-            <a:avLst/>
-            <a:gdLst>
-              <a:gd name="connsiteX0" fmla="*/ 333124 w 686081"/>
-              <a:gd name="connsiteY0" fmla="*/ 780797 h 780797"/>
-              <a:gd name="connsiteX1" fmla="*/ 676658 w 686081"/>
-              <a:gd name="connsiteY1" fmla="*/ 416425 h 780797"/>
-              <a:gd name="connsiteX2" fmla="*/ 0 w 686081"/>
-              <a:gd name="connsiteY2" fmla="*/ 0 h 780797"/>
-            </a:gdLst>
-            <a:ahLst/>
-            <a:cxnLst>
-              <a:cxn ang="0">
-                <a:pos x="connsiteX0" y="connsiteY0"/>
-              </a:cxn>
-              <a:cxn ang="0">
-                <a:pos x="connsiteX1" y="connsiteY1"/>
-              </a:cxn>
-              <a:cxn ang="0">
-                <a:pos x="connsiteX2" y="connsiteY2"/>
-              </a:cxn>
-            </a:cxnLst>
-            <a:rect l="l" t="t" r="r" b="b"/>
-            <a:pathLst>
-              <a:path w="686081" h="780797">
-                <a:moveTo>
-                  <a:pt x="333124" y="780797"/>
-                </a:moveTo>
-                <a:cubicBezTo>
-                  <a:pt x="532651" y="663677"/>
-                  <a:pt x="732179" y="546558"/>
-                  <a:pt x="676658" y="416425"/>
-                </a:cubicBezTo>
-                <a:cubicBezTo>
-                  <a:pt x="621137" y="286292"/>
-                  <a:pt x="0" y="0"/>
-                  <a:pt x="0" y="0"/>
-                </a:cubicBezTo>
-              </a:path>
-            </a:pathLst>
-          </a:custGeom>
-          <a:ln w="12700" cmpd="sng">
-            <a:solidFill>
-              <a:schemeClr val="tx1"/>
-            </a:solidFill>
-            <a:tailEnd type="triangle"/>
-          </a:ln>
-          <a:effectLst/>
-        </p:spPr>
-        <p:style>
-          <a:lnRef idx="2">
-            <a:schemeClr val="accent1"/>
-          </a:lnRef>
-          <a:fillRef idx="0">
-            <a:schemeClr val="accent1"/>
-          </a:fillRef>
-          <a:effectRef idx="1">
-            <a:schemeClr val="accent1"/>
-          </a:effectRef>
-          <a:fontRef idx="minor">
-            <a:schemeClr val="tx1"/>
-          </a:fontRef>
-        </p:style>
-        <p:txBody>
-          <a:bodyPr rtlCol="0" anchor="ctr"/>
-          <a:lstStyle/>
-          <a:p>
-            <a:pPr algn="ctr"/>
-            <a:endParaRPr lang="nl-NL"/>
-          </a:p>
-        </p:txBody>
-      </p:sp>
-      <p:sp>
-        <p:nvSpPr>
-          <p:cNvPr id="9" name="Vrije vorm 8"/>
-          <p:cNvSpPr/>
-          <p:nvPr/>
-        </p:nvSpPr>
-        <p:spPr>
-          <a:xfrm>
-            <a:off x="7391194" y="478889"/>
-            <a:ext cx="1020542" cy="2300748"/>
-          </a:xfrm>
-          <a:custGeom>
-            <a:avLst/>
-            <a:gdLst>
-              <a:gd name="connsiteX0" fmla="*/ 0 w 1020542"/>
-              <a:gd name="connsiteY0" fmla="*/ 2300748 h 2300748"/>
-              <a:gd name="connsiteX1" fmla="*/ 1020193 w 1020542"/>
-              <a:gd name="connsiteY1" fmla="*/ 1134758 h 2300748"/>
-              <a:gd name="connsiteX2" fmla="*/ 124922 w 1020542"/>
-              <a:gd name="connsiteY2" fmla="*/ 0 h 2300748"/>
-            </a:gdLst>
-            <a:ahLst/>
-            <a:cxnLst>
-              <a:cxn ang="0">
-                <a:pos x="connsiteX0" y="connsiteY0"/>
-              </a:cxn>
-              <a:cxn ang="0">
-                <a:pos x="connsiteX1" y="connsiteY1"/>
-              </a:cxn>
-              <a:cxn ang="0">
-                <a:pos x="connsiteX2" y="connsiteY2"/>
-              </a:cxn>
-            </a:cxnLst>
-            <a:rect l="l" t="t" r="r" b="b"/>
-            <a:pathLst>
-              <a:path w="1020542" h="2300748">
-                <a:moveTo>
-                  <a:pt x="0" y="2300748"/>
-                </a:moveTo>
-                <a:cubicBezTo>
-                  <a:pt x="499686" y="1909482"/>
-                  <a:pt x="999373" y="1518216"/>
-                  <a:pt x="1020193" y="1134758"/>
-                </a:cubicBezTo>
-                <a:cubicBezTo>
-                  <a:pt x="1041013" y="751300"/>
-                  <a:pt x="124922" y="0"/>
-                  <a:pt x="124922" y="0"/>
-                </a:cubicBezTo>
-              </a:path>
-            </a:pathLst>
-          </a:custGeom>
-          <a:ln w="12700" cmpd="sng">
-            <a:solidFill>
-              <a:schemeClr val="tx1"/>
-            </a:solidFill>
-            <a:tailEnd type="triangle"/>
-          </a:ln>
-          <a:effectLst/>
-        </p:spPr>
-        <p:style>
-          <a:lnRef idx="2">
-            <a:schemeClr val="accent1"/>
-          </a:lnRef>
-          <a:fillRef idx="0">
-            <a:schemeClr val="accent1"/>
-          </a:fillRef>
-          <a:effectRef idx="1">
-            <a:schemeClr val="accent1"/>
-          </a:effectRef>
-          <a:fontRef idx="minor">
-            <a:schemeClr val="tx1"/>
-          </a:fontRef>
-        </p:style>
-        <p:txBody>
-          <a:bodyPr rtlCol="0" anchor="ctr"/>
-          <a:lstStyle/>
-          <a:p>
-            <a:pPr algn="ctr"/>
-            <a:endParaRPr lang="nl-NL"/>
-          </a:p>
-        </p:txBody>
-      </p:sp>
-      <p:sp>
-        <p:nvSpPr>
-          <p:cNvPr id="10" name="Tekstvak 9"/>
-          <p:cNvSpPr txBox="1"/>
-          <p:nvPr/>
-        </p:nvSpPr>
-        <p:spPr>
-          <a:xfrm>
-            <a:off x="4252322" y="812779"/>
-            <a:ext cx="1355418" cy="646331"/>
-          </a:xfrm>
-          <a:prstGeom prst="rect">
-            <a:avLst/>
-          </a:prstGeom>
-          <a:noFill/>
-        </p:spPr>
-        <p:txBody>
-          <a:bodyPr wrap="none" rtlCol="0">
-            <a:spAutoFit/>
-          </a:bodyPr>
-          <a:lstStyle/>
-          <a:p>
-            <a:r>
-              <a:rPr lang="nl-NL" b="1" dirty="0" smtClean="0">
-                <a:latin typeface="Century Gothic"/>
-                <a:cs typeface="Century Gothic"/>
-              </a:rPr>
-              <a:t>Fase 1</a:t>
-            </a:r>
-          </a:p>
-          <a:p>
-            <a:r>
-              <a:rPr lang="nl-NL" i="1" dirty="0" err="1" smtClean="0">
-                <a:latin typeface="Century Gothic"/>
-                <a:cs typeface="Century Gothic"/>
-              </a:rPr>
-              <a:t>Capturing</a:t>
-            </a:r>
-            <a:endParaRPr lang="nl-NL" i="1" dirty="0">
-              <a:latin typeface="Century Gothic"/>
-              <a:cs typeface="Century Gothic"/>
-            </a:endParaRPr>
-          </a:p>
-        </p:txBody>
-      </p:sp>
-      <p:sp>
-        <p:nvSpPr>
-          <p:cNvPr id="52" name="Tekstvak 51"/>
-          <p:cNvSpPr txBox="1"/>
-          <p:nvPr/>
-        </p:nvSpPr>
-        <p:spPr>
-          <a:xfrm>
-            <a:off x="7788582" y="62018"/>
-            <a:ext cx="1198637" cy="646331"/>
-          </a:xfrm>
-          <a:prstGeom prst="rect">
-            <a:avLst/>
-          </a:prstGeom>
-          <a:noFill/>
-        </p:spPr>
-        <p:txBody>
-          <a:bodyPr wrap="none" rtlCol="0">
-            <a:spAutoFit/>
-          </a:bodyPr>
-          <a:lstStyle/>
-          <a:p>
-            <a:r>
-              <a:rPr lang="nl-NL" b="1" dirty="0" smtClean="0">
-                <a:latin typeface="Century Gothic"/>
-                <a:cs typeface="Century Gothic"/>
-              </a:rPr>
-              <a:t>Fase 2</a:t>
-            </a:r>
-          </a:p>
-          <a:p>
-            <a:r>
-              <a:rPr lang="nl-NL" i="1" dirty="0" err="1" smtClean="0">
-                <a:latin typeface="Century Gothic"/>
-                <a:cs typeface="Century Gothic"/>
-              </a:rPr>
-              <a:t>Bubbling</a:t>
-            </a:r>
-            <a:endParaRPr lang="nl-NL" i="1" dirty="0">
-              <a:latin typeface="Century Gothic"/>
-              <a:cs typeface="Century Gothic"/>
-            </a:endParaRPr>
-          </a:p>
-        </p:txBody>
-      </p:sp>
-      <p:cxnSp>
-        <p:nvCxnSpPr>
-          <p:cNvPr id="12" name="Rechte verbindingslijn met pijl 11"/>
-          <p:cNvCxnSpPr/>
-          <p:nvPr/>
-        </p:nvCxnSpPr>
-        <p:spPr>
-          <a:xfrm>
-            <a:off x="3372883" y="3550024"/>
-            <a:ext cx="1404319" cy="1251086"/>
-          </a:xfrm>
-          <a:prstGeom prst="straightConnector1">
-            <a:avLst/>
-          </a:prstGeom>
-          <a:ln w="254000">
-            <a:solidFill>
-              <a:srgbClr val="CD2400"/>
-            </a:solidFill>
-            <a:tailEnd type="triangle"/>
-          </a:ln>
-          <a:effectLst/>
-        </p:spPr>
-        <p:style>
-          <a:lnRef idx="2">
-            <a:schemeClr val="accent1"/>
-          </a:lnRef>
-          <a:fillRef idx="0">
-            <a:schemeClr val="accent1"/>
-          </a:fillRef>
-          <a:effectRef idx="1">
-            <a:schemeClr val="accent1"/>
-          </a:effectRef>
-          <a:fontRef idx="minor">
-            <a:schemeClr val="tx1"/>
-          </a:fontRef>
-        </p:style>
-      </p:cxnSp>
-      <p:cxnSp>
-        <p:nvCxnSpPr>
-          <p:cNvPr id="54" name="Rechte verbindingslijn met pijl 53"/>
-          <p:cNvCxnSpPr/>
-          <p:nvPr/>
-        </p:nvCxnSpPr>
-        <p:spPr>
-          <a:xfrm>
-            <a:off x="4623148" y="2173958"/>
-            <a:ext cx="1404319" cy="1251086"/>
-          </a:xfrm>
-          <a:prstGeom prst="straightConnector1">
-            <a:avLst/>
-          </a:prstGeom>
-          <a:ln w="254000">
-            <a:solidFill>
-              <a:srgbClr val="CD2400"/>
-            </a:solidFill>
-            <a:tailEnd type="triangle"/>
-          </a:ln>
-          <a:effectLst/>
-        </p:spPr>
-        <p:style>
-          <a:lnRef idx="2">
-            <a:schemeClr val="accent1"/>
-          </a:lnRef>
-          <a:fillRef idx="0">
-            <a:schemeClr val="accent1"/>
-          </a:fillRef>
-          <a:effectRef idx="1">
-            <a:schemeClr val="accent1"/>
-          </a:effectRef>
-          <a:fontRef idx="minor">
-            <a:schemeClr val="tx1"/>
-          </a:fontRef>
-        </p:style>
-      </p:cxnSp>
-      <p:sp>
-        <p:nvSpPr>
-          <p:cNvPr id="13" name="Tekstvak 12"/>
-          <p:cNvSpPr txBox="1"/>
-          <p:nvPr/>
-        </p:nvSpPr>
-        <p:spPr>
-          <a:xfrm>
-            <a:off x="2851436" y="3284797"/>
-            <a:ext cx="521447" cy="369332"/>
-          </a:xfrm>
-          <a:prstGeom prst="rect">
-            <a:avLst/>
-          </a:prstGeom>
-          <a:noFill/>
-        </p:spPr>
-        <p:txBody>
-          <a:bodyPr wrap="none" rtlCol="0">
-            <a:spAutoFit/>
-          </a:bodyPr>
-          <a:lstStyle/>
-          <a:p>
-            <a:r>
-              <a:rPr lang="nl-NL" dirty="0" smtClean="0"/>
-              <a:t>kan</a:t>
-            </a:r>
-            <a:endParaRPr lang="nl-NL" dirty="0"/>
-          </a:p>
-        </p:txBody>
-      </p:sp>
-      <p:sp>
-        <p:nvSpPr>
-          <p:cNvPr id="15" name="Tekstvak 14"/>
-          <p:cNvSpPr txBox="1"/>
-          <p:nvPr/>
-        </p:nvSpPr>
-        <p:spPr>
-          <a:xfrm>
-            <a:off x="3925421" y="1866227"/>
-            <a:ext cx="697727" cy="369332"/>
-          </a:xfrm>
-          <a:prstGeom prst="rect">
-            <a:avLst/>
-          </a:prstGeom>
-          <a:noFill/>
-        </p:spPr>
-        <p:txBody>
-          <a:bodyPr wrap="none" rtlCol="0">
-            <a:spAutoFit/>
-          </a:bodyPr>
-          <a:lstStyle/>
-          <a:p>
-            <a:r>
-              <a:rPr lang="nl-NL" dirty="0" smtClean="0"/>
-              <a:t>Beter</a:t>
-            </a:r>
-            <a:endParaRPr lang="nl-NL" dirty="0"/>
-          </a:p>
-        </p:txBody>
-      </p:sp>
-    </p:spTree>
-    <p:extLst>
-      <p:ext uri="{BB962C8B-B14F-4D97-AF65-F5344CB8AC3E}">
-        <p14:creationId xmlns="" xmlns:p14="http://schemas.microsoft.com/office/powerpoint/2010/main" val="1429261426"/>
-      </p:ext>
-    </p:extLst>
-  </p:cSld>
-  <p:clrMapOvr>
-    <a:masterClrMapping/>
-  </p:clrMapOvr>
-  <p:timing>
-    <p:tnLst>
-      <p:par>
-        <p:cTn id="1" dur="indefinite" restart="never" nodeType="tmRoot"/>
-      </p:par>
-    </p:tnLst>
-  </p:timing>
-</p:sld>
-</file>
-
-<file path=ppt/slides/slide35.xml><?xml version="1.0" encoding="utf-8"?>
-<p:sld xmlns:a="http://schemas.openxmlformats.org/drawingml/2006/main" xmlns:r="http://schemas.openxmlformats.org/officeDocument/2006/relationships" xmlns:p="http://schemas.openxmlformats.org/presentationml/2006/main">
-  <p:cSld>
-    <p:spTree>
-      <p:nvGrpSpPr>
-        <p:cNvPr id="1" name=""/>
-        <p:cNvGrpSpPr/>
-        <p:nvPr/>
-      </p:nvGrpSpPr>
-      <p:grpSpPr>
-        <a:xfrm>
-          <a:off x="0" y="0"/>
-          <a:ext cx="0" cy="0"/>
-          <a:chOff x="0" y="0"/>
-          <a:chExt cx="0" cy="0"/>
-        </a:xfrm>
-      </p:grpSpPr>
-      <p:sp>
-        <p:nvSpPr>
-          <p:cNvPr id="2" name="Tekstvak 1"/>
-          <p:cNvSpPr txBox="1"/>
-          <p:nvPr/>
-        </p:nvSpPr>
-        <p:spPr>
-          <a:xfrm>
-            <a:off x="1888499" y="2538140"/>
-            <a:ext cx="5373323" cy="1779862"/>
-          </a:xfrm>
-          <a:prstGeom prst="rect">
-            <a:avLst/>
-          </a:prstGeom>
-          <a:noFill/>
-        </p:spPr>
-        <p:txBody>
-          <a:bodyPr wrap="square" rtlCol="0">
-            <a:normAutofit fontScale="92500"/>
-          </a:bodyPr>
-          <a:lstStyle/>
-          <a:p>
-            <a:r>
-              <a:rPr lang="nl-NL" dirty="0" smtClean="0">
-                <a:solidFill>
-                  <a:srgbClr val="CD2400"/>
-                </a:solidFill>
-                <a:latin typeface="Century Gothic"/>
-                <a:cs typeface="Century Gothic"/>
-              </a:rPr>
-              <a:t>Zelf</a:t>
-            </a:r>
-          </a:p>
-          <a:p>
-            <a:r>
-              <a:rPr lang="nl-NL" dirty="0" smtClean="0">
-                <a:latin typeface="Century Gothic"/>
-                <a:cs typeface="Century Gothic"/>
-              </a:rPr>
-              <a:t>Voeg nu de event </a:t>
-            </a:r>
-            <a:r>
-              <a:rPr lang="nl-NL" dirty="0" err="1" smtClean="0">
-                <a:latin typeface="Century Gothic"/>
-                <a:cs typeface="Century Gothic"/>
-              </a:rPr>
-              <a:t>listener</a:t>
-            </a:r>
-            <a:r>
-              <a:rPr lang="nl-NL" dirty="0" smtClean="0">
-                <a:latin typeface="Century Gothic"/>
-                <a:cs typeface="Century Gothic"/>
-              </a:rPr>
-              <a:t> aan de </a:t>
-            </a:r>
-            <a:r>
-              <a:rPr lang="nl-NL" dirty="0" err="1" smtClean="0">
-                <a:latin typeface="Century Gothic"/>
-                <a:cs typeface="Century Gothic"/>
-              </a:rPr>
-              <a:t>ul</a:t>
-            </a:r>
-            <a:r>
-              <a:rPr lang="nl-NL" dirty="0" smtClean="0">
-                <a:latin typeface="Century Gothic"/>
-                <a:cs typeface="Century Gothic"/>
-              </a:rPr>
-              <a:t> toe.</a:t>
-            </a:r>
-          </a:p>
-          <a:p>
-            <a:endParaRPr lang="nl-NL" dirty="0">
-              <a:latin typeface="Century Gothic"/>
-              <a:cs typeface="Century Gothic"/>
-            </a:endParaRPr>
-          </a:p>
-          <a:p>
-            <a:r>
-              <a:rPr lang="nl-NL" dirty="0" smtClean="0">
-                <a:latin typeface="Century Gothic"/>
-                <a:cs typeface="Century Gothic"/>
-              </a:rPr>
-              <a:t>Breidt de opdracht uit met wanneer je op de li drukt de achtergrondkleur van het geklikte li element veranderd.(tip: gebruik </a:t>
-            </a:r>
-            <a:r>
-              <a:rPr lang="nl-NL" dirty="0" err="1" smtClean="0">
-                <a:latin typeface="Courier New"/>
-                <a:cs typeface="Courier New"/>
-              </a:rPr>
-              <a:t>event.target</a:t>
-            </a:r>
-            <a:r>
-              <a:rPr lang="nl-NL" dirty="0" smtClean="0">
-                <a:latin typeface="Century Gothic"/>
-                <a:cs typeface="Century Gothic"/>
-              </a:rPr>
-              <a:t>)</a:t>
-            </a:r>
-          </a:p>
-        </p:txBody>
-      </p:sp>
-    </p:spTree>
-    <p:extLst>
-      <p:ext uri="{BB962C8B-B14F-4D97-AF65-F5344CB8AC3E}">
-        <p14:creationId xmlns="" xmlns:p14="http://schemas.microsoft.com/office/powerpoint/2010/main" val="1444787439"/>
-      </p:ext>
-    </p:extLst>
-  </p:cSld>
-  <p:clrMapOvr>
-    <a:masterClrMapping/>
-  </p:clrMapOvr>
-</p:sld>
-</file>
-
-<file path=ppt/slides/slide36.xml><?xml version="1.0" encoding="utf-8"?>
-<p:sld xmlns:a="http://schemas.openxmlformats.org/drawingml/2006/main" xmlns:r="http://schemas.openxmlformats.org/officeDocument/2006/relationships" xmlns:p="http://schemas.openxmlformats.org/presentationml/2006/main">
-  <p:cSld>
-    <p:spTree>
-      <p:nvGrpSpPr>
-        <p:cNvPr id="1" name=""/>
-        <p:cNvGrpSpPr/>
-        <p:nvPr/>
-      </p:nvGrpSpPr>
-      <p:grpSpPr>
-        <a:xfrm>
-          <a:off x="0" y="0"/>
-          <a:ext cx="0" cy="0"/>
-          <a:chOff x="0" y="0"/>
-          <a:chExt cx="0" cy="0"/>
-        </a:xfrm>
-      </p:grpSpPr>
-      <p:sp>
-        <p:nvSpPr>
-          <p:cNvPr id="2" name="Tekstvak 1"/>
-          <p:cNvSpPr txBox="1"/>
-          <p:nvPr/>
-        </p:nvSpPr>
-        <p:spPr>
-          <a:xfrm>
-            <a:off x="200643" y="999255"/>
-            <a:ext cx="8771488" cy="2616101"/>
-          </a:xfrm>
-          <a:prstGeom prst="rect">
-            <a:avLst/>
-          </a:prstGeom>
-          <a:solidFill>
-            <a:schemeClr val="bg1">
-              <a:lumMod val="85000"/>
-            </a:schemeClr>
-          </a:solidFill>
-        </p:spPr>
-        <p:txBody>
-          <a:bodyPr wrap="square" rtlCol="0">
-            <a:spAutoFit/>
-          </a:bodyPr>
-          <a:lstStyle/>
-          <a:p>
-            <a:r>
-              <a:rPr lang="nl-NL" b="1" dirty="0" smtClean="0">
-                <a:solidFill>
-                  <a:srgbClr val="CD2400"/>
-                </a:solidFill>
-                <a:latin typeface="Courier New"/>
-                <a:cs typeface="Courier New"/>
-              </a:rPr>
-              <a:t>//VOORBEELD</a:t>
-            </a:r>
-          </a:p>
-          <a:p>
-            <a:endParaRPr lang="nl-NL" dirty="0" smtClean="0">
-              <a:latin typeface="Courier New"/>
-              <a:cs typeface="Courier New"/>
-            </a:endParaRPr>
-          </a:p>
-          <a:p>
-            <a:r>
-              <a:rPr lang="nl-NL" sz="1600" dirty="0" err="1" smtClean="0">
-                <a:latin typeface="Courier New"/>
-                <a:cs typeface="Courier New"/>
-              </a:rPr>
-              <a:t>function</a:t>
-            </a:r>
-            <a:r>
-              <a:rPr lang="nl-NL" sz="1600" dirty="0" smtClean="0">
-                <a:latin typeface="Courier New"/>
-                <a:cs typeface="Courier New"/>
-              </a:rPr>
-              <a:t> </a:t>
-            </a:r>
-            <a:r>
-              <a:rPr lang="nl-NL" sz="1600" dirty="0" err="1">
-                <a:latin typeface="Courier New"/>
-                <a:cs typeface="Courier New"/>
-              </a:rPr>
-              <a:t>listClickHandler</a:t>
-            </a:r>
-            <a:r>
-              <a:rPr lang="nl-NL" sz="1600" dirty="0" smtClean="0">
-                <a:latin typeface="Courier New"/>
-                <a:cs typeface="Courier New"/>
-              </a:rPr>
-              <a:t>(</a:t>
-            </a:r>
-            <a:r>
-              <a:rPr lang="nl-NL" sz="1600" b="1" dirty="0" smtClean="0">
-                <a:latin typeface="Courier New"/>
-                <a:cs typeface="Courier New"/>
-              </a:rPr>
-              <a:t>e</a:t>
-            </a:r>
-            <a:r>
-              <a:rPr lang="nl-NL" sz="1600" dirty="0" smtClean="0">
-                <a:latin typeface="Courier New"/>
-                <a:cs typeface="Courier New"/>
-              </a:rPr>
-              <a:t>){</a:t>
-            </a:r>
-          </a:p>
-          <a:p>
-            <a:r>
-              <a:rPr lang="nl-NL" sz="1600" dirty="0">
-                <a:latin typeface="Courier New"/>
-                <a:cs typeface="Courier New"/>
-              </a:rPr>
-              <a:t>		// </a:t>
-            </a:r>
-            <a:r>
-              <a:rPr lang="nl-NL" sz="1600" dirty="0" err="1">
-                <a:latin typeface="Courier New"/>
-                <a:cs typeface="Courier New"/>
-              </a:rPr>
-              <a:t>e.target</a:t>
-            </a:r>
-            <a:r>
-              <a:rPr lang="nl-NL" sz="1600" dirty="0">
-                <a:latin typeface="Courier New"/>
-                <a:cs typeface="Courier New"/>
-              </a:rPr>
-              <a:t> is the </a:t>
-            </a:r>
-            <a:r>
-              <a:rPr lang="nl-NL" sz="1600" dirty="0" err="1">
-                <a:latin typeface="Courier New"/>
-                <a:cs typeface="Courier New"/>
-              </a:rPr>
-              <a:t>clicked</a:t>
-            </a:r>
-            <a:r>
-              <a:rPr lang="nl-NL" sz="1600" dirty="0">
-                <a:latin typeface="Courier New"/>
-                <a:cs typeface="Courier New"/>
-              </a:rPr>
-              <a:t> element!</a:t>
-            </a:r>
-          </a:p>
-          <a:p>
-            <a:r>
-              <a:rPr lang="nl-NL" sz="1600" dirty="0">
-                <a:latin typeface="Courier New"/>
-                <a:cs typeface="Courier New"/>
-              </a:rPr>
-              <a:t>		// </a:t>
-            </a:r>
-            <a:r>
-              <a:rPr lang="nl-NL" sz="1600" dirty="0" err="1">
-                <a:latin typeface="Courier New"/>
-                <a:cs typeface="Courier New"/>
-              </a:rPr>
-              <a:t>If</a:t>
-            </a:r>
-            <a:r>
-              <a:rPr lang="nl-NL" sz="1600" dirty="0">
-                <a:latin typeface="Courier New"/>
-                <a:cs typeface="Courier New"/>
-              </a:rPr>
-              <a:t> </a:t>
-            </a:r>
-            <a:r>
-              <a:rPr lang="nl-NL" sz="1600" dirty="0" err="1">
-                <a:latin typeface="Courier New"/>
-                <a:cs typeface="Courier New"/>
-              </a:rPr>
-              <a:t>it</a:t>
-            </a:r>
-            <a:r>
-              <a:rPr lang="nl-NL" sz="1600" dirty="0">
-                <a:latin typeface="Courier New"/>
-                <a:cs typeface="Courier New"/>
-              </a:rPr>
-              <a:t> was a list item</a:t>
-            </a:r>
-          </a:p>
-          <a:p>
-            <a:r>
-              <a:rPr lang="nl-NL" sz="1600" dirty="0">
-                <a:latin typeface="Courier New"/>
-                <a:cs typeface="Courier New"/>
-              </a:rPr>
-              <a:t>		</a:t>
-            </a:r>
-            <a:r>
-              <a:rPr lang="nl-NL" sz="1600" b="1" dirty="0" err="1">
-                <a:latin typeface="Courier New"/>
-                <a:cs typeface="Courier New"/>
-              </a:rPr>
-              <a:t>if</a:t>
-            </a:r>
-            <a:r>
-              <a:rPr lang="nl-NL" sz="1600" b="1" dirty="0">
-                <a:latin typeface="Courier New"/>
-                <a:cs typeface="Courier New"/>
-              </a:rPr>
-              <a:t>(</a:t>
-            </a:r>
-            <a:r>
-              <a:rPr lang="nl-NL" sz="1600" b="1" dirty="0" err="1">
-                <a:latin typeface="Courier New"/>
-                <a:cs typeface="Courier New"/>
-              </a:rPr>
-              <a:t>e.target</a:t>
-            </a:r>
-            <a:r>
-              <a:rPr lang="nl-NL" sz="1600" b="1" dirty="0">
-                <a:latin typeface="Courier New"/>
-                <a:cs typeface="Courier New"/>
-              </a:rPr>
-              <a:t> &amp;&amp; </a:t>
-            </a:r>
-            <a:r>
-              <a:rPr lang="nl-NL" sz="1600" b="1" dirty="0" err="1">
-                <a:latin typeface="Courier New"/>
-                <a:cs typeface="Courier New"/>
-              </a:rPr>
-              <a:t>e.target.nodeName</a:t>
-            </a:r>
-            <a:r>
-              <a:rPr lang="nl-NL" sz="1600" b="1" dirty="0">
-                <a:latin typeface="Courier New"/>
-                <a:cs typeface="Courier New"/>
-              </a:rPr>
-              <a:t> == "LI") </a:t>
-            </a:r>
-            <a:r>
-              <a:rPr lang="nl-NL" sz="1600" dirty="0">
-                <a:latin typeface="Courier New"/>
-                <a:cs typeface="Courier New"/>
-              </a:rPr>
-              <a:t>{</a:t>
-            </a:r>
-          </a:p>
-          <a:p>
-            <a:r>
-              <a:rPr lang="nl-NL" sz="1600" dirty="0">
-                <a:latin typeface="Courier New"/>
-                <a:cs typeface="Courier New"/>
-              </a:rPr>
-              <a:t>	    	// List item found! </a:t>
-            </a:r>
-            <a:r>
-              <a:rPr lang="nl-NL" sz="1600" dirty="0" smtClean="0">
-                <a:latin typeface="Courier New"/>
-                <a:cs typeface="Courier New"/>
-              </a:rPr>
-              <a:t>Output </a:t>
-            </a:r>
-            <a:r>
-              <a:rPr lang="nl-NL" sz="1600" dirty="0">
-                <a:latin typeface="Courier New"/>
-                <a:cs typeface="Courier New"/>
-              </a:rPr>
-              <a:t>the </a:t>
-            </a:r>
-            <a:r>
-              <a:rPr lang="nl-NL" sz="1600" dirty="0" err="1" smtClean="0">
-                <a:latin typeface="Courier New"/>
-                <a:cs typeface="Courier New"/>
-              </a:rPr>
-              <a:t>Text</a:t>
-            </a:r>
-            <a:r>
-              <a:rPr lang="nl-NL" sz="1600" dirty="0" smtClean="0">
-                <a:latin typeface="Courier New"/>
-                <a:cs typeface="Courier New"/>
-              </a:rPr>
-              <a:t>!</a:t>
-            </a:r>
-            <a:endParaRPr lang="nl-NL" sz="1600" dirty="0">
-              <a:latin typeface="Courier New"/>
-              <a:cs typeface="Courier New"/>
-            </a:endParaRPr>
-          </a:p>
-          <a:p>
-            <a:r>
-              <a:rPr lang="nl-NL" sz="1600" dirty="0">
-                <a:latin typeface="Courier New"/>
-                <a:cs typeface="Courier New"/>
-              </a:rPr>
-              <a:t>	    	</a:t>
-            </a:r>
-            <a:r>
-              <a:rPr lang="nl-NL" sz="1600" b="1" dirty="0" smtClean="0">
-                <a:latin typeface="Courier New"/>
-                <a:cs typeface="Courier New"/>
-              </a:rPr>
-              <a:t>alert(</a:t>
-            </a:r>
-            <a:r>
-              <a:rPr lang="nl-NL" sz="1600" b="1" dirty="0" err="1" smtClean="0">
-                <a:latin typeface="Courier New"/>
-                <a:cs typeface="Courier New"/>
-              </a:rPr>
-              <a:t>e.target.innerHTML</a:t>
-            </a:r>
-            <a:r>
-              <a:rPr lang="nl-NL" sz="1600" b="1" dirty="0">
-                <a:latin typeface="Courier New"/>
-                <a:cs typeface="Courier New"/>
-              </a:rPr>
-              <a:t>);	</a:t>
-            </a:r>
-          </a:p>
-          <a:p>
-            <a:r>
-              <a:rPr lang="nl-NL" sz="1600" dirty="0">
-                <a:latin typeface="Courier New"/>
-                <a:cs typeface="Courier New"/>
-              </a:rPr>
-              <a:t>	    }  </a:t>
-            </a:r>
-          </a:p>
-          <a:p>
-            <a:r>
-              <a:rPr lang="nl-NL" sz="1600" dirty="0">
-                <a:latin typeface="Courier New"/>
-                <a:cs typeface="Courier New"/>
-              </a:rPr>
-              <a:t>}</a:t>
-            </a:r>
-            <a:endParaRPr lang="nl-NL" sz="1600" dirty="0" smtClean="0">
-              <a:latin typeface="Courier New"/>
-              <a:cs typeface="Courier New"/>
-            </a:endParaRPr>
-          </a:p>
-        </p:txBody>
-      </p:sp>
-      <p:sp>
-        <p:nvSpPr>
-          <p:cNvPr id="7" name="Tekstvak 6"/>
-          <p:cNvSpPr txBox="1"/>
-          <p:nvPr/>
-        </p:nvSpPr>
-        <p:spPr>
-          <a:xfrm>
-            <a:off x="200644" y="228003"/>
-            <a:ext cx="652988" cy="584776"/>
-          </a:xfrm>
-          <a:prstGeom prst="rect">
-            <a:avLst/>
-          </a:prstGeom>
-          <a:solidFill>
-            <a:srgbClr val="1C88DA"/>
-          </a:solidFill>
-        </p:spPr>
-        <p:txBody>
-          <a:bodyPr wrap="square" rtlCol="0">
-            <a:spAutoFit/>
-          </a:bodyPr>
-          <a:lstStyle/>
-          <a:p>
-            <a:r>
-              <a:rPr lang="nl-NL" sz="3200" dirty="0" smtClean="0">
-                <a:solidFill>
-                  <a:schemeClr val="bg1"/>
-                </a:solidFill>
-                <a:latin typeface="Century Gothic"/>
-                <a:cs typeface="Century Gothic"/>
-              </a:rPr>
-              <a:t>JS</a:t>
-            </a:r>
-            <a:endParaRPr lang="nl-NL" sz="3200" dirty="0">
-              <a:solidFill>
-                <a:schemeClr val="bg1"/>
-              </a:solidFill>
-              <a:latin typeface="Century Gothic"/>
-              <a:cs typeface="Century Gothic"/>
-            </a:endParaRPr>
-          </a:p>
-        </p:txBody>
-      </p:sp>
-      <p:sp>
-        <p:nvSpPr>
-          <p:cNvPr id="4" name="Tekstvak 3"/>
-          <p:cNvSpPr txBox="1"/>
-          <p:nvPr/>
-        </p:nvSpPr>
-        <p:spPr>
-          <a:xfrm>
-            <a:off x="874451" y="346276"/>
-            <a:ext cx="3482369" cy="369332"/>
-          </a:xfrm>
-          <a:prstGeom prst="rect">
-            <a:avLst/>
-          </a:prstGeom>
-          <a:noFill/>
-        </p:spPr>
-        <p:txBody>
-          <a:bodyPr wrap="none" rtlCol="0">
-            <a:spAutoFit/>
-          </a:bodyPr>
-          <a:lstStyle/>
-          <a:p>
-            <a:r>
-              <a:rPr lang="nl-NL" dirty="0">
-                <a:solidFill>
-                  <a:srgbClr val="000000"/>
-                </a:solidFill>
-                <a:latin typeface="Century Gothic"/>
-                <a:cs typeface="Century Gothic"/>
-              </a:rPr>
-              <a:t>6.oefening-events-</a:t>
-            </a:r>
-            <a:r>
-              <a:rPr lang="nl-NL" dirty="0" smtClean="0">
-                <a:solidFill>
-                  <a:srgbClr val="000000"/>
-                </a:solidFill>
-                <a:latin typeface="Century Gothic"/>
-                <a:cs typeface="Century Gothic"/>
-              </a:rPr>
-              <a:t>functions.js</a:t>
-            </a:r>
-            <a:endParaRPr lang="nl-NL" dirty="0">
-              <a:solidFill>
-                <a:srgbClr val="000000"/>
-              </a:solidFill>
-              <a:latin typeface="Century Gothic"/>
-              <a:cs typeface="Century Gothic"/>
-            </a:endParaRPr>
-          </a:p>
-        </p:txBody>
-      </p:sp>
-    </p:spTree>
-    <p:extLst>
-      <p:ext uri="{BB962C8B-B14F-4D97-AF65-F5344CB8AC3E}">
-        <p14:creationId xmlns="" xmlns:p14="http://schemas.microsoft.com/office/powerpoint/2010/main" val="1122874862"/>
-      </p:ext>
-    </p:extLst>
-  </p:cSld>
-  <p:clrMapOvr>
-    <a:masterClrMapping/>
-  </p:clrMapOvr>
-  <p:timing>
-    <p:tnLst>
-      <p:par>
-        <p:cTn id="1" dur="indefinite" restart="never" nodeType="tmRoot"/>
-      </p:par>
-    </p:tnLst>
-  </p:timing>
-</p:sld>
-</file>
-
-<file path=ppt/slides/slide37.xml><?xml version="1.0" encoding="utf-8"?>
 <p:sld xmlns:a="http://schemas.openxmlformats.org/drawingml/2006/main" xmlns:r="http://schemas.openxmlformats.org/officeDocument/2006/relationships" xmlns:p="http://schemas.openxmlformats.org/presentationml/2006/main">
   <p:cSld>
     <p:bg>
@@ -24867,8 +21482,8 @@
         </p:nvSpPr>
         <p:spPr>
           <a:xfrm>
-            <a:off x="1682788" y="1844771"/>
-            <a:ext cx="5660136" cy="3139321"/>
+            <a:off x="2632527" y="3091198"/>
+            <a:ext cx="3647152" cy="1107996"/>
           </a:xfrm>
           <a:prstGeom prst="rect">
             <a:avLst/>
@@ -24889,31 +21504,7 @@
                 <a:latin typeface="Century Gothic"/>
                 <a:cs typeface="Century Gothic"/>
               </a:rPr>
-              <a:t>2 </a:t>
-            </a:r>
-          </a:p>
-          <a:p>
-            <a:r>
-              <a:rPr lang="nl-NL" sz="6600" dirty="0" smtClean="0">
-                <a:solidFill>
-                  <a:schemeClr val="bg1"/>
-                </a:solidFill>
-                <a:latin typeface="Century Gothic"/>
-                <a:cs typeface="Century Gothic"/>
-              </a:rPr>
-              <a:t>dimensionale </a:t>
-            </a:r>
-          </a:p>
-          <a:p>
-            <a:r>
-              <a:rPr lang="nl-NL" sz="6600" dirty="0" smtClean="0">
-                <a:solidFill>
-                  <a:schemeClr val="bg1"/>
-                </a:solidFill>
-                <a:latin typeface="Century Gothic"/>
-                <a:cs typeface="Century Gothic"/>
-              </a:rPr>
-              <a:t>array</a:t>
+              <a:t>huiswerk</a:t>
             </a:r>
             <a:endParaRPr lang="nl-NL" sz="6600" dirty="0">
               <a:solidFill>
@@ -24928,7 +21519,7 @@
     </p:spTree>
     <p:extLst>
       <p:ext uri="{BB962C8B-B14F-4D97-AF65-F5344CB8AC3E}">
-        <p14:creationId xmlns="" xmlns:p14="http://schemas.microsoft.com/office/powerpoint/2010/main" val="3500803315"/>
+        <p14:creationId xmlns:p14="http://schemas.microsoft.com/office/powerpoint/2010/main" xmlns="" val="387954745"/>
       </p:ext>
     </p:extLst>
   </p:cSld>
@@ -24945,2266 +21536,7 @@
 </p:sld>
 </file>
 
-<file path=ppt/slides/slide38.xml><?xml version="1.0" encoding="utf-8"?>
-<p:sld xmlns:a="http://schemas.openxmlformats.org/drawingml/2006/main" xmlns:r="http://schemas.openxmlformats.org/officeDocument/2006/relationships" xmlns:p="http://schemas.openxmlformats.org/presentationml/2006/main">
-  <p:cSld>
-    <p:spTree>
-      <p:nvGrpSpPr>
-        <p:cNvPr id="1" name=""/>
-        <p:cNvGrpSpPr/>
-        <p:nvPr/>
-      </p:nvGrpSpPr>
-      <p:grpSpPr>
-        <a:xfrm>
-          <a:off x="0" y="0"/>
-          <a:ext cx="0" cy="0"/>
-          <a:chOff x="0" y="0"/>
-          <a:chExt cx="0" cy="0"/>
-        </a:xfrm>
-      </p:grpSpPr>
-      <p:sp>
-        <p:nvSpPr>
-          <p:cNvPr id="2" name="Tekstvak 1"/>
-          <p:cNvSpPr txBox="1"/>
-          <p:nvPr/>
-        </p:nvSpPr>
-        <p:spPr>
-          <a:xfrm>
-            <a:off x="200643" y="999255"/>
-            <a:ext cx="8771488" cy="2616101"/>
-          </a:xfrm>
-          <a:prstGeom prst="rect">
-            <a:avLst/>
-          </a:prstGeom>
-          <a:solidFill>
-            <a:schemeClr val="bg1">
-              <a:lumMod val="85000"/>
-            </a:schemeClr>
-          </a:solidFill>
-        </p:spPr>
-        <p:txBody>
-          <a:bodyPr wrap="square" rtlCol="0">
-            <a:spAutoFit/>
-          </a:bodyPr>
-          <a:lstStyle/>
-          <a:p>
-            <a:r>
-              <a:rPr lang="nl-NL" b="1" dirty="0" smtClean="0">
-                <a:solidFill>
-                  <a:srgbClr val="CD2400"/>
-                </a:solidFill>
-                <a:latin typeface="Courier New"/>
-                <a:cs typeface="Courier New"/>
-              </a:rPr>
-              <a:t>//MULTI DIMENSIONALE ARRAYS</a:t>
-            </a:r>
-          </a:p>
-          <a:p>
-            <a:endParaRPr lang="nl-NL" dirty="0">
-              <a:latin typeface="Courier New"/>
-              <a:cs typeface="Courier New"/>
-            </a:endParaRPr>
-          </a:p>
-          <a:p>
-            <a:r>
-              <a:rPr lang="nl-NL" sz="1600" dirty="0">
-                <a:latin typeface="Courier New"/>
-                <a:cs typeface="Courier New"/>
-              </a:rPr>
-              <a:t>var </a:t>
-            </a:r>
-            <a:r>
-              <a:rPr lang="nl-NL" sz="1600" dirty="0" err="1">
-                <a:latin typeface="Courier New"/>
-                <a:cs typeface="Courier New"/>
-              </a:rPr>
-              <a:t>products</a:t>
-            </a:r>
-            <a:r>
-              <a:rPr lang="nl-NL" sz="1600" dirty="0">
-                <a:latin typeface="Courier New"/>
-                <a:cs typeface="Courier New"/>
-              </a:rPr>
-              <a:t> = </a:t>
-            </a:r>
-            <a:r>
-              <a:rPr lang="nl-NL" sz="1600" dirty="0" smtClean="0">
-                <a:latin typeface="Courier New"/>
-                <a:cs typeface="Courier New"/>
-              </a:rPr>
-              <a:t>[];</a:t>
-            </a:r>
-            <a:endParaRPr lang="nl-NL" sz="1600" dirty="0">
-              <a:latin typeface="Courier New"/>
-              <a:cs typeface="Courier New"/>
-            </a:endParaRPr>
-          </a:p>
-          <a:p>
-            <a:endParaRPr lang="nl-NL" sz="1600" dirty="0">
-              <a:latin typeface="Courier New"/>
-              <a:cs typeface="Courier New"/>
-            </a:endParaRPr>
-          </a:p>
-          <a:p>
-            <a:r>
-              <a:rPr lang="nl-NL" sz="1600" dirty="0">
-                <a:latin typeface="Courier New"/>
-                <a:cs typeface="Courier New"/>
-              </a:rPr>
-              <a:t>var kaas = </a:t>
-            </a:r>
-            <a:r>
-              <a:rPr lang="nl-NL" sz="1600" dirty="0" smtClean="0">
-                <a:latin typeface="Courier New"/>
-                <a:cs typeface="Courier New"/>
-              </a:rPr>
-              <a:t>['kaas</a:t>
-            </a:r>
-            <a:r>
-              <a:rPr lang="nl-NL" sz="1600" dirty="0">
-                <a:latin typeface="Courier New"/>
-                <a:cs typeface="Courier New"/>
-              </a:rPr>
-              <a:t>', </a:t>
-            </a:r>
-            <a:r>
-              <a:rPr lang="nl-NL" sz="1600" dirty="0" smtClean="0">
-                <a:latin typeface="Courier New"/>
-                <a:cs typeface="Courier New"/>
-              </a:rPr>
-              <a:t>1.89];</a:t>
-            </a:r>
-            <a:endParaRPr lang="nl-NL" sz="1600" dirty="0">
-              <a:latin typeface="Courier New"/>
-              <a:cs typeface="Courier New"/>
-            </a:endParaRPr>
-          </a:p>
-          <a:p>
-            <a:endParaRPr lang="nl-NL" sz="1600" dirty="0">
-              <a:latin typeface="Courier New"/>
-              <a:cs typeface="Courier New"/>
-            </a:endParaRPr>
-          </a:p>
-          <a:p>
-            <a:r>
-              <a:rPr lang="nl-NL" sz="1600" dirty="0" err="1">
-                <a:latin typeface="Courier New"/>
-                <a:cs typeface="Courier New"/>
-              </a:rPr>
-              <a:t>products.push</a:t>
-            </a:r>
-            <a:r>
-              <a:rPr lang="nl-NL" sz="1600" dirty="0">
-                <a:latin typeface="Courier New"/>
-                <a:cs typeface="Courier New"/>
-              </a:rPr>
-              <a:t>(kaas);</a:t>
-            </a:r>
-          </a:p>
-          <a:p>
-            <a:endParaRPr lang="nl-NL" sz="1600" dirty="0">
-              <a:latin typeface="Courier New"/>
-              <a:cs typeface="Courier New"/>
-            </a:endParaRPr>
-          </a:p>
-          <a:p>
-            <a:r>
-              <a:rPr lang="nl-NL" sz="1600" dirty="0" err="1">
-                <a:latin typeface="Courier New"/>
-                <a:cs typeface="Courier New"/>
-              </a:rPr>
-              <a:t>console.log</a:t>
-            </a:r>
-            <a:r>
-              <a:rPr lang="nl-NL" sz="1600" dirty="0">
-                <a:latin typeface="Courier New"/>
-                <a:cs typeface="Courier New"/>
-              </a:rPr>
-              <a:t>('De productnaam' + </a:t>
-            </a:r>
-            <a:r>
-              <a:rPr lang="nl-NL" sz="1600" dirty="0" err="1">
-                <a:latin typeface="Courier New"/>
-                <a:cs typeface="Courier New"/>
-              </a:rPr>
-              <a:t>products</a:t>
-            </a:r>
-            <a:r>
-              <a:rPr lang="nl-NL" sz="1600" dirty="0">
-                <a:latin typeface="Courier New"/>
-                <a:cs typeface="Courier New"/>
-              </a:rPr>
-              <a:t>[0][0]);</a:t>
-            </a:r>
-          </a:p>
-          <a:p>
-            <a:r>
-              <a:rPr lang="nl-NL" sz="1600" dirty="0" err="1">
-                <a:latin typeface="Courier New"/>
-                <a:cs typeface="Courier New"/>
-              </a:rPr>
-              <a:t>console.log</a:t>
-            </a:r>
-            <a:r>
-              <a:rPr lang="nl-NL" sz="1600" dirty="0">
-                <a:latin typeface="Courier New"/>
-                <a:cs typeface="Courier New"/>
-              </a:rPr>
-              <a:t>('De productprijs' + </a:t>
-            </a:r>
-            <a:r>
-              <a:rPr lang="nl-NL" sz="1600" dirty="0" err="1">
-                <a:latin typeface="Courier New"/>
-                <a:cs typeface="Courier New"/>
-              </a:rPr>
-              <a:t>products</a:t>
-            </a:r>
-            <a:r>
-              <a:rPr lang="nl-NL" sz="1600" dirty="0">
-                <a:latin typeface="Courier New"/>
-                <a:cs typeface="Courier New"/>
-              </a:rPr>
-              <a:t>[0][1]);</a:t>
-            </a:r>
-            <a:endParaRPr lang="nl-NL" sz="1600" dirty="0" smtClean="0">
-              <a:latin typeface="Courier New"/>
-              <a:cs typeface="Courier New"/>
-            </a:endParaRPr>
-          </a:p>
-        </p:txBody>
-      </p:sp>
-      <p:sp>
-        <p:nvSpPr>
-          <p:cNvPr id="7" name="Tekstvak 6"/>
-          <p:cNvSpPr txBox="1"/>
-          <p:nvPr/>
-        </p:nvSpPr>
-        <p:spPr>
-          <a:xfrm>
-            <a:off x="200644" y="228003"/>
-            <a:ext cx="652988" cy="584776"/>
-          </a:xfrm>
-          <a:prstGeom prst="rect">
-            <a:avLst/>
-          </a:prstGeom>
-          <a:solidFill>
-            <a:srgbClr val="1C88DA"/>
-          </a:solidFill>
-        </p:spPr>
-        <p:txBody>
-          <a:bodyPr wrap="square" rtlCol="0">
-            <a:spAutoFit/>
-          </a:bodyPr>
-          <a:lstStyle/>
-          <a:p>
-            <a:r>
-              <a:rPr lang="nl-NL" sz="3200" dirty="0" smtClean="0">
-                <a:solidFill>
-                  <a:schemeClr val="bg1"/>
-                </a:solidFill>
-                <a:latin typeface="Century Gothic"/>
-                <a:cs typeface="Century Gothic"/>
-              </a:rPr>
-              <a:t>JS</a:t>
-            </a:r>
-            <a:endParaRPr lang="nl-NL" sz="3200" dirty="0">
-              <a:solidFill>
-                <a:schemeClr val="bg1"/>
-              </a:solidFill>
-              <a:latin typeface="Century Gothic"/>
-              <a:cs typeface="Century Gothic"/>
-            </a:endParaRPr>
-          </a:p>
-        </p:txBody>
-      </p:sp>
-      <p:sp>
-        <p:nvSpPr>
-          <p:cNvPr id="4" name="Tekstvak 3"/>
-          <p:cNvSpPr txBox="1"/>
-          <p:nvPr/>
-        </p:nvSpPr>
-        <p:spPr>
-          <a:xfrm>
-            <a:off x="874451" y="346276"/>
-            <a:ext cx="4425310" cy="369332"/>
-          </a:xfrm>
-          <a:prstGeom prst="rect">
-            <a:avLst/>
-          </a:prstGeom>
-          <a:noFill/>
-        </p:spPr>
-        <p:txBody>
-          <a:bodyPr wrap="none" rtlCol="0">
-            <a:spAutoFit/>
-          </a:bodyPr>
-          <a:lstStyle/>
-          <a:p>
-            <a:r>
-              <a:rPr lang="nl-NL" dirty="0">
-                <a:solidFill>
-                  <a:srgbClr val="000000"/>
-                </a:solidFill>
-                <a:latin typeface="Century Gothic"/>
-                <a:cs typeface="Century Gothic"/>
-              </a:rPr>
-              <a:t>6.oefening</a:t>
-            </a:r>
-            <a:r>
-              <a:rPr lang="nl-NL" dirty="0" smtClean="0">
-                <a:solidFill>
-                  <a:srgbClr val="000000"/>
-                </a:solidFill>
-                <a:latin typeface="Century Gothic"/>
-                <a:cs typeface="Century Gothic"/>
-              </a:rPr>
-              <a:t>-multidimensionale-arrays.js</a:t>
-            </a:r>
-            <a:endParaRPr lang="nl-NL" dirty="0">
-              <a:solidFill>
-                <a:srgbClr val="000000"/>
-              </a:solidFill>
-              <a:latin typeface="Century Gothic"/>
-              <a:cs typeface="Century Gothic"/>
-            </a:endParaRPr>
-          </a:p>
-        </p:txBody>
-      </p:sp>
-      <p:sp>
-        <p:nvSpPr>
-          <p:cNvPr id="3" name="Tekstvak 2"/>
-          <p:cNvSpPr txBox="1"/>
-          <p:nvPr/>
-        </p:nvSpPr>
-        <p:spPr>
-          <a:xfrm>
-            <a:off x="200644" y="4601499"/>
-            <a:ext cx="956812" cy="307777"/>
-          </a:xfrm>
-          <a:prstGeom prst="rect">
-            <a:avLst/>
-          </a:prstGeom>
-          <a:noFill/>
-        </p:spPr>
-        <p:txBody>
-          <a:bodyPr wrap="none" rtlCol="0">
-            <a:spAutoFit/>
-          </a:bodyPr>
-          <a:lstStyle/>
-          <a:p>
-            <a:r>
-              <a:rPr lang="nl-NL" sz="1400" dirty="0" err="1" smtClean="0">
-                <a:latin typeface="Century Gothic"/>
-                <a:cs typeface="Century Gothic"/>
-              </a:rPr>
-              <a:t>products</a:t>
-            </a:r>
-            <a:endParaRPr lang="nl-NL" sz="1400" dirty="0">
-              <a:latin typeface="Century Gothic"/>
-              <a:cs typeface="Century Gothic"/>
-            </a:endParaRPr>
-          </a:p>
-        </p:txBody>
-      </p:sp>
-      <p:sp>
-        <p:nvSpPr>
-          <p:cNvPr id="6" name="Rechthoek 5"/>
-          <p:cNvSpPr/>
-          <p:nvPr/>
-        </p:nvSpPr>
-        <p:spPr>
-          <a:xfrm>
-            <a:off x="1383564" y="4143429"/>
-            <a:ext cx="2613927" cy="1395023"/>
-          </a:xfrm>
-          <a:prstGeom prst="rect">
-            <a:avLst/>
-          </a:prstGeom>
-          <a:ln w="12700" cmpd="sng">
-            <a:solidFill>
-              <a:srgbClr val="1C88DA"/>
-            </a:solidFill>
-            <a:prstDash val="solid"/>
-          </a:ln>
-          <a:effectLst/>
-        </p:spPr>
-        <p:style>
-          <a:lnRef idx="2">
-            <a:schemeClr val="accent1"/>
-          </a:lnRef>
-          <a:fillRef idx="0">
-            <a:schemeClr val="accent1"/>
-          </a:fillRef>
-          <a:effectRef idx="1">
-            <a:schemeClr val="accent1"/>
-          </a:effectRef>
-          <a:fontRef idx="minor">
-            <a:schemeClr val="tx1"/>
-          </a:fontRef>
-        </p:style>
-        <p:txBody>
-          <a:bodyPr rtlCol="0" anchor="ctr"/>
-          <a:lstStyle/>
-          <a:p>
-            <a:pPr algn="ctr"/>
-            <a:endParaRPr lang="nl-NL" sz="1400">
-              <a:latin typeface="Century Gothic"/>
-              <a:cs typeface="Century Gothic"/>
-            </a:endParaRPr>
-          </a:p>
-        </p:txBody>
-      </p:sp>
-      <p:sp>
-        <p:nvSpPr>
-          <p:cNvPr id="9" name="Tekstvak 8"/>
-          <p:cNvSpPr txBox="1"/>
-          <p:nvPr/>
-        </p:nvSpPr>
-        <p:spPr>
-          <a:xfrm>
-            <a:off x="2415151" y="5611327"/>
-            <a:ext cx="284165" cy="307777"/>
-          </a:xfrm>
-          <a:prstGeom prst="rect">
-            <a:avLst/>
-          </a:prstGeom>
-          <a:noFill/>
-        </p:spPr>
-        <p:txBody>
-          <a:bodyPr wrap="none" rtlCol="0">
-            <a:spAutoFit/>
-          </a:bodyPr>
-          <a:lstStyle/>
-          <a:p>
-            <a:r>
-              <a:rPr lang="nl-NL" sz="1400" dirty="0" smtClean="0">
-                <a:latin typeface="Century Gothic"/>
-                <a:cs typeface="Century Gothic"/>
-              </a:rPr>
-              <a:t>0</a:t>
-            </a:r>
-            <a:endParaRPr lang="nl-NL" sz="1400" dirty="0">
-              <a:latin typeface="Century Gothic"/>
-              <a:cs typeface="Century Gothic"/>
-            </a:endParaRPr>
-          </a:p>
-        </p:txBody>
-      </p:sp>
-      <p:sp>
-        <p:nvSpPr>
-          <p:cNvPr id="10" name="Tekstvak 9"/>
-          <p:cNvSpPr txBox="1"/>
-          <p:nvPr/>
-        </p:nvSpPr>
-        <p:spPr>
-          <a:xfrm>
-            <a:off x="1512236" y="4601499"/>
-            <a:ext cx="589762" cy="307777"/>
-          </a:xfrm>
-          <a:prstGeom prst="rect">
-            <a:avLst/>
-          </a:prstGeom>
-          <a:noFill/>
-        </p:spPr>
-        <p:txBody>
-          <a:bodyPr wrap="none" rtlCol="0">
-            <a:spAutoFit/>
-          </a:bodyPr>
-          <a:lstStyle/>
-          <a:p>
-            <a:r>
-              <a:rPr lang="nl-NL" sz="1400" dirty="0" smtClean="0">
-                <a:latin typeface="Century Gothic"/>
-                <a:cs typeface="Century Gothic"/>
-              </a:rPr>
-              <a:t>kaas</a:t>
-            </a:r>
-            <a:endParaRPr lang="nl-NL" sz="1400" dirty="0">
-              <a:latin typeface="Century Gothic"/>
-              <a:cs typeface="Century Gothic"/>
-            </a:endParaRPr>
-          </a:p>
-        </p:txBody>
-      </p:sp>
-      <p:sp>
-        <p:nvSpPr>
-          <p:cNvPr id="11" name="Rechthoek 10"/>
-          <p:cNvSpPr/>
-          <p:nvPr/>
-        </p:nvSpPr>
-        <p:spPr>
-          <a:xfrm>
-            <a:off x="2204233" y="4483221"/>
-            <a:ext cx="707888" cy="614227"/>
-          </a:xfrm>
-          <a:prstGeom prst="rect">
-            <a:avLst/>
-          </a:prstGeom>
-          <a:ln w="12700" cmpd="sng">
-            <a:solidFill>
-              <a:srgbClr val="1C88DA"/>
-            </a:solidFill>
-            <a:prstDash val="solid"/>
-          </a:ln>
-          <a:effectLst/>
-        </p:spPr>
-        <p:style>
-          <a:lnRef idx="2">
-            <a:schemeClr val="accent1"/>
-          </a:lnRef>
-          <a:fillRef idx="0">
-            <a:schemeClr val="accent1"/>
-          </a:fillRef>
-          <a:effectRef idx="1">
-            <a:schemeClr val="accent1"/>
-          </a:effectRef>
-          <a:fontRef idx="minor">
-            <a:schemeClr val="tx1"/>
-          </a:fontRef>
-        </p:style>
-        <p:txBody>
-          <a:bodyPr rtlCol="0" anchor="ctr"/>
-          <a:lstStyle/>
-          <a:p>
-            <a:pPr algn="ctr"/>
-            <a:r>
-              <a:rPr lang="nl-NL" sz="1400" dirty="0" smtClean="0">
-                <a:latin typeface="Century Gothic"/>
-                <a:cs typeface="Century Gothic"/>
-              </a:rPr>
-              <a:t>‘kaas’</a:t>
-            </a:r>
-            <a:endParaRPr lang="nl-NL" sz="1400" dirty="0">
-              <a:latin typeface="Century Gothic"/>
-              <a:cs typeface="Century Gothic"/>
-            </a:endParaRPr>
-          </a:p>
-        </p:txBody>
-      </p:sp>
-      <p:sp>
-        <p:nvSpPr>
-          <p:cNvPr id="13" name="Rechthoek 12"/>
-          <p:cNvSpPr/>
-          <p:nvPr/>
-        </p:nvSpPr>
-        <p:spPr>
-          <a:xfrm>
-            <a:off x="3088057" y="4483221"/>
-            <a:ext cx="707888" cy="614227"/>
-          </a:xfrm>
-          <a:prstGeom prst="rect">
-            <a:avLst/>
-          </a:prstGeom>
-          <a:ln w="12700" cmpd="sng">
-            <a:solidFill>
-              <a:srgbClr val="1C88DA"/>
-            </a:solidFill>
-            <a:prstDash val="solid"/>
-          </a:ln>
-          <a:effectLst/>
-        </p:spPr>
-        <p:style>
-          <a:lnRef idx="2">
-            <a:schemeClr val="accent1"/>
-          </a:lnRef>
-          <a:fillRef idx="0">
-            <a:schemeClr val="accent1"/>
-          </a:fillRef>
-          <a:effectRef idx="1">
-            <a:schemeClr val="accent1"/>
-          </a:effectRef>
-          <a:fontRef idx="minor">
-            <a:schemeClr val="tx1"/>
-          </a:fontRef>
-        </p:style>
-        <p:txBody>
-          <a:bodyPr rtlCol="0" anchor="ctr"/>
-          <a:lstStyle/>
-          <a:p>
-            <a:pPr algn="ctr"/>
-            <a:r>
-              <a:rPr lang="nl-NL" sz="1400" dirty="0" smtClean="0">
-                <a:latin typeface="Century Gothic"/>
-                <a:cs typeface="Century Gothic"/>
-              </a:rPr>
-              <a:t>1.89</a:t>
-            </a:r>
-            <a:endParaRPr lang="nl-NL" sz="1400" dirty="0">
-              <a:latin typeface="Century Gothic"/>
-              <a:cs typeface="Century Gothic"/>
-            </a:endParaRPr>
-          </a:p>
-        </p:txBody>
-      </p:sp>
-      <p:sp>
-        <p:nvSpPr>
-          <p:cNvPr id="14" name="Tekstvak 13"/>
-          <p:cNvSpPr txBox="1"/>
-          <p:nvPr/>
-        </p:nvSpPr>
-        <p:spPr>
-          <a:xfrm>
-            <a:off x="2415151" y="5097448"/>
-            <a:ext cx="284165" cy="307777"/>
-          </a:xfrm>
-          <a:prstGeom prst="rect">
-            <a:avLst/>
-          </a:prstGeom>
-          <a:noFill/>
-        </p:spPr>
-        <p:txBody>
-          <a:bodyPr wrap="none" rtlCol="0">
-            <a:spAutoFit/>
-          </a:bodyPr>
-          <a:lstStyle/>
-          <a:p>
-            <a:r>
-              <a:rPr lang="nl-NL" sz="1400" dirty="0" smtClean="0">
-                <a:latin typeface="Century Gothic"/>
-                <a:cs typeface="Century Gothic"/>
-              </a:rPr>
-              <a:t>0</a:t>
-            </a:r>
-            <a:endParaRPr lang="nl-NL" sz="1400" dirty="0">
-              <a:latin typeface="Century Gothic"/>
-              <a:cs typeface="Century Gothic"/>
-            </a:endParaRPr>
-          </a:p>
-        </p:txBody>
-      </p:sp>
-      <p:sp>
-        <p:nvSpPr>
-          <p:cNvPr id="15" name="Tekstvak 14"/>
-          <p:cNvSpPr txBox="1"/>
-          <p:nvPr/>
-        </p:nvSpPr>
-        <p:spPr>
-          <a:xfrm>
-            <a:off x="3284514" y="5097448"/>
-            <a:ext cx="284165" cy="307777"/>
-          </a:xfrm>
-          <a:prstGeom prst="rect">
-            <a:avLst/>
-          </a:prstGeom>
-          <a:noFill/>
-        </p:spPr>
-        <p:txBody>
-          <a:bodyPr wrap="none" rtlCol="0">
-            <a:spAutoFit/>
-          </a:bodyPr>
-          <a:lstStyle/>
-          <a:p>
-            <a:r>
-              <a:rPr lang="nl-NL" sz="1400" dirty="0" smtClean="0">
-                <a:latin typeface="Century Gothic"/>
-                <a:cs typeface="Century Gothic"/>
-              </a:rPr>
-              <a:t>1</a:t>
-            </a:r>
-            <a:endParaRPr lang="nl-NL" sz="1400" dirty="0">
-              <a:latin typeface="Century Gothic"/>
-              <a:cs typeface="Century Gothic"/>
-            </a:endParaRPr>
-          </a:p>
-        </p:txBody>
-      </p:sp>
-    </p:spTree>
-    <p:extLst>
-      <p:ext uri="{BB962C8B-B14F-4D97-AF65-F5344CB8AC3E}">
-        <p14:creationId xmlns="" xmlns:p14="http://schemas.microsoft.com/office/powerpoint/2010/main" val="2586668447"/>
-      </p:ext>
-    </p:extLst>
-  </p:cSld>
-  <p:clrMapOvr>
-    <a:masterClrMapping/>
-  </p:clrMapOvr>
-  <p:timing>
-    <p:tnLst>
-      <p:par>
-        <p:cTn id="1" dur="indefinite" restart="never" nodeType="tmRoot"/>
-      </p:par>
-    </p:tnLst>
-  </p:timing>
-</p:sld>
-</file>
-
-<file path=ppt/slides/slide39.xml><?xml version="1.0" encoding="utf-8"?>
-<p:sld xmlns:a="http://schemas.openxmlformats.org/drawingml/2006/main" xmlns:r="http://schemas.openxmlformats.org/officeDocument/2006/relationships" xmlns:p="http://schemas.openxmlformats.org/presentationml/2006/main">
-  <p:cSld>
-    <p:bg>
-      <p:bgPr>
-        <a:solidFill>
-          <a:srgbClr val="1C88DA"/>
-        </a:solidFill>
-        <a:effectLst/>
-      </p:bgPr>
-    </p:bg>
-    <p:spTree>
-      <p:nvGrpSpPr>
-        <p:cNvPr id="1" name=""/>
-        <p:cNvGrpSpPr/>
-        <p:nvPr/>
-      </p:nvGrpSpPr>
-      <p:grpSpPr>
-        <a:xfrm>
-          <a:off x="0" y="0"/>
-          <a:ext cx="0" cy="0"/>
-          <a:chOff x="0" y="0"/>
-          <a:chExt cx="0" cy="0"/>
-        </a:xfrm>
-      </p:grpSpPr>
-      <p:sp>
-        <p:nvSpPr>
-          <p:cNvPr id="2" name="Tekstvak 1"/>
-          <p:cNvSpPr txBox="1"/>
-          <p:nvPr/>
-        </p:nvSpPr>
-        <p:spPr>
-          <a:xfrm>
-            <a:off x="2632527" y="3091198"/>
-            <a:ext cx="3647152" cy="1107996"/>
-          </a:xfrm>
-          <a:prstGeom prst="rect">
-            <a:avLst/>
-          </a:prstGeom>
-          <a:noFill/>
-        </p:spPr>
-        <p:txBody>
-          <a:bodyPr wrap="none" rtlCol="0">
-            <a:spAutoFit/>
-          </a:bodyPr>
-          <a:lstStyle/>
-          <a:p>
-            <a:r>
-              <a:rPr lang="nl-NL" sz="6600" dirty="0" smtClean="0">
-                <a:solidFill>
-                  <a:schemeClr val="bg1"/>
-                </a:solidFill>
-                <a:latin typeface="Century Gothic"/>
-                <a:cs typeface="Century Gothic"/>
-              </a:rPr>
-              <a:t>huiswerk</a:t>
-            </a:r>
-            <a:endParaRPr lang="nl-NL" sz="6600" dirty="0">
-              <a:solidFill>
-                <a:schemeClr val="bg1"/>
-              </a:solidFill>
-              <a:latin typeface="Century Gothic"/>
-              <a:cs typeface="Century Gothic"/>
-            </a:endParaRPr>
-          </a:p>
-        </p:txBody>
-      </p:sp>
-    </p:spTree>
-    <p:extLst>
-      <p:ext uri="{BB962C8B-B14F-4D97-AF65-F5344CB8AC3E}">
-        <p14:creationId xmlns="" xmlns:p14="http://schemas.microsoft.com/office/powerpoint/2010/main" val="387954745"/>
-      </p:ext>
-    </p:extLst>
-  </p:cSld>
-  <p:clrMapOvr>
-    <a:masterClrMapping/>
-  </p:clrMapOvr>
-  <p:timing>
-    <p:tnLst>
-      <p:par>
-        <p:cTn id="1" dur="indefinite" restart="never" nodeType="tmRoot"/>
-      </p:par>
-    </p:tnLst>
-  </p:timing>
-</p:sld>
-</file>
-
-<file path=ppt/slides/slide4.xml><?xml version="1.0" encoding="utf-8"?>
-<p:sld xmlns:a="http://schemas.openxmlformats.org/drawingml/2006/main" xmlns:r="http://schemas.openxmlformats.org/officeDocument/2006/relationships" xmlns:p="http://schemas.openxmlformats.org/presentationml/2006/main">
-  <p:cSld>
-    <p:spTree>
-      <p:nvGrpSpPr>
-        <p:cNvPr id="1" name=""/>
-        <p:cNvGrpSpPr/>
-        <p:nvPr/>
-      </p:nvGrpSpPr>
-      <p:grpSpPr>
-        <a:xfrm>
-          <a:off x="0" y="0"/>
-          <a:ext cx="0" cy="0"/>
-          <a:chOff x="0" y="0"/>
-          <a:chExt cx="0" cy="0"/>
-        </a:xfrm>
-      </p:grpSpPr>
-      <p:sp>
-        <p:nvSpPr>
-          <p:cNvPr id="78849" name="Rectangle 1"/>
-          <p:cNvSpPr>
-            <a:spLocks noChangeArrowheads="1"/>
-          </p:cNvSpPr>
-          <p:nvPr/>
-        </p:nvSpPr>
-        <p:spPr bwMode="auto">
-          <a:xfrm>
-            <a:off x="281344" y="302896"/>
-            <a:ext cx="7343677" cy="1569660"/>
-          </a:xfrm>
-          <a:prstGeom prst="rect">
-            <a:avLst/>
-          </a:prstGeom>
-          <a:solidFill>
-            <a:srgbClr val="FFFFFF"/>
-          </a:solidFill>
-          <a:ln w="9525">
-            <a:noFill/>
-            <a:miter lim="800000"/>
-            <a:headEnd/>
-            <a:tailEnd/>
-          </a:ln>
-          <a:effectLst/>
-        </p:spPr>
-        <p:txBody>
-          <a:bodyPr vert="horz" wrap="none" lIns="91440" tIns="45720" rIns="91440" bIns="45720" numCol="1" anchor="ctr" anchorCtr="0" compatLnSpc="1">
-            <a:prstTxWarp prst="textNoShape">
-              <a:avLst/>
-            </a:prstTxWarp>
-            <a:spAutoFit/>
-          </a:bodyPr>
-          <a:lstStyle/>
-          <a:p>
-            <a:pPr marL="0" marR="0" lvl="0" indent="0" algn="l" defTabSz="914400" rtl="0" eaLnBrk="1" fontAlgn="base" latinLnBrk="0" hangingPunct="1">
-              <a:lnSpc>
-                <a:spcPct val="100000"/>
-              </a:lnSpc>
-              <a:spcBef>
-                <a:spcPct val="0"/>
-              </a:spcBef>
-              <a:spcAft>
-                <a:spcPct val="0"/>
-              </a:spcAft>
-              <a:buClrTx/>
-              <a:buSzTx/>
-              <a:buFontTx/>
-              <a:buNone/>
-              <a:tabLst/>
-            </a:pPr>
-            <a:r>
-              <a:rPr kumimoji="0" lang="nl-NL" sz="1600" b="0" i="0" u="none" strike="noStrike" cap="none" normalizeH="0" baseline="0" dirty="0" smtClean="0">
-                <a:ln>
-                  <a:noFill/>
-                </a:ln>
-                <a:solidFill>
-                  <a:srgbClr val="000000"/>
-                </a:solidFill>
-                <a:effectLst/>
-                <a:latin typeface="Courier New" pitchFamily="49" charset="0"/>
-                <a:cs typeface="Courier New" pitchFamily="49" charset="0"/>
-              </a:rPr>
-              <a:t>&lt;</a:t>
-            </a:r>
-            <a:r>
-              <a:rPr kumimoji="0" lang="nl-NL" sz="1600" b="1" i="0" u="none" strike="noStrike" cap="none" normalizeH="0" baseline="0" dirty="0" smtClean="0">
-                <a:ln>
-                  <a:noFill/>
-                </a:ln>
-                <a:solidFill>
-                  <a:srgbClr val="000080"/>
-                </a:solidFill>
-                <a:effectLst/>
-                <a:latin typeface="Courier New" pitchFamily="49" charset="0"/>
-                <a:cs typeface="Courier New" pitchFamily="49" charset="0"/>
-              </a:rPr>
-              <a:t>ul </a:t>
-            </a:r>
-            <a:r>
-              <a:rPr kumimoji="0" lang="nl-NL" sz="1600" b="1" i="0" u="none" strike="noStrike" cap="none" normalizeH="0" baseline="0" dirty="0" smtClean="0">
-                <a:ln>
-                  <a:noFill/>
-                </a:ln>
-                <a:solidFill>
-                  <a:srgbClr val="0000FF"/>
-                </a:solidFill>
-                <a:effectLst/>
-                <a:latin typeface="Courier New" pitchFamily="49" charset="0"/>
-                <a:cs typeface="Courier New" pitchFamily="49" charset="0"/>
-              </a:rPr>
-              <a:t>id=</a:t>
-            </a:r>
-            <a:r>
-              <a:rPr kumimoji="0" lang="nl-NL" sz="1600" b="1" i="0" u="none" strike="noStrike" cap="none" normalizeH="0" baseline="0" dirty="0" smtClean="0">
-                <a:ln>
-                  <a:noFill/>
-                </a:ln>
-                <a:solidFill>
-                  <a:srgbClr val="008000"/>
-                </a:solidFill>
-                <a:effectLst/>
-                <a:latin typeface="Courier New" pitchFamily="49" charset="0"/>
-                <a:cs typeface="Courier New" pitchFamily="49" charset="0"/>
-              </a:rPr>
-              <a:t>'todo'</a:t>
-            </a:r>
-            <a:r>
-              <a:rPr kumimoji="0" lang="nl-NL" sz="1600" b="0" i="0" u="none" strike="noStrike" cap="none" normalizeH="0" baseline="0" dirty="0" smtClean="0">
-                <a:ln>
-                  <a:noFill/>
-                </a:ln>
-                <a:solidFill>
-                  <a:srgbClr val="000000"/>
-                </a:solidFill>
-                <a:effectLst/>
-                <a:latin typeface="Courier New" pitchFamily="49" charset="0"/>
-                <a:cs typeface="Courier New" pitchFamily="49" charset="0"/>
-              </a:rPr>
-              <a:t>&gt;</a:t>
-            </a:r>
-            <a:br>
-              <a:rPr kumimoji="0" lang="nl-NL" sz="1600" b="0" i="0" u="none" strike="noStrike" cap="none" normalizeH="0" baseline="0" dirty="0" smtClean="0">
-                <a:ln>
-                  <a:noFill/>
-                </a:ln>
-                <a:solidFill>
-                  <a:srgbClr val="000000"/>
-                </a:solidFill>
-                <a:effectLst/>
-                <a:latin typeface="Courier New" pitchFamily="49" charset="0"/>
-                <a:cs typeface="Courier New" pitchFamily="49" charset="0"/>
-              </a:rPr>
-            </a:br>
-            <a:r>
-              <a:rPr kumimoji="0" lang="nl-NL" sz="1600" b="0" i="0" u="none" strike="noStrike" cap="none" normalizeH="0" baseline="0" dirty="0" smtClean="0">
-                <a:ln>
-                  <a:noFill/>
-                </a:ln>
-                <a:solidFill>
-                  <a:srgbClr val="000000"/>
-                </a:solidFill>
-                <a:effectLst/>
-                <a:latin typeface="Courier New" pitchFamily="49" charset="0"/>
-                <a:cs typeface="Courier New" pitchFamily="49" charset="0"/>
-              </a:rPr>
-              <a:t>    &lt;</a:t>
-            </a:r>
-            <a:r>
-              <a:rPr kumimoji="0" lang="nl-NL" sz="1600" b="1" i="0" u="none" strike="noStrike" cap="none" normalizeH="0" baseline="0" dirty="0" smtClean="0">
-                <a:ln>
-                  <a:noFill/>
-                </a:ln>
-                <a:solidFill>
-                  <a:srgbClr val="000080"/>
-                </a:solidFill>
-                <a:effectLst/>
-                <a:latin typeface="Courier New" pitchFamily="49" charset="0"/>
-                <a:cs typeface="Courier New" pitchFamily="49" charset="0"/>
-              </a:rPr>
-              <a:t>li </a:t>
-            </a:r>
-            <a:r>
-              <a:rPr kumimoji="0" lang="nl-NL" sz="1600" b="1" i="0" u="none" strike="noStrike" cap="none" normalizeH="0" baseline="0" dirty="0" smtClean="0">
-                <a:ln>
-                  <a:noFill/>
-                </a:ln>
-                <a:solidFill>
-                  <a:srgbClr val="0000FF"/>
-                </a:solidFill>
-                <a:effectLst/>
-                <a:latin typeface="Courier New" pitchFamily="49" charset="0"/>
-                <a:cs typeface="Courier New" pitchFamily="49" charset="0"/>
-              </a:rPr>
-              <a:t>class=</a:t>
-            </a:r>
-            <a:r>
-              <a:rPr kumimoji="0" lang="nl-NL" sz="1600" b="1" i="0" u="none" strike="noStrike" cap="none" normalizeH="0" baseline="0" dirty="0" smtClean="0">
-                <a:ln>
-                  <a:noFill/>
-                </a:ln>
-                <a:solidFill>
-                  <a:srgbClr val="008000"/>
-                </a:solidFill>
-                <a:effectLst/>
-                <a:latin typeface="Courier New" pitchFamily="49" charset="0"/>
-                <a:cs typeface="Courier New" pitchFamily="49" charset="0"/>
-              </a:rPr>
-              <a:t>"todo-item"</a:t>
-            </a:r>
-            <a:r>
-              <a:rPr kumimoji="0" lang="nl-NL" sz="1600" b="0" i="0" u="none" strike="noStrike" cap="none" normalizeH="0" baseline="0" dirty="0" smtClean="0">
-                <a:ln>
-                  <a:noFill/>
-                </a:ln>
-                <a:solidFill>
-                  <a:srgbClr val="000000"/>
-                </a:solidFill>
-                <a:effectLst/>
-                <a:latin typeface="Courier New" pitchFamily="49" charset="0"/>
-                <a:cs typeface="Courier New" pitchFamily="49" charset="0"/>
-              </a:rPr>
-              <a:t>&gt;Finish reading the syllabus&lt;/</a:t>
-            </a:r>
-            <a:r>
-              <a:rPr kumimoji="0" lang="nl-NL" sz="1600" b="1" i="0" u="none" strike="noStrike" cap="none" normalizeH="0" baseline="0" dirty="0" smtClean="0">
-                <a:ln>
-                  <a:noFill/>
-                </a:ln>
-                <a:solidFill>
-                  <a:srgbClr val="000080"/>
-                </a:solidFill>
-                <a:effectLst/>
-                <a:latin typeface="Courier New" pitchFamily="49" charset="0"/>
-                <a:cs typeface="Courier New" pitchFamily="49" charset="0"/>
-              </a:rPr>
-              <a:t>li</a:t>
-            </a:r>
-            <a:r>
-              <a:rPr kumimoji="0" lang="nl-NL" sz="1600" b="0" i="0" u="none" strike="noStrike" cap="none" normalizeH="0" baseline="0" dirty="0" smtClean="0">
-                <a:ln>
-                  <a:noFill/>
-                </a:ln>
-                <a:solidFill>
-                  <a:srgbClr val="000000"/>
-                </a:solidFill>
-                <a:effectLst/>
-                <a:latin typeface="Courier New" pitchFamily="49" charset="0"/>
-                <a:cs typeface="Courier New" pitchFamily="49" charset="0"/>
-              </a:rPr>
-              <a:t>&gt;</a:t>
-            </a:r>
-            <a:br>
-              <a:rPr kumimoji="0" lang="nl-NL" sz="1600" b="0" i="0" u="none" strike="noStrike" cap="none" normalizeH="0" baseline="0" dirty="0" smtClean="0">
-                <a:ln>
-                  <a:noFill/>
-                </a:ln>
-                <a:solidFill>
-                  <a:srgbClr val="000000"/>
-                </a:solidFill>
-                <a:effectLst/>
-                <a:latin typeface="Courier New" pitchFamily="49" charset="0"/>
-                <a:cs typeface="Courier New" pitchFamily="49" charset="0"/>
-              </a:rPr>
-            </a:br>
-            <a:r>
-              <a:rPr kumimoji="0" lang="nl-NL" sz="1600" b="0" i="0" u="none" strike="noStrike" cap="none" normalizeH="0" baseline="0" dirty="0" smtClean="0">
-                <a:ln>
-                  <a:noFill/>
-                </a:ln>
-                <a:solidFill>
-                  <a:srgbClr val="000000"/>
-                </a:solidFill>
-                <a:effectLst/>
-                <a:latin typeface="Courier New" pitchFamily="49" charset="0"/>
-                <a:cs typeface="Courier New" pitchFamily="49" charset="0"/>
-              </a:rPr>
-              <a:t>    &lt;</a:t>
-            </a:r>
-            <a:r>
-              <a:rPr kumimoji="0" lang="nl-NL" sz="1600" b="1" i="0" u="none" strike="noStrike" cap="none" normalizeH="0" baseline="0" dirty="0" smtClean="0">
-                <a:ln>
-                  <a:noFill/>
-                </a:ln>
-                <a:solidFill>
-                  <a:srgbClr val="000080"/>
-                </a:solidFill>
-                <a:effectLst/>
-                <a:latin typeface="Courier New" pitchFamily="49" charset="0"/>
-                <a:cs typeface="Courier New" pitchFamily="49" charset="0"/>
-              </a:rPr>
-              <a:t>li </a:t>
-            </a:r>
-            <a:r>
-              <a:rPr kumimoji="0" lang="nl-NL" sz="1600" b="1" i="0" u="none" strike="noStrike" cap="none" normalizeH="0" baseline="0" dirty="0" smtClean="0">
-                <a:ln>
-                  <a:noFill/>
-                </a:ln>
-                <a:solidFill>
-                  <a:srgbClr val="0000FF"/>
-                </a:solidFill>
-                <a:effectLst/>
-                <a:latin typeface="Courier New" pitchFamily="49" charset="0"/>
-                <a:cs typeface="Courier New" pitchFamily="49" charset="0"/>
-              </a:rPr>
-              <a:t>class=</a:t>
-            </a:r>
-            <a:r>
-              <a:rPr kumimoji="0" lang="nl-NL" sz="1600" b="1" i="0" u="none" strike="noStrike" cap="none" normalizeH="0" baseline="0" dirty="0" smtClean="0">
-                <a:ln>
-                  <a:noFill/>
-                </a:ln>
-                <a:solidFill>
-                  <a:srgbClr val="008000"/>
-                </a:solidFill>
-                <a:effectLst/>
-                <a:latin typeface="Courier New" pitchFamily="49" charset="0"/>
-                <a:cs typeface="Courier New" pitchFamily="49" charset="0"/>
-              </a:rPr>
-              <a:t>"todo-item"</a:t>
-            </a:r>
-            <a:r>
-              <a:rPr kumimoji="0" lang="nl-NL" sz="1600" b="0" i="0" u="none" strike="noStrike" cap="none" normalizeH="0" baseline="0" dirty="0" smtClean="0">
-                <a:ln>
-                  <a:noFill/>
-                </a:ln>
-                <a:solidFill>
-                  <a:srgbClr val="000000"/>
-                </a:solidFill>
-                <a:effectLst/>
-                <a:latin typeface="Courier New" pitchFamily="49" charset="0"/>
-                <a:cs typeface="Courier New" pitchFamily="49" charset="0"/>
-              </a:rPr>
-              <a:t>&gt;Clean my room&lt;/</a:t>
-            </a:r>
-            <a:r>
-              <a:rPr kumimoji="0" lang="nl-NL" sz="1600" b="1" i="0" u="none" strike="noStrike" cap="none" normalizeH="0" baseline="0" dirty="0" smtClean="0">
-                <a:ln>
-                  <a:noFill/>
-                </a:ln>
-                <a:solidFill>
-                  <a:srgbClr val="000080"/>
-                </a:solidFill>
-                <a:effectLst/>
-                <a:latin typeface="Courier New" pitchFamily="49" charset="0"/>
-                <a:cs typeface="Courier New" pitchFamily="49" charset="0"/>
-              </a:rPr>
-              <a:t>li</a:t>
-            </a:r>
-            <a:r>
-              <a:rPr kumimoji="0" lang="nl-NL" sz="1600" b="0" i="0" u="none" strike="noStrike" cap="none" normalizeH="0" baseline="0" dirty="0" smtClean="0">
-                <a:ln>
-                  <a:noFill/>
-                </a:ln>
-                <a:solidFill>
-                  <a:srgbClr val="000000"/>
-                </a:solidFill>
-                <a:effectLst/>
-                <a:latin typeface="Courier New" pitchFamily="49" charset="0"/>
-                <a:cs typeface="Courier New" pitchFamily="49" charset="0"/>
-              </a:rPr>
-              <a:t>&gt;</a:t>
-            </a:r>
-            <a:br>
-              <a:rPr kumimoji="0" lang="nl-NL" sz="1600" b="0" i="0" u="none" strike="noStrike" cap="none" normalizeH="0" baseline="0" dirty="0" smtClean="0">
-                <a:ln>
-                  <a:noFill/>
-                </a:ln>
-                <a:solidFill>
-                  <a:srgbClr val="000000"/>
-                </a:solidFill>
-                <a:effectLst/>
-                <a:latin typeface="Courier New" pitchFamily="49" charset="0"/>
-                <a:cs typeface="Courier New" pitchFamily="49" charset="0"/>
-              </a:rPr>
-            </a:br>
-            <a:r>
-              <a:rPr kumimoji="0" lang="nl-NL" sz="1600" b="0" i="0" u="none" strike="noStrike" cap="none" normalizeH="0" baseline="0" dirty="0" smtClean="0">
-                <a:ln>
-                  <a:noFill/>
-                </a:ln>
-                <a:solidFill>
-                  <a:srgbClr val="000000"/>
-                </a:solidFill>
-                <a:effectLst/>
-                <a:latin typeface="Courier New" pitchFamily="49" charset="0"/>
-                <a:cs typeface="Courier New" pitchFamily="49" charset="0"/>
-              </a:rPr>
-              <a:t>    &lt;</a:t>
-            </a:r>
-            <a:r>
-              <a:rPr kumimoji="0" lang="nl-NL" sz="1600" b="1" i="0" u="none" strike="noStrike" cap="none" normalizeH="0" baseline="0" dirty="0" smtClean="0">
-                <a:ln>
-                  <a:noFill/>
-                </a:ln>
-                <a:solidFill>
-                  <a:srgbClr val="000080"/>
-                </a:solidFill>
-                <a:effectLst/>
-                <a:latin typeface="Courier New" pitchFamily="49" charset="0"/>
-                <a:cs typeface="Courier New" pitchFamily="49" charset="0"/>
-              </a:rPr>
-              <a:t>li </a:t>
-            </a:r>
-            <a:r>
-              <a:rPr kumimoji="0" lang="nl-NL" sz="1600" b="1" i="0" u="none" strike="noStrike" cap="none" normalizeH="0" baseline="0" dirty="0" smtClean="0">
-                <a:ln>
-                  <a:noFill/>
-                </a:ln>
-                <a:solidFill>
-                  <a:srgbClr val="0000FF"/>
-                </a:solidFill>
-                <a:effectLst/>
-                <a:latin typeface="Courier New" pitchFamily="49" charset="0"/>
-                <a:cs typeface="Courier New" pitchFamily="49" charset="0"/>
-              </a:rPr>
-              <a:t>class=</a:t>
-            </a:r>
-            <a:r>
-              <a:rPr kumimoji="0" lang="nl-NL" sz="1600" b="1" i="0" u="none" strike="noStrike" cap="none" normalizeH="0" baseline="0" dirty="0" smtClean="0">
-                <a:ln>
-                  <a:noFill/>
-                </a:ln>
-                <a:solidFill>
-                  <a:srgbClr val="008000"/>
-                </a:solidFill>
-                <a:effectLst/>
-                <a:latin typeface="Courier New" pitchFamily="49" charset="0"/>
-                <a:cs typeface="Courier New" pitchFamily="49" charset="0"/>
-              </a:rPr>
-              <a:t>"todo-item"</a:t>
-            </a:r>
-            <a:r>
-              <a:rPr kumimoji="0" lang="nl-NL" sz="1600" b="0" i="0" u="none" strike="noStrike" cap="none" normalizeH="0" baseline="0" dirty="0" smtClean="0">
-                <a:ln>
-                  <a:noFill/>
-                </a:ln>
-                <a:solidFill>
-                  <a:srgbClr val="000000"/>
-                </a:solidFill>
-                <a:effectLst/>
-                <a:latin typeface="Courier New" pitchFamily="49" charset="0"/>
-                <a:cs typeface="Courier New" pitchFamily="49" charset="0"/>
-              </a:rPr>
-              <a:t>&gt;Buy a card&lt;/</a:t>
-            </a:r>
-            <a:r>
-              <a:rPr kumimoji="0" lang="nl-NL" sz="1600" b="1" i="0" u="none" strike="noStrike" cap="none" normalizeH="0" baseline="0" dirty="0" smtClean="0">
-                <a:ln>
-                  <a:noFill/>
-                </a:ln>
-                <a:solidFill>
-                  <a:srgbClr val="000080"/>
-                </a:solidFill>
-                <a:effectLst/>
-                <a:latin typeface="Courier New" pitchFamily="49" charset="0"/>
-                <a:cs typeface="Courier New" pitchFamily="49" charset="0"/>
-              </a:rPr>
-              <a:t>li</a:t>
-            </a:r>
-            <a:r>
-              <a:rPr kumimoji="0" lang="nl-NL" sz="1600" b="0" i="0" u="none" strike="noStrike" cap="none" normalizeH="0" baseline="0" dirty="0" smtClean="0">
-                <a:ln>
-                  <a:noFill/>
-                </a:ln>
-                <a:solidFill>
-                  <a:srgbClr val="000000"/>
-                </a:solidFill>
-                <a:effectLst/>
-                <a:latin typeface="Courier New" pitchFamily="49" charset="0"/>
-                <a:cs typeface="Courier New" pitchFamily="49" charset="0"/>
-              </a:rPr>
-              <a:t>&gt;</a:t>
-            </a:r>
-            <a:br>
-              <a:rPr kumimoji="0" lang="nl-NL" sz="1600" b="0" i="0" u="none" strike="noStrike" cap="none" normalizeH="0" baseline="0" dirty="0" smtClean="0">
-                <a:ln>
-                  <a:noFill/>
-                </a:ln>
-                <a:solidFill>
-                  <a:srgbClr val="000000"/>
-                </a:solidFill>
-                <a:effectLst/>
-                <a:latin typeface="Courier New" pitchFamily="49" charset="0"/>
-                <a:cs typeface="Courier New" pitchFamily="49" charset="0"/>
-              </a:rPr>
-            </a:br>
-            <a:r>
-              <a:rPr kumimoji="0" lang="nl-NL" sz="1600" b="0" i="0" u="none" strike="noStrike" cap="none" normalizeH="0" baseline="0" dirty="0" smtClean="0">
-                <a:ln>
-                  <a:noFill/>
-                </a:ln>
-                <a:solidFill>
-                  <a:srgbClr val="000000"/>
-                </a:solidFill>
-                <a:effectLst/>
-                <a:latin typeface="Courier New" pitchFamily="49" charset="0"/>
-                <a:cs typeface="Courier New" pitchFamily="49" charset="0"/>
-              </a:rPr>
-              <a:t>&lt;/</a:t>
-            </a:r>
-            <a:r>
-              <a:rPr kumimoji="0" lang="nl-NL" sz="1600" b="1" i="0" u="none" strike="noStrike" cap="none" normalizeH="0" baseline="0" dirty="0" smtClean="0">
-                <a:ln>
-                  <a:noFill/>
-                </a:ln>
-                <a:solidFill>
-                  <a:srgbClr val="000080"/>
-                </a:solidFill>
-                <a:effectLst/>
-                <a:latin typeface="Courier New" pitchFamily="49" charset="0"/>
-                <a:cs typeface="Courier New" pitchFamily="49" charset="0"/>
-              </a:rPr>
-              <a:t>ul</a:t>
-            </a:r>
-            <a:r>
-              <a:rPr kumimoji="0" lang="nl-NL" sz="1600" b="0" i="0" u="none" strike="noStrike" cap="none" normalizeH="0" baseline="0" dirty="0" smtClean="0">
-                <a:ln>
-                  <a:noFill/>
-                </a:ln>
-                <a:solidFill>
-                  <a:srgbClr val="000000"/>
-                </a:solidFill>
-                <a:effectLst/>
-                <a:latin typeface="Courier New" pitchFamily="49" charset="0"/>
-                <a:cs typeface="Courier New" pitchFamily="49" charset="0"/>
-              </a:rPr>
-              <a:t>&gt;</a:t>
-            </a:r>
-            <a:br>
-              <a:rPr kumimoji="0" lang="nl-NL" sz="1600" b="0" i="0" u="none" strike="noStrike" cap="none" normalizeH="0" baseline="0" dirty="0" smtClean="0">
-                <a:ln>
-                  <a:noFill/>
-                </a:ln>
-                <a:solidFill>
-                  <a:srgbClr val="000000"/>
-                </a:solidFill>
-                <a:effectLst/>
-                <a:latin typeface="Courier New" pitchFamily="49" charset="0"/>
-                <a:cs typeface="Courier New" pitchFamily="49" charset="0"/>
-              </a:rPr>
-            </a:br>
-            <a:endParaRPr kumimoji="0" lang="nl-NL" sz="1600" b="0" i="0" u="none" strike="noStrike" cap="none" normalizeH="0" baseline="0" dirty="0" smtClean="0">
-              <a:ln>
-                <a:noFill/>
-              </a:ln>
-              <a:solidFill>
-                <a:schemeClr val="tx1"/>
-              </a:solidFill>
-              <a:effectLst/>
-              <a:latin typeface="Arial" pitchFamily="34" charset="0"/>
-              <a:cs typeface="Arial" pitchFamily="34" charset="0"/>
-            </a:endParaRPr>
-          </a:p>
-        </p:txBody>
-      </p:sp>
-      <p:sp>
-        <p:nvSpPr>
-          <p:cNvPr id="78851" name="Rectangle 3"/>
-          <p:cNvSpPr>
-            <a:spLocks noChangeArrowheads="1"/>
-          </p:cNvSpPr>
-          <p:nvPr/>
-        </p:nvSpPr>
-        <p:spPr bwMode="auto">
-          <a:xfrm>
-            <a:off x="281344" y="2786924"/>
-            <a:ext cx="8042586" cy="3416320"/>
-          </a:xfrm>
-          <a:prstGeom prst="rect">
-            <a:avLst/>
-          </a:prstGeom>
-          <a:solidFill>
-            <a:srgbClr val="FFFFFF"/>
-          </a:solidFill>
-          <a:ln w="9525">
-            <a:noFill/>
-            <a:miter lim="800000"/>
-            <a:headEnd/>
-            <a:tailEnd/>
-          </a:ln>
-          <a:effectLst/>
-        </p:spPr>
-        <p:txBody>
-          <a:bodyPr vert="horz" wrap="none" lIns="91440" tIns="45720" rIns="91440" bIns="45720" numCol="1" anchor="ctr" anchorCtr="0" compatLnSpc="1">
-            <a:prstTxWarp prst="textNoShape">
-              <a:avLst/>
-            </a:prstTxWarp>
-            <a:spAutoFit/>
-          </a:bodyPr>
-          <a:lstStyle/>
-          <a:p>
-            <a:pPr marL="0" marR="0" lvl="0" indent="0" algn="l" defTabSz="914400" rtl="0" eaLnBrk="1" fontAlgn="base" latinLnBrk="0" hangingPunct="1">
-              <a:lnSpc>
-                <a:spcPct val="100000"/>
-              </a:lnSpc>
-              <a:spcBef>
-                <a:spcPct val="0"/>
-              </a:spcBef>
-              <a:spcAft>
-                <a:spcPct val="0"/>
-              </a:spcAft>
-              <a:buClrTx/>
-              <a:buSzTx/>
-              <a:buFontTx/>
-              <a:buNone/>
-              <a:tabLst/>
-            </a:pPr>
-            <a:r>
-              <a:rPr kumimoji="0" lang="nl-NL" b="0" i="1" u="none" strike="noStrike" cap="none" normalizeH="0" baseline="0" dirty="0" smtClean="0">
-                <a:ln>
-                  <a:noFill/>
-                </a:ln>
-                <a:solidFill>
-                  <a:srgbClr val="808080"/>
-                </a:solidFill>
-                <a:effectLst/>
-                <a:latin typeface="Courier New" pitchFamily="49" charset="0"/>
-                <a:cs typeface="Courier New" pitchFamily="49" charset="0"/>
-              </a:rPr>
-              <a:t>// Get element by id</a:t>
-            </a:r>
-            <a:br>
-              <a:rPr kumimoji="0" lang="nl-NL" b="0" i="1" u="none" strike="noStrike" cap="none" normalizeH="0" baseline="0" dirty="0" smtClean="0">
-                <a:ln>
-                  <a:noFill/>
-                </a:ln>
-                <a:solidFill>
-                  <a:srgbClr val="808080"/>
-                </a:solidFill>
-                <a:effectLst/>
-                <a:latin typeface="Courier New" pitchFamily="49" charset="0"/>
-                <a:cs typeface="Courier New" pitchFamily="49" charset="0"/>
-              </a:rPr>
-            </a:br>
-            <a:r>
-              <a:rPr kumimoji="0" lang="nl-NL" b="1" i="0" u="none" strike="noStrike" cap="none" normalizeH="0" baseline="0" dirty="0" smtClean="0">
-                <a:ln>
-                  <a:noFill/>
-                </a:ln>
-                <a:solidFill>
-                  <a:srgbClr val="000080"/>
-                </a:solidFill>
-                <a:effectLst/>
-                <a:latin typeface="Courier New" pitchFamily="49" charset="0"/>
-                <a:cs typeface="Courier New" pitchFamily="49" charset="0"/>
-              </a:rPr>
-              <a:t>var </a:t>
-            </a:r>
-            <a:r>
-              <a:rPr kumimoji="0" lang="nl-NL" b="1" i="1" u="none" strike="noStrike" cap="none" normalizeH="0" baseline="0" dirty="0" smtClean="0">
-                <a:ln>
-                  <a:noFill/>
-                </a:ln>
-                <a:solidFill>
-                  <a:srgbClr val="660E7A"/>
-                </a:solidFill>
-                <a:effectLst/>
-                <a:latin typeface="Courier New" pitchFamily="49" charset="0"/>
-                <a:cs typeface="Courier New" pitchFamily="49" charset="0"/>
-              </a:rPr>
-              <a:t>todoList </a:t>
-            </a:r>
-            <a:r>
-              <a:rPr kumimoji="0" lang="nl-NL" b="0" i="0" u="none" strike="noStrike" cap="none" normalizeH="0" baseline="0" dirty="0" smtClean="0">
-                <a:ln>
-                  <a:noFill/>
-                </a:ln>
-                <a:solidFill>
-                  <a:srgbClr val="000000"/>
-                </a:solidFill>
-                <a:effectLst/>
-                <a:latin typeface="Courier New" pitchFamily="49" charset="0"/>
-                <a:cs typeface="Courier New" pitchFamily="49" charset="0"/>
-              </a:rPr>
-              <a:t>= </a:t>
-            </a:r>
-            <a:r>
-              <a:rPr kumimoji="0" lang="nl-NL" b="1" i="1" u="none" strike="noStrike" cap="none" normalizeH="0" baseline="0" dirty="0" smtClean="0">
-                <a:ln>
-                  <a:noFill/>
-                </a:ln>
-                <a:solidFill>
-                  <a:srgbClr val="660E7A"/>
-                </a:solidFill>
-                <a:effectLst/>
-                <a:latin typeface="Courier New" pitchFamily="49" charset="0"/>
-                <a:cs typeface="Courier New" pitchFamily="49" charset="0"/>
-              </a:rPr>
-              <a:t>document</a:t>
-            </a:r>
-            <a:r>
-              <a:rPr kumimoji="0" lang="nl-NL" b="0" i="0" u="none" strike="noStrike" cap="none" normalizeH="0" baseline="0" dirty="0" smtClean="0">
-                <a:ln>
-                  <a:noFill/>
-                </a:ln>
-                <a:solidFill>
-                  <a:srgbClr val="000000"/>
-                </a:solidFill>
-                <a:effectLst/>
-                <a:latin typeface="Courier New" pitchFamily="49" charset="0"/>
-                <a:cs typeface="Courier New" pitchFamily="49" charset="0"/>
-              </a:rPr>
-              <a:t>.</a:t>
-            </a:r>
-            <a:r>
-              <a:rPr kumimoji="0" lang="nl-NL" b="0" i="0" u="none" strike="noStrike" cap="none" normalizeH="0" baseline="0" dirty="0" smtClean="0">
-                <a:ln>
-                  <a:noFill/>
-                </a:ln>
-                <a:solidFill>
-                  <a:srgbClr val="7A7A43"/>
-                </a:solidFill>
-                <a:effectLst/>
-                <a:latin typeface="Courier New" pitchFamily="49" charset="0"/>
-                <a:cs typeface="Courier New" pitchFamily="49" charset="0"/>
-              </a:rPr>
-              <a:t>getElementById</a:t>
-            </a:r>
-            <a:r>
-              <a:rPr kumimoji="0" lang="nl-NL" b="0" i="0" u="none" strike="noStrike" cap="none" normalizeH="0" baseline="0" dirty="0" smtClean="0">
-                <a:ln>
-                  <a:noFill/>
-                </a:ln>
-                <a:solidFill>
-                  <a:srgbClr val="000000"/>
-                </a:solidFill>
-                <a:effectLst/>
-                <a:latin typeface="Courier New" pitchFamily="49" charset="0"/>
-                <a:cs typeface="Courier New" pitchFamily="49" charset="0"/>
-              </a:rPr>
-              <a:t>(</a:t>
-            </a:r>
-            <a:r>
-              <a:rPr kumimoji="0" lang="nl-NL" b="1" i="0" u="none" strike="noStrike" cap="none" normalizeH="0" baseline="0" dirty="0" smtClean="0">
-                <a:ln>
-                  <a:noFill/>
-                </a:ln>
-                <a:solidFill>
-                  <a:srgbClr val="008000"/>
-                </a:solidFill>
-                <a:effectLst/>
-                <a:latin typeface="Courier New" pitchFamily="49" charset="0"/>
-                <a:cs typeface="Courier New" pitchFamily="49" charset="0"/>
-              </a:rPr>
-              <a:t>"todo"</a:t>
-            </a:r>
-            <a:r>
-              <a:rPr kumimoji="0" lang="nl-NL" b="0" i="0" u="none" strike="noStrike" cap="none" normalizeH="0" baseline="0" dirty="0" smtClean="0">
-                <a:ln>
-                  <a:noFill/>
-                </a:ln>
-                <a:solidFill>
-                  <a:srgbClr val="000000"/>
-                </a:solidFill>
-                <a:effectLst/>
-                <a:latin typeface="Courier New" pitchFamily="49" charset="0"/>
-                <a:cs typeface="Courier New" pitchFamily="49" charset="0"/>
-              </a:rPr>
-              <a:t>)</a:t>
-            </a:r>
-            <a:r>
-              <a:rPr kumimoji="0" lang="nl-NL" b="0" i="0" u="none" strike="noStrike" cap="none" normalizeH="0" baseline="0" dirty="0" smtClean="0">
-                <a:ln>
-                  <a:noFill/>
-                </a:ln>
-                <a:solidFill>
-                  <a:srgbClr val="CC7832"/>
-                </a:solidFill>
-                <a:effectLst/>
-                <a:latin typeface="Courier New" pitchFamily="49" charset="0"/>
-                <a:cs typeface="Courier New" pitchFamily="49" charset="0"/>
-              </a:rPr>
-              <a:t>;</a:t>
-            </a:r>
-            <a:br>
-              <a:rPr kumimoji="0" lang="nl-NL" b="0" i="0" u="none" strike="noStrike" cap="none" normalizeH="0" baseline="0" dirty="0" smtClean="0">
-                <a:ln>
-                  <a:noFill/>
-                </a:ln>
-                <a:solidFill>
-                  <a:srgbClr val="CC7832"/>
-                </a:solidFill>
-                <a:effectLst/>
-                <a:latin typeface="Courier New" pitchFamily="49" charset="0"/>
-                <a:cs typeface="Courier New" pitchFamily="49" charset="0"/>
-              </a:rPr>
-            </a:br>
-            <a:r>
-              <a:rPr kumimoji="0" lang="nl-NL" b="0" i="0" u="none" strike="noStrike" cap="none" normalizeH="0" baseline="0" dirty="0" smtClean="0">
-                <a:ln>
-                  <a:noFill/>
-                </a:ln>
-                <a:solidFill>
-                  <a:srgbClr val="CC7832"/>
-                </a:solidFill>
-                <a:effectLst/>
-                <a:latin typeface="Courier New" pitchFamily="49" charset="0"/>
-                <a:cs typeface="Courier New" pitchFamily="49" charset="0"/>
-              </a:rPr>
-              <a:t/>
-            </a:r>
-            <a:br>
-              <a:rPr kumimoji="0" lang="nl-NL" b="0" i="0" u="none" strike="noStrike" cap="none" normalizeH="0" baseline="0" dirty="0" smtClean="0">
-                <a:ln>
-                  <a:noFill/>
-                </a:ln>
-                <a:solidFill>
-                  <a:srgbClr val="CC7832"/>
-                </a:solidFill>
-                <a:effectLst/>
-                <a:latin typeface="Courier New" pitchFamily="49" charset="0"/>
-                <a:cs typeface="Courier New" pitchFamily="49" charset="0"/>
-              </a:rPr>
-            </a:br>
-            <a:r>
-              <a:rPr kumimoji="0" lang="nl-NL" b="0" i="1" u="none" strike="noStrike" cap="none" normalizeH="0" baseline="0" dirty="0" smtClean="0">
-                <a:ln>
-                  <a:noFill/>
-                </a:ln>
-                <a:solidFill>
-                  <a:srgbClr val="808080"/>
-                </a:solidFill>
-                <a:effectLst/>
-                <a:latin typeface="Courier New" pitchFamily="49" charset="0"/>
-                <a:cs typeface="Courier New" pitchFamily="49" charset="0"/>
-              </a:rPr>
-              <a:t>// Get element by tagname (returns an array)</a:t>
-            </a:r>
-            <a:br>
-              <a:rPr kumimoji="0" lang="nl-NL" b="0" i="1" u="none" strike="noStrike" cap="none" normalizeH="0" baseline="0" dirty="0" smtClean="0">
-                <a:ln>
-                  <a:noFill/>
-                </a:ln>
-                <a:solidFill>
-                  <a:srgbClr val="808080"/>
-                </a:solidFill>
-                <a:effectLst/>
-                <a:latin typeface="Courier New" pitchFamily="49" charset="0"/>
-                <a:cs typeface="Courier New" pitchFamily="49" charset="0"/>
-              </a:rPr>
-            </a:br>
-            <a:r>
-              <a:rPr kumimoji="0" lang="nl-NL" b="1" i="1" u="none" strike="noStrike" cap="none" normalizeH="0" baseline="0" dirty="0" smtClean="0">
-                <a:ln>
-                  <a:noFill/>
-                </a:ln>
-                <a:solidFill>
-                  <a:srgbClr val="660E7A"/>
-                </a:solidFill>
-                <a:effectLst/>
-                <a:latin typeface="Courier New" pitchFamily="49" charset="0"/>
-                <a:cs typeface="Courier New" pitchFamily="49" charset="0"/>
-              </a:rPr>
-              <a:t>todoList </a:t>
-            </a:r>
-            <a:r>
-              <a:rPr kumimoji="0" lang="nl-NL" b="0" i="0" u="none" strike="noStrike" cap="none" normalizeH="0" baseline="0" dirty="0" smtClean="0">
-                <a:ln>
-                  <a:noFill/>
-                </a:ln>
-                <a:solidFill>
-                  <a:srgbClr val="000000"/>
-                </a:solidFill>
-                <a:effectLst/>
-                <a:latin typeface="Courier New" pitchFamily="49" charset="0"/>
-                <a:cs typeface="Courier New" pitchFamily="49" charset="0"/>
-              </a:rPr>
-              <a:t>= </a:t>
-            </a:r>
-            <a:r>
-              <a:rPr kumimoji="0" lang="nl-NL" b="1" i="1" u="none" strike="noStrike" cap="none" normalizeH="0" baseline="0" dirty="0" smtClean="0">
-                <a:ln>
-                  <a:noFill/>
-                </a:ln>
-                <a:solidFill>
-                  <a:srgbClr val="660E7A"/>
-                </a:solidFill>
-                <a:effectLst/>
-                <a:latin typeface="Courier New" pitchFamily="49" charset="0"/>
-                <a:cs typeface="Courier New" pitchFamily="49" charset="0"/>
-              </a:rPr>
-              <a:t>document</a:t>
-            </a:r>
-            <a:r>
-              <a:rPr kumimoji="0" lang="nl-NL" b="0" i="0" u="none" strike="noStrike" cap="none" normalizeH="0" baseline="0" dirty="0" smtClean="0">
-                <a:ln>
-                  <a:noFill/>
-                </a:ln>
-                <a:solidFill>
-                  <a:srgbClr val="000000"/>
-                </a:solidFill>
-                <a:effectLst/>
-                <a:latin typeface="Courier New" pitchFamily="49" charset="0"/>
-                <a:cs typeface="Courier New" pitchFamily="49" charset="0"/>
-              </a:rPr>
-              <a:t>.</a:t>
-            </a:r>
-            <a:r>
-              <a:rPr kumimoji="0" lang="nl-NL" b="0" i="0" u="none" strike="noStrike" cap="none" normalizeH="0" baseline="0" dirty="0" smtClean="0">
-                <a:ln>
-                  <a:noFill/>
-                </a:ln>
-                <a:solidFill>
-                  <a:srgbClr val="7A7A43"/>
-                </a:solidFill>
-                <a:effectLst/>
-                <a:latin typeface="Courier New" pitchFamily="49" charset="0"/>
-                <a:cs typeface="Courier New" pitchFamily="49" charset="0"/>
-              </a:rPr>
-              <a:t>getElementsByTagName</a:t>
-            </a:r>
-            <a:r>
-              <a:rPr kumimoji="0" lang="nl-NL" b="0" i="0" u="none" strike="noStrike" cap="none" normalizeH="0" baseline="0" dirty="0" smtClean="0">
-                <a:ln>
-                  <a:noFill/>
-                </a:ln>
-                <a:solidFill>
-                  <a:srgbClr val="000000"/>
-                </a:solidFill>
-                <a:effectLst/>
-                <a:latin typeface="Courier New" pitchFamily="49" charset="0"/>
-                <a:cs typeface="Courier New" pitchFamily="49" charset="0"/>
-              </a:rPr>
-              <a:t>(</a:t>
-            </a:r>
-            <a:r>
-              <a:rPr kumimoji="0" lang="nl-NL" b="1" i="0" u="none" strike="noStrike" cap="none" normalizeH="0" baseline="0" dirty="0" smtClean="0">
-                <a:ln>
-                  <a:noFill/>
-                </a:ln>
-                <a:solidFill>
-                  <a:srgbClr val="008000"/>
-                </a:solidFill>
-                <a:effectLst/>
-                <a:latin typeface="Courier New" pitchFamily="49" charset="0"/>
-                <a:cs typeface="Courier New" pitchFamily="49" charset="0"/>
-              </a:rPr>
-              <a:t>"ul"</a:t>
-            </a:r>
-            <a:r>
-              <a:rPr kumimoji="0" lang="nl-NL" b="0" i="0" u="none" strike="noStrike" cap="none" normalizeH="0" baseline="0" dirty="0" smtClean="0">
-                <a:ln>
-                  <a:noFill/>
-                </a:ln>
-                <a:solidFill>
-                  <a:srgbClr val="000000"/>
-                </a:solidFill>
-                <a:effectLst/>
-                <a:latin typeface="Courier New" pitchFamily="49" charset="0"/>
-                <a:cs typeface="Courier New" pitchFamily="49" charset="0"/>
-              </a:rPr>
-              <a:t>)</a:t>
-            </a:r>
-            <a:r>
-              <a:rPr kumimoji="0" lang="nl-NL" b="0" i="0" u="none" strike="noStrike" cap="none" normalizeH="0" baseline="0" dirty="0" smtClean="0">
-                <a:ln>
-                  <a:noFill/>
-                </a:ln>
-                <a:solidFill>
-                  <a:srgbClr val="CC7832"/>
-                </a:solidFill>
-                <a:effectLst/>
-                <a:latin typeface="Courier New" pitchFamily="49" charset="0"/>
-                <a:cs typeface="Courier New" pitchFamily="49" charset="0"/>
-              </a:rPr>
-              <a:t>;</a:t>
-            </a:r>
-            <a:br>
-              <a:rPr kumimoji="0" lang="nl-NL" b="0" i="0" u="none" strike="noStrike" cap="none" normalizeH="0" baseline="0" dirty="0" smtClean="0">
-                <a:ln>
-                  <a:noFill/>
-                </a:ln>
-                <a:solidFill>
-                  <a:srgbClr val="CC7832"/>
-                </a:solidFill>
-                <a:effectLst/>
-                <a:latin typeface="Courier New" pitchFamily="49" charset="0"/>
-                <a:cs typeface="Courier New" pitchFamily="49" charset="0"/>
-              </a:rPr>
-            </a:br>
-            <a:r>
-              <a:rPr kumimoji="0" lang="nl-NL" b="1" i="0" u="none" strike="noStrike" cap="none" normalizeH="0" baseline="0" dirty="0" smtClean="0">
-                <a:ln>
-                  <a:noFill/>
-                </a:ln>
-                <a:solidFill>
-                  <a:srgbClr val="000080"/>
-                </a:solidFill>
-                <a:effectLst/>
-                <a:latin typeface="Courier New" pitchFamily="49" charset="0"/>
-                <a:cs typeface="Courier New" pitchFamily="49" charset="0"/>
-              </a:rPr>
-              <a:t>var </a:t>
-            </a:r>
-            <a:r>
-              <a:rPr kumimoji="0" lang="nl-NL" b="1" i="1" u="none" strike="noStrike" cap="none" normalizeH="0" baseline="0" dirty="0" smtClean="0">
-                <a:ln>
-                  <a:noFill/>
-                </a:ln>
-                <a:solidFill>
-                  <a:srgbClr val="660E7A"/>
-                </a:solidFill>
-                <a:effectLst/>
-                <a:latin typeface="Courier New" pitchFamily="49" charset="0"/>
-                <a:cs typeface="Courier New" pitchFamily="49" charset="0"/>
-              </a:rPr>
-              <a:t>todoItems </a:t>
-            </a:r>
-            <a:r>
-              <a:rPr kumimoji="0" lang="nl-NL" b="0" i="0" u="none" strike="noStrike" cap="none" normalizeH="0" baseline="0" dirty="0" smtClean="0">
-                <a:ln>
-                  <a:noFill/>
-                </a:ln>
-                <a:solidFill>
-                  <a:srgbClr val="000000"/>
-                </a:solidFill>
-                <a:effectLst/>
-                <a:latin typeface="Courier New" pitchFamily="49" charset="0"/>
-                <a:cs typeface="Courier New" pitchFamily="49" charset="0"/>
-              </a:rPr>
-              <a:t>= </a:t>
-            </a:r>
-            <a:r>
-              <a:rPr kumimoji="0" lang="nl-NL" b="1" i="1" u="none" strike="noStrike" cap="none" normalizeH="0" baseline="0" dirty="0" smtClean="0">
-                <a:ln>
-                  <a:noFill/>
-                </a:ln>
-                <a:solidFill>
-                  <a:srgbClr val="660E7A"/>
-                </a:solidFill>
-                <a:effectLst/>
-                <a:latin typeface="Courier New" pitchFamily="49" charset="0"/>
-                <a:cs typeface="Courier New" pitchFamily="49" charset="0"/>
-              </a:rPr>
-              <a:t>document</a:t>
-            </a:r>
-            <a:r>
-              <a:rPr kumimoji="0" lang="nl-NL" b="0" i="0" u="none" strike="noStrike" cap="none" normalizeH="0" baseline="0" dirty="0" smtClean="0">
-                <a:ln>
-                  <a:noFill/>
-                </a:ln>
-                <a:solidFill>
-                  <a:srgbClr val="000000"/>
-                </a:solidFill>
-                <a:effectLst/>
-                <a:latin typeface="Courier New" pitchFamily="49" charset="0"/>
-                <a:cs typeface="Courier New" pitchFamily="49" charset="0"/>
-              </a:rPr>
-              <a:t>.</a:t>
-            </a:r>
-            <a:r>
-              <a:rPr kumimoji="0" lang="nl-NL" b="0" i="0" u="none" strike="noStrike" cap="none" normalizeH="0" baseline="0" dirty="0" smtClean="0">
-                <a:ln>
-                  <a:noFill/>
-                </a:ln>
-                <a:solidFill>
-                  <a:srgbClr val="7A7A43"/>
-                </a:solidFill>
-                <a:effectLst/>
-                <a:latin typeface="Courier New" pitchFamily="49" charset="0"/>
-                <a:cs typeface="Courier New" pitchFamily="49" charset="0"/>
-              </a:rPr>
-              <a:t>getElementsByTagName</a:t>
-            </a:r>
-            <a:r>
-              <a:rPr kumimoji="0" lang="nl-NL" b="0" i="0" u="none" strike="noStrike" cap="none" normalizeH="0" baseline="0" dirty="0" smtClean="0">
-                <a:ln>
-                  <a:noFill/>
-                </a:ln>
-                <a:solidFill>
-                  <a:srgbClr val="000000"/>
-                </a:solidFill>
-                <a:effectLst/>
-                <a:latin typeface="Courier New" pitchFamily="49" charset="0"/>
-                <a:cs typeface="Courier New" pitchFamily="49" charset="0"/>
-              </a:rPr>
-              <a:t>(</a:t>
-            </a:r>
-            <a:r>
-              <a:rPr kumimoji="0" lang="nl-NL" b="1" i="0" u="none" strike="noStrike" cap="none" normalizeH="0" baseline="0" dirty="0" smtClean="0">
-                <a:ln>
-                  <a:noFill/>
-                </a:ln>
-                <a:solidFill>
-                  <a:srgbClr val="008000"/>
-                </a:solidFill>
-                <a:effectLst/>
-                <a:latin typeface="Courier New" pitchFamily="49" charset="0"/>
-                <a:cs typeface="Courier New" pitchFamily="49" charset="0"/>
-              </a:rPr>
-              <a:t>"li"</a:t>
-            </a:r>
-            <a:r>
-              <a:rPr kumimoji="0" lang="nl-NL" b="0" i="0" u="none" strike="noStrike" cap="none" normalizeH="0" baseline="0" dirty="0" smtClean="0">
-                <a:ln>
-                  <a:noFill/>
-                </a:ln>
-                <a:solidFill>
-                  <a:srgbClr val="000000"/>
-                </a:solidFill>
-                <a:effectLst/>
-                <a:latin typeface="Courier New" pitchFamily="49" charset="0"/>
-                <a:cs typeface="Courier New" pitchFamily="49" charset="0"/>
-              </a:rPr>
-              <a:t>)</a:t>
-            </a:r>
-            <a:r>
-              <a:rPr kumimoji="0" lang="nl-NL" b="0" i="0" u="none" strike="noStrike" cap="none" normalizeH="0" baseline="0" dirty="0" smtClean="0">
-                <a:ln>
-                  <a:noFill/>
-                </a:ln>
-                <a:solidFill>
-                  <a:srgbClr val="CC7832"/>
-                </a:solidFill>
-                <a:effectLst/>
-                <a:latin typeface="Courier New" pitchFamily="49" charset="0"/>
-                <a:cs typeface="Courier New" pitchFamily="49" charset="0"/>
-              </a:rPr>
-              <a:t>;</a:t>
-            </a:r>
-            <a:br>
-              <a:rPr kumimoji="0" lang="nl-NL" b="0" i="0" u="none" strike="noStrike" cap="none" normalizeH="0" baseline="0" dirty="0" smtClean="0">
-                <a:ln>
-                  <a:noFill/>
-                </a:ln>
-                <a:solidFill>
-                  <a:srgbClr val="CC7832"/>
-                </a:solidFill>
-                <a:effectLst/>
-                <a:latin typeface="Courier New" pitchFamily="49" charset="0"/>
-                <a:cs typeface="Courier New" pitchFamily="49" charset="0"/>
-              </a:rPr>
-            </a:br>
-            <a:r>
-              <a:rPr kumimoji="0" lang="nl-NL" b="0" i="0" u="none" strike="noStrike" cap="none" normalizeH="0" baseline="0" dirty="0" smtClean="0">
-                <a:ln>
-                  <a:noFill/>
-                </a:ln>
-                <a:solidFill>
-                  <a:srgbClr val="CC7832"/>
-                </a:solidFill>
-                <a:effectLst/>
-                <a:latin typeface="Courier New" pitchFamily="49" charset="0"/>
-                <a:cs typeface="Courier New" pitchFamily="49" charset="0"/>
-              </a:rPr>
-              <a:t/>
-            </a:r>
-            <a:br>
-              <a:rPr kumimoji="0" lang="nl-NL" b="0" i="0" u="none" strike="noStrike" cap="none" normalizeH="0" baseline="0" dirty="0" smtClean="0">
-                <a:ln>
-                  <a:noFill/>
-                </a:ln>
-                <a:solidFill>
-                  <a:srgbClr val="CC7832"/>
-                </a:solidFill>
-                <a:effectLst/>
-                <a:latin typeface="Courier New" pitchFamily="49" charset="0"/>
-                <a:cs typeface="Courier New" pitchFamily="49" charset="0"/>
-              </a:rPr>
-            </a:br>
-            <a:r>
-              <a:rPr kumimoji="0" lang="nl-NL" b="0" i="1" u="none" strike="noStrike" cap="none" normalizeH="0" baseline="0" dirty="0" smtClean="0">
-                <a:ln>
-                  <a:noFill/>
-                </a:ln>
-                <a:solidFill>
-                  <a:srgbClr val="808080"/>
-                </a:solidFill>
-                <a:effectLst/>
-                <a:latin typeface="Courier New" pitchFamily="49" charset="0"/>
-                <a:cs typeface="Courier New" pitchFamily="49" charset="0"/>
-              </a:rPr>
-              <a:t>// Get element by classname (returns an array)</a:t>
-            </a:r>
-            <a:br>
-              <a:rPr kumimoji="0" lang="nl-NL" b="0" i="1" u="none" strike="noStrike" cap="none" normalizeH="0" baseline="0" dirty="0" smtClean="0">
-                <a:ln>
-                  <a:noFill/>
-                </a:ln>
-                <a:solidFill>
-                  <a:srgbClr val="808080"/>
-                </a:solidFill>
-                <a:effectLst/>
-                <a:latin typeface="Courier New" pitchFamily="49" charset="0"/>
-                <a:cs typeface="Courier New" pitchFamily="49" charset="0"/>
-              </a:rPr>
-            </a:br>
-            <a:r>
-              <a:rPr kumimoji="0" lang="nl-NL" b="1" i="1" u="none" strike="noStrike" cap="none" normalizeH="0" baseline="0" dirty="0" smtClean="0">
-                <a:ln>
-                  <a:noFill/>
-                </a:ln>
-                <a:solidFill>
-                  <a:srgbClr val="660E7A"/>
-                </a:solidFill>
-                <a:effectLst/>
-                <a:latin typeface="Courier New" pitchFamily="49" charset="0"/>
-                <a:cs typeface="Courier New" pitchFamily="49" charset="0"/>
-              </a:rPr>
-              <a:t>todoItems </a:t>
-            </a:r>
-            <a:r>
-              <a:rPr kumimoji="0" lang="nl-NL" b="0" i="0" u="none" strike="noStrike" cap="none" normalizeH="0" baseline="0" dirty="0" smtClean="0">
-                <a:ln>
-                  <a:noFill/>
-                </a:ln>
-                <a:solidFill>
-                  <a:srgbClr val="000000"/>
-                </a:solidFill>
-                <a:effectLst/>
-                <a:latin typeface="Courier New" pitchFamily="49" charset="0"/>
-                <a:cs typeface="Courier New" pitchFamily="49" charset="0"/>
-              </a:rPr>
-              <a:t>= </a:t>
-            </a:r>
-            <a:r>
-              <a:rPr kumimoji="0" lang="nl-NL" b="1" i="1" u="none" strike="noStrike" cap="none" normalizeH="0" baseline="0" dirty="0" smtClean="0">
-                <a:ln>
-                  <a:noFill/>
-                </a:ln>
-                <a:solidFill>
-                  <a:srgbClr val="660E7A"/>
-                </a:solidFill>
-                <a:effectLst/>
-                <a:latin typeface="Courier New" pitchFamily="49" charset="0"/>
-                <a:cs typeface="Courier New" pitchFamily="49" charset="0"/>
-              </a:rPr>
-              <a:t>document</a:t>
-            </a:r>
-            <a:r>
-              <a:rPr kumimoji="0" lang="nl-NL" b="0" i="0" u="none" strike="noStrike" cap="none" normalizeH="0" baseline="0" dirty="0" smtClean="0">
-                <a:ln>
-                  <a:noFill/>
-                </a:ln>
-                <a:solidFill>
-                  <a:srgbClr val="000000"/>
-                </a:solidFill>
-                <a:effectLst/>
-                <a:latin typeface="Courier New" pitchFamily="49" charset="0"/>
-                <a:cs typeface="Courier New" pitchFamily="49" charset="0"/>
-              </a:rPr>
-              <a:t>.</a:t>
-            </a:r>
-            <a:r>
-              <a:rPr kumimoji="0" lang="nl-NL" b="0" i="0" u="none" strike="noStrike" cap="none" normalizeH="0" baseline="0" dirty="0" smtClean="0">
-                <a:ln>
-                  <a:noFill/>
-                </a:ln>
-                <a:solidFill>
-                  <a:srgbClr val="7A7A43"/>
-                </a:solidFill>
-                <a:effectLst/>
-                <a:latin typeface="Courier New" pitchFamily="49" charset="0"/>
-                <a:cs typeface="Courier New" pitchFamily="49" charset="0"/>
-              </a:rPr>
-              <a:t>getElementsByClassName</a:t>
-            </a:r>
-            <a:r>
-              <a:rPr kumimoji="0" lang="nl-NL" b="0" i="0" u="none" strike="noStrike" cap="none" normalizeH="0" baseline="0" dirty="0" smtClean="0">
-                <a:ln>
-                  <a:noFill/>
-                </a:ln>
-                <a:solidFill>
-                  <a:srgbClr val="000000"/>
-                </a:solidFill>
-                <a:effectLst/>
-                <a:latin typeface="Courier New" pitchFamily="49" charset="0"/>
-                <a:cs typeface="Courier New" pitchFamily="49" charset="0"/>
-              </a:rPr>
-              <a:t>(</a:t>
-            </a:r>
-            <a:r>
-              <a:rPr kumimoji="0" lang="nl-NL" b="1" i="0" u="none" strike="noStrike" cap="none" normalizeH="0" baseline="0" dirty="0" smtClean="0">
-                <a:ln>
-                  <a:noFill/>
-                </a:ln>
-                <a:solidFill>
-                  <a:srgbClr val="008000"/>
-                </a:solidFill>
-                <a:effectLst/>
-                <a:latin typeface="Courier New" pitchFamily="49" charset="0"/>
-                <a:cs typeface="Courier New" pitchFamily="49" charset="0"/>
-              </a:rPr>
-              <a:t>"todo-item"</a:t>
-            </a:r>
-            <a:r>
-              <a:rPr kumimoji="0" lang="nl-NL" b="0" i="0" u="none" strike="noStrike" cap="none" normalizeH="0" baseline="0" dirty="0" smtClean="0">
-                <a:ln>
-                  <a:noFill/>
-                </a:ln>
-                <a:solidFill>
-                  <a:srgbClr val="000000"/>
-                </a:solidFill>
-                <a:effectLst/>
-                <a:latin typeface="Courier New" pitchFamily="49" charset="0"/>
-                <a:cs typeface="Courier New" pitchFamily="49" charset="0"/>
-              </a:rPr>
-              <a:t>)</a:t>
-            </a:r>
-            <a:r>
-              <a:rPr kumimoji="0" lang="nl-NL" b="0" i="0" u="none" strike="noStrike" cap="none" normalizeH="0" baseline="0" dirty="0" smtClean="0">
-                <a:ln>
-                  <a:noFill/>
-                </a:ln>
-                <a:solidFill>
-                  <a:srgbClr val="CC7832"/>
-                </a:solidFill>
-                <a:effectLst/>
-                <a:latin typeface="Courier New" pitchFamily="49" charset="0"/>
-                <a:cs typeface="Courier New" pitchFamily="49" charset="0"/>
-              </a:rPr>
-              <a:t>;</a:t>
-            </a:r>
-            <a:br>
-              <a:rPr kumimoji="0" lang="nl-NL" b="0" i="0" u="none" strike="noStrike" cap="none" normalizeH="0" baseline="0" dirty="0" smtClean="0">
-                <a:ln>
-                  <a:noFill/>
-                </a:ln>
-                <a:solidFill>
-                  <a:srgbClr val="CC7832"/>
-                </a:solidFill>
-                <a:effectLst/>
-                <a:latin typeface="Courier New" pitchFamily="49" charset="0"/>
-                <a:cs typeface="Courier New" pitchFamily="49" charset="0"/>
-              </a:rPr>
-            </a:br>
-            <a:r>
-              <a:rPr kumimoji="0" lang="nl-NL" b="0" i="0" u="none" strike="noStrike" cap="none" normalizeH="0" baseline="0" dirty="0" smtClean="0">
-                <a:ln>
-                  <a:noFill/>
-                </a:ln>
-                <a:solidFill>
-                  <a:srgbClr val="CC7832"/>
-                </a:solidFill>
-                <a:effectLst/>
-                <a:latin typeface="Courier New" pitchFamily="49" charset="0"/>
-                <a:cs typeface="Courier New" pitchFamily="49" charset="0"/>
-              </a:rPr>
-              <a:t/>
-            </a:r>
-            <a:br>
-              <a:rPr kumimoji="0" lang="nl-NL" b="0" i="0" u="none" strike="noStrike" cap="none" normalizeH="0" baseline="0" dirty="0" smtClean="0">
-                <a:ln>
-                  <a:noFill/>
-                </a:ln>
-                <a:solidFill>
-                  <a:srgbClr val="CC7832"/>
-                </a:solidFill>
-                <a:effectLst/>
-                <a:latin typeface="Courier New" pitchFamily="49" charset="0"/>
-                <a:cs typeface="Courier New" pitchFamily="49" charset="0"/>
-              </a:rPr>
-            </a:br>
-            <a:r>
-              <a:rPr kumimoji="0" lang="nl-NL" b="0" i="1" u="none" strike="noStrike" cap="none" normalizeH="0" baseline="0" dirty="0" smtClean="0">
-                <a:ln>
-                  <a:noFill/>
-                </a:ln>
-                <a:solidFill>
-                  <a:srgbClr val="808080"/>
-                </a:solidFill>
-                <a:effectLst/>
-                <a:latin typeface="Courier New" pitchFamily="49" charset="0"/>
-                <a:cs typeface="Courier New" pitchFamily="49" charset="0"/>
-              </a:rPr>
-              <a:t>// Get a child</a:t>
-            </a:r>
-            <a:br>
-              <a:rPr kumimoji="0" lang="nl-NL" b="0" i="1" u="none" strike="noStrike" cap="none" normalizeH="0" baseline="0" dirty="0" smtClean="0">
-                <a:ln>
-                  <a:noFill/>
-                </a:ln>
-                <a:solidFill>
-                  <a:srgbClr val="808080"/>
-                </a:solidFill>
-                <a:effectLst/>
-                <a:latin typeface="Courier New" pitchFamily="49" charset="0"/>
-                <a:cs typeface="Courier New" pitchFamily="49" charset="0"/>
-              </a:rPr>
-            </a:br>
-            <a:r>
-              <a:rPr kumimoji="0" lang="nl-NL" b="1" i="1" u="none" strike="noStrike" cap="none" normalizeH="0" baseline="0" dirty="0" smtClean="0">
-                <a:ln>
-                  <a:noFill/>
-                </a:ln>
-                <a:solidFill>
-                  <a:srgbClr val="660E7A"/>
-                </a:solidFill>
-                <a:effectLst/>
-                <a:latin typeface="Courier New" pitchFamily="49" charset="0"/>
-                <a:cs typeface="Courier New" pitchFamily="49" charset="0"/>
-              </a:rPr>
-              <a:t>todoItems </a:t>
-            </a:r>
-            <a:r>
-              <a:rPr kumimoji="0" lang="nl-NL" b="0" i="0" u="none" strike="noStrike" cap="none" normalizeH="0" baseline="0" dirty="0" smtClean="0">
-                <a:ln>
-                  <a:noFill/>
-                </a:ln>
-                <a:solidFill>
-                  <a:srgbClr val="000000"/>
-                </a:solidFill>
-                <a:effectLst/>
-                <a:latin typeface="Courier New" pitchFamily="49" charset="0"/>
-                <a:cs typeface="Courier New" pitchFamily="49" charset="0"/>
-              </a:rPr>
-              <a:t>= </a:t>
-            </a:r>
-            <a:r>
-              <a:rPr kumimoji="0" lang="nl-NL" b="1" i="1" u="none" strike="noStrike" cap="none" normalizeH="0" baseline="0" dirty="0" smtClean="0">
-                <a:ln>
-                  <a:noFill/>
-                </a:ln>
-                <a:solidFill>
-                  <a:srgbClr val="660E7A"/>
-                </a:solidFill>
-                <a:effectLst/>
-                <a:latin typeface="Courier New" pitchFamily="49" charset="0"/>
-                <a:cs typeface="Courier New" pitchFamily="49" charset="0"/>
-              </a:rPr>
-              <a:t>todoList</a:t>
-            </a:r>
-            <a:r>
-              <a:rPr kumimoji="0" lang="nl-NL" b="0" i="0" u="none" strike="noStrike" cap="none" normalizeH="0" baseline="0" dirty="0" smtClean="0">
-                <a:ln>
-                  <a:noFill/>
-                </a:ln>
-                <a:solidFill>
-                  <a:srgbClr val="000000"/>
-                </a:solidFill>
-                <a:effectLst/>
-                <a:latin typeface="Courier New" pitchFamily="49" charset="0"/>
-                <a:cs typeface="Courier New" pitchFamily="49" charset="0"/>
-              </a:rPr>
-              <a:t>.</a:t>
-            </a:r>
-            <a:r>
-              <a:rPr kumimoji="0" lang="nl-NL" b="1" i="0" u="none" strike="noStrike" cap="none" normalizeH="0" baseline="0" dirty="0" smtClean="0">
-                <a:ln>
-                  <a:noFill/>
-                </a:ln>
-                <a:solidFill>
-                  <a:srgbClr val="660E7A"/>
-                </a:solidFill>
-                <a:effectLst/>
-                <a:latin typeface="Courier New" pitchFamily="49" charset="0"/>
-                <a:cs typeface="Courier New" pitchFamily="49" charset="0"/>
-              </a:rPr>
-              <a:t>lastElementChild</a:t>
-            </a:r>
-            <a:r>
-              <a:rPr kumimoji="0" lang="nl-NL" b="0" i="0" u="none" strike="noStrike" cap="none" normalizeH="0" baseline="0" dirty="0" smtClean="0">
-                <a:ln>
-                  <a:noFill/>
-                </a:ln>
-                <a:solidFill>
-                  <a:srgbClr val="CC7832"/>
-                </a:solidFill>
-                <a:effectLst/>
-                <a:latin typeface="Courier New" pitchFamily="49" charset="0"/>
-                <a:cs typeface="Courier New" pitchFamily="49" charset="0"/>
-              </a:rPr>
-              <a:t>;</a:t>
-            </a:r>
-            <a:endParaRPr kumimoji="0" lang="nl-NL" b="0" i="0" u="none" strike="noStrike" cap="none" normalizeH="0" baseline="0" dirty="0" smtClean="0">
-              <a:ln>
-                <a:noFill/>
-              </a:ln>
-              <a:solidFill>
-                <a:schemeClr val="tx1"/>
-              </a:solidFill>
-              <a:effectLst/>
-              <a:latin typeface="Arial" pitchFamily="34" charset="0"/>
-              <a:cs typeface="Arial" pitchFamily="34" charset="0"/>
-            </a:endParaRPr>
-          </a:p>
-        </p:txBody>
-      </p:sp>
-    </p:spTree>
-    <p:extLst>
-      <p:ext uri="{BB962C8B-B14F-4D97-AF65-F5344CB8AC3E}">
-        <p14:creationId xmlns="" xmlns:p14="http://schemas.microsoft.com/office/powerpoint/2010/main" val="2205736978"/>
-      </p:ext>
-    </p:extLst>
-  </p:cSld>
-  <p:clrMapOvr>
-    <a:masterClrMapping/>
-  </p:clrMapOvr>
-</p:sld>
-</file>
-
-<file path=ppt/slides/slide40.xml><?xml version="1.0" encoding="utf-8"?>
+<file path=ppt/slides/slide35.xml><?xml version="1.0" encoding="utf-8"?>
 <p:sld xmlns:a="http://schemas.openxmlformats.org/drawingml/2006/main" xmlns:r="http://schemas.openxmlformats.org/officeDocument/2006/relationships" xmlns:p="http://schemas.openxmlformats.org/presentationml/2006/main">
   <p:cSld>
     <p:spTree>
@@ -27990,7 +22322,7 @@
     </p:spTree>
     <p:extLst>
       <p:ext uri="{BB962C8B-B14F-4D97-AF65-F5344CB8AC3E}">
-        <p14:creationId xmlns="" xmlns:p14="http://schemas.microsoft.com/office/powerpoint/2010/main" val="2404867431"/>
+        <p14:creationId xmlns:p14="http://schemas.microsoft.com/office/powerpoint/2010/main" xmlns="" val="2404867431"/>
       </p:ext>
     </p:extLst>
   </p:cSld>
@@ -28007,7 +22339,7 @@
 </p:sld>
 </file>
 
-<file path=ppt/slides/slide41.xml><?xml version="1.0" encoding="utf-8"?>
+<file path=ppt/slides/slide36.xml><?xml version="1.0" encoding="utf-8"?>
 <p:sld xmlns:a="http://schemas.openxmlformats.org/drawingml/2006/main" xmlns:r="http://schemas.openxmlformats.org/officeDocument/2006/relationships" xmlns:p="http://schemas.openxmlformats.org/presentationml/2006/main">
   <p:cSld>
     <p:spTree>
@@ -29023,7 +23355,7 @@
     </p:spTree>
     <p:extLst>
       <p:ext uri="{BB962C8B-B14F-4D97-AF65-F5344CB8AC3E}">
-        <p14:creationId xmlns="" xmlns:p14="http://schemas.microsoft.com/office/powerpoint/2010/main" val="1254800701"/>
+        <p14:creationId xmlns:p14="http://schemas.microsoft.com/office/powerpoint/2010/main" xmlns="" val="1254800701"/>
       </p:ext>
     </p:extLst>
   </p:cSld>
@@ -29040,7 +23372,7 @@
 </p:sld>
 </file>
 
-<file path=ppt/slides/slide42.xml><?xml version="1.0" encoding="utf-8"?>
+<file path=ppt/slides/slide37.xml><?xml version="1.0" encoding="utf-8"?>
 <p:sld xmlns:a="http://schemas.openxmlformats.org/drawingml/2006/main" xmlns:r="http://schemas.openxmlformats.org/officeDocument/2006/relationships" xmlns:p="http://schemas.openxmlformats.org/presentationml/2006/main">
   <p:cSld>
     <p:spTree>
@@ -29835,7 +24167,7 @@
     </p:spTree>
     <p:extLst>
       <p:ext uri="{BB962C8B-B14F-4D97-AF65-F5344CB8AC3E}">
-        <p14:creationId xmlns="" xmlns:p14="http://schemas.microsoft.com/office/powerpoint/2010/main" val="2696855541"/>
+        <p14:creationId xmlns:p14="http://schemas.microsoft.com/office/powerpoint/2010/main" xmlns="" val="2696855541"/>
       </p:ext>
     </p:extLst>
   </p:cSld>
@@ -29852,7 +24184,7 @@
 </p:sld>
 </file>
 
-<file path=ppt/slides/slide43.xml><?xml version="1.0" encoding="utf-8"?>
+<file path=ppt/slides/slide38.xml><?xml version="1.0" encoding="utf-8"?>
 <p:sld xmlns:a="http://schemas.openxmlformats.org/drawingml/2006/main" xmlns:r="http://schemas.openxmlformats.org/officeDocument/2006/relationships" xmlns:p="http://schemas.openxmlformats.org/presentationml/2006/main">
   <p:cSld>
     <p:spTree>
@@ -29935,7 +24267,7 @@
     </p:spTree>
     <p:extLst>
       <p:ext uri="{BB962C8B-B14F-4D97-AF65-F5344CB8AC3E}">
-        <p14:creationId xmlns="" xmlns:p14="http://schemas.microsoft.com/office/powerpoint/2010/main" val="1543278352"/>
+        <p14:creationId xmlns:p14="http://schemas.microsoft.com/office/powerpoint/2010/main" xmlns="" val="1543278352"/>
       </p:ext>
     </p:extLst>
   </p:cSld>
@@ -29949,6 +24281,1496 @@
       </p:par>
     </p:tnLst>
   </p:timing>
+</p:sld>
+</file>
+
+<file path=ppt/slides/slide4.xml><?xml version="1.0" encoding="utf-8"?>
+<p:sld xmlns:a="http://schemas.openxmlformats.org/drawingml/2006/main" xmlns:r="http://schemas.openxmlformats.org/officeDocument/2006/relationships" xmlns:p="http://schemas.openxmlformats.org/presentationml/2006/main">
+  <p:cSld>
+    <p:spTree>
+      <p:nvGrpSpPr>
+        <p:cNvPr id="1" name=""/>
+        <p:cNvGrpSpPr/>
+        <p:nvPr/>
+      </p:nvGrpSpPr>
+      <p:grpSpPr>
+        <a:xfrm>
+          <a:off x="0" y="0"/>
+          <a:ext cx="0" cy="0"/>
+          <a:chOff x="0" y="0"/>
+          <a:chExt cx="0" cy="0"/>
+        </a:xfrm>
+      </p:grpSpPr>
+      <p:sp>
+        <p:nvSpPr>
+          <p:cNvPr id="78849" name="Rectangle 1"/>
+          <p:cNvSpPr>
+            <a:spLocks noChangeArrowheads="1"/>
+          </p:cNvSpPr>
+          <p:nvPr/>
+        </p:nvSpPr>
+        <p:spPr bwMode="auto">
+          <a:xfrm>
+            <a:off x="281344" y="302896"/>
+            <a:ext cx="7343677" cy="1569660"/>
+          </a:xfrm>
+          <a:prstGeom prst="rect">
+            <a:avLst/>
+          </a:prstGeom>
+          <a:solidFill>
+            <a:srgbClr val="FFFFFF"/>
+          </a:solidFill>
+          <a:ln w="9525">
+            <a:noFill/>
+            <a:miter lim="800000"/>
+            <a:headEnd/>
+            <a:tailEnd/>
+          </a:ln>
+          <a:effectLst/>
+        </p:spPr>
+        <p:txBody>
+          <a:bodyPr vert="horz" wrap="none" lIns="91440" tIns="45720" rIns="91440" bIns="45720" numCol="1" anchor="ctr" anchorCtr="0" compatLnSpc="1">
+            <a:prstTxWarp prst="textNoShape">
+              <a:avLst/>
+            </a:prstTxWarp>
+            <a:spAutoFit/>
+          </a:bodyPr>
+          <a:lstStyle/>
+          <a:p>
+            <a:pPr marL="0" marR="0" lvl="0" indent="0" algn="l" defTabSz="914400" rtl="0" eaLnBrk="1" fontAlgn="base" latinLnBrk="0" hangingPunct="1">
+              <a:lnSpc>
+                <a:spcPct val="100000"/>
+              </a:lnSpc>
+              <a:spcBef>
+                <a:spcPct val="0"/>
+              </a:spcBef>
+              <a:spcAft>
+                <a:spcPct val="0"/>
+              </a:spcAft>
+              <a:buClrTx/>
+              <a:buSzTx/>
+              <a:buFontTx/>
+              <a:buNone/>
+              <a:tabLst/>
+            </a:pPr>
+            <a:r>
+              <a:rPr kumimoji="0" lang="nl-NL" sz="1600" b="0" i="0" u="none" strike="noStrike" cap="none" normalizeH="0" baseline="0" dirty="0" smtClean="0">
+                <a:ln>
+                  <a:noFill/>
+                </a:ln>
+                <a:solidFill>
+                  <a:srgbClr val="000000"/>
+                </a:solidFill>
+                <a:effectLst/>
+                <a:latin typeface="Courier New" pitchFamily="49" charset="0"/>
+                <a:cs typeface="Courier New" pitchFamily="49" charset="0"/>
+              </a:rPr>
+              <a:t>&lt;</a:t>
+            </a:r>
+            <a:r>
+              <a:rPr kumimoji="0" lang="nl-NL" sz="1600" b="1" i="0" u="none" strike="noStrike" cap="none" normalizeH="0" baseline="0" dirty="0" smtClean="0">
+                <a:ln>
+                  <a:noFill/>
+                </a:ln>
+                <a:solidFill>
+                  <a:srgbClr val="000080"/>
+                </a:solidFill>
+                <a:effectLst/>
+                <a:latin typeface="Courier New" pitchFamily="49" charset="0"/>
+                <a:cs typeface="Courier New" pitchFamily="49" charset="0"/>
+              </a:rPr>
+              <a:t>ul </a:t>
+            </a:r>
+            <a:r>
+              <a:rPr kumimoji="0" lang="nl-NL" sz="1600" b="1" i="0" u="none" strike="noStrike" cap="none" normalizeH="0" baseline="0" dirty="0" smtClean="0">
+                <a:ln>
+                  <a:noFill/>
+                </a:ln>
+                <a:solidFill>
+                  <a:srgbClr val="0000FF"/>
+                </a:solidFill>
+                <a:effectLst/>
+                <a:latin typeface="Courier New" pitchFamily="49" charset="0"/>
+                <a:cs typeface="Courier New" pitchFamily="49" charset="0"/>
+              </a:rPr>
+              <a:t>id=</a:t>
+            </a:r>
+            <a:r>
+              <a:rPr kumimoji="0" lang="nl-NL" sz="1600" b="1" i="0" u="none" strike="noStrike" cap="none" normalizeH="0" baseline="0" dirty="0" smtClean="0">
+                <a:ln>
+                  <a:noFill/>
+                </a:ln>
+                <a:solidFill>
+                  <a:srgbClr val="008000"/>
+                </a:solidFill>
+                <a:effectLst/>
+                <a:latin typeface="Courier New" pitchFamily="49" charset="0"/>
+                <a:cs typeface="Courier New" pitchFamily="49" charset="0"/>
+              </a:rPr>
+              <a:t>'todo'</a:t>
+            </a:r>
+            <a:r>
+              <a:rPr kumimoji="0" lang="nl-NL" sz="1600" b="0" i="0" u="none" strike="noStrike" cap="none" normalizeH="0" baseline="0" dirty="0" smtClean="0">
+                <a:ln>
+                  <a:noFill/>
+                </a:ln>
+                <a:solidFill>
+                  <a:srgbClr val="000000"/>
+                </a:solidFill>
+                <a:effectLst/>
+                <a:latin typeface="Courier New" pitchFamily="49" charset="0"/>
+                <a:cs typeface="Courier New" pitchFamily="49" charset="0"/>
+              </a:rPr>
+              <a:t>&gt;</a:t>
+            </a:r>
+            <a:br>
+              <a:rPr kumimoji="0" lang="nl-NL" sz="1600" b="0" i="0" u="none" strike="noStrike" cap="none" normalizeH="0" baseline="0" dirty="0" smtClean="0">
+                <a:ln>
+                  <a:noFill/>
+                </a:ln>
+                <a:solidFill>
+                  <a:srgbClr val="000000"/>
+                </a:solidFill>
+                <a:effectLst/>
+                <a:latin typeface="Courier New" pitchFamily="49" charset="0"/>
+                <a:cs typeface="Courier New" pitchFamily="49" charset="0"/>
+              </a:rPr>
+            </a:br>
+            <a:r>
+              <a:rPr kumimoji="0" lang="nl-NL" sz="1600" b="0" i="0" u="none" strike="noStrike" cap="none" normalizeH="0" baseline="0" dirty="0" smtClean="0">
+                <a:ln>
+                  <a:noFill/>
+                </a:ln>
+                <a:solidFill>
+                  <a:srgbClr val="000000"/>
+                </a:solidFill>
+                <a:effectLst/>
+                <a:latin typeface="Courier New" pitchFamily="49" charset="0"/>
+                <a:cs typeface="Courier New" pitchFamily="49" charset="0"/>
+              </a:rPr>
+              <a:t>    &lt;</a:t>
+            </a:r>
+            <a:r>
+              <a:rPr kumimoji="0" lang="nl-NL" sz="1600" b="1" i="0" u="none" strike="noStrike" cap="none" normalizeH="0" baseline="0" dirty="0" smtClean="0">
+                <a:ln>
+                  <a:noFill/>
+                </a:ln>
+                <a:solidFill>
+                  <a:srgbClr val="000080"/>
+                </a:solidFill>
+                <a:effectLst/>
+                <a:latin typeface="Courier New" pitchFamily="49" charset="0"/>
+                <a:cs typeface="Courier New" pitchFamily="49" charset="0"/>
+              </a:rPr>
+              <a:t>li </a:t>
+            </a:r>
+            <a:r>
+              <a:rPr kumimoji="0" lang="nl-NL" sz="1600" b="1" i="0" u="none" strike="noStrike" cap="none" normalizeH="0" baseline="0" dirty="0" smtClean="0">
+                <a:ln>
+                  <a:noFill/>
+                </a:ln>
+                <a:solidFill>
+                  <a:srgbClr val="0000FF"/>
+                </a:solidFill>
+                <a:effectLst/>
+                <a:latin typeface="Courier New" pitchFamily="49" charset="0"/>
+                <a:cs typeface="Courier New" pitchFamily="49" charset="0"/>
+              </a:rPr>
+              <a:t>class=</a:t>
+            </a:r>
+            <a:r>
+              <a:rPr kumimoji="0" lang="nl-NL" sz="1600" b="1" i="0" u="none" strike="noStrike" cap="none" normalizeH="0" baseline="0" dirty="0" smtClean="0">
+                <a:ln>
+                  <a:noFill/>
+                </a:ln>
+                <a:solidFill>
+                  <a:srgbClr val="008000"/>
+                </a:solidFill>
+                <a:effectLst/>
+                <a:latin typeface="Courier New" pitchFamily="49" charset="0"/>
+                <a:cs typeface="Courier New" pitchFamily="49" charset="0"/>
+              </a:rPr>
+              <a:t>"todo-item"</a:t>
+            </a:r>
+            <a:r>
+              <a:rPr kumimoji="0" lang="nl-NL" sz="1600" b="0" i="0" u="none" strike="noStrike" cap="none" normalizeH="0" baseline="0" dirty="0" smtClean="0">
+                <a:ln>
+                  <a:noFill/>
+                </a:ln>
+                <a:solidFill>
+                  <a:srgbClr val="000000"/>
+                </a:solidFill>
+                <a:effectLst/>
+                <a:latin typeface="Courier New" pitchFamily="49" charset="0"/>
+                <a:cs typeface="Courier New" pitchFamily="49" charset="0"/>
+              </a:rPr>
+              <a:t>&gt;Finish reading the syllabus&lt;/</a:t>
+            </a:r>
+            <a:r>
+              <a:rPr kumimoji="0" lang="nl-NL" sz="1600" b="1" i="0" u="none" strike="noStrike" cap="none" normalizeH="0" baseline="0" dirty="0" smtClean="0">
+                <a:ln>
+                  <a:noFill/>
+                </a:ln>
+                <a:solidFill>
+                  <a:srgbClr val="000080"/>
+                </a:solidFill>
+                <a:effectLst/>
+                <a:latin typeface="Courier New" pitchFamily="49" charset="0"/>
+                <a:cs typeface="Courier New" pitchFamily="49" charset="0"/>
+              </a:rPr>
+              <a:t>li</a:t>
+            </a:r>
+            <a:r>
+              <a:rPr kumimoji="0" lang="nl-NL" sz="1600" b="0" i="0" u="none" strike="noStrike" cap="none" normalizeH="0" baseline="0" dirty="0" smtClean="0">
+                <a:ln>
+                  <a:noFill/>
+                </a:ln>
+                <a:solidFill>
+                  <a:srgbClr val="000000"/>
+                </a:solidFill>
+                <a:effectLst/>
+                <a:latin typeface="Courier New" pitchFamily="49" charset="0"/>
+                <a:cs typeface="Courier New" pitchFamily="49" charset="0"/>
+              </a:rPr>
+              <a:t>&gt;</a:t>
+            </a:r>
+            <a:br>
+              <a:rPr kumimoji="0" lang="nl-NL" sz="1600" b="0" i="0" u="none" strike="noStrike" cap="none" normalizeH="0" baseline="0" dirty="0" smtClean="0">
+                <a:ln>
+                  <a:noFill/>
+                </a:ln>
+                <a:solidFill>
+                  <a:srgbClr val="000000"/>
+                </a:solidFill>
+                <a:effectLst/>
+                <a:latin typeface="Courier New" pitchFamily="49" charset="0"/>
+                <a:cs typeface="Courier New" pitchFamily="49" charset="0"/>
+              </a:rPr>
+            </a:br>
+            <a:r>
+              <a:rPr kumimoji="0" lang="nl-NL" sz="1600" b="0" i="0" u="none" strike="noStrike" cap="none" normalizeH="0" baseline="0" dirty="0" smtClean="0">
+                <a:ln>
+                  <a:noFill/>
+                </a:ln>
+                <a:solidFill>
+                  <a:srgbClr val="000000"/>
+                </a:solidFill>
+                <a:effectLst/>
+                <a:latin typeface="Courier New" pitchFamily="49" charset="0"/>
+                <a:cs typeface="Courier New" pitchFamily="49" charset="0"/>
+              </a:rPr>
+              <a:t>    &lt;</a:t>
+            </a:r>
+            <a:r>
+              <a:rPr kumimoji="0" lang="nl-NL" sz="1600" b="1" i="0" u="none" strike="noStrike" cap="none" normalizeH="0" baseline="0" dirty="0" smtClean="0">
+                <a:ln>
+                  <a:noFill/>
+                </a:ln>
+                <a:solidFill>
+                  <a:srgbClr val="000080"/>
+                </a:solidFill>
+                <a:effectLst/>
+                <a:latin typeface="Courier New" pitchFamily="49" charset="0"/>
+                <a:cs typeface="Courier New" pitchFamily="49" charset="0"/>
+              </a:rPr>
+              <a:t>li </a:t>
+            </a:r>
+            <a:r>
+              <a:rPr kumimoji="0" lang="nl-NL" sz="1600" b="1" i="0" u="none" strike="noStrike" cap="none" normalizeH="0" baseline="0" dirty="0" smtClean="0">
+                <a:ln>
+                  <a:noFill/>
+                </a:ln>
+                <a:solidFill>
+                  <a:srgbClr val="0000FF"/>
+                </a:solidFill>
+                <a:effectLst/>
+                <a:latin typeface="Courier New" pitchFamily="49" charset="0"/>
+                <a:cs typeface="Courier New" pitchFamily="49" charset="0"/>
+              </a:rPr>
+              <a:t>class=</a:t>
+            </a:r>
+            <a:r>
+              <a:rPr kumimoji="0" lang="nl-NL" sz="1600" b="1" i="0" u="none" strike="noStrike" cap="none" normalizeH="0" baseline="0" dirty="0" smtClean="0">
+                <a:ln>
+                  <a:noFill/>
+                </a:ln>
+                <a:solidFill>
+                  <a:srgbClr val="008000"/>
+                </a:solidFill>
+                <a:effectLst/>
+                <a:latin typeface="Courier New" pitchFamily="49" charset="0"/>
+                <a:cs typeface="Courier New" pitchFamily="49" charset="0"/>
+              </a:rPr>
+              <a:t>"todo-item"</a:t>
+            </a:r>
+            <a:r>
+              <a:rPr kumimoji="0" lang="nl-NL" sz="1600" b="0" i="0" u="none" strike="noStrike" cap="none" normalizeH="0" baseline="0" dirty="0" smtClean="0">
+                <a:ln>
+                  <a:noFill/>
+                </a:ln>
+                <a:solidFill>
+                  <a:srgbClr val="000000"/>
+                </a:solidFill>
+                <a:effectLst/>
+                <a:latin typeface="Courier New" pitchFamily="49" charset="0"/>
+                <a:cs typeface="Courier New" pitchFamily="49" charset="0"/>
+              </a:rPr>
+              <a:t>&gt;Clean my room&lt;/</a:t>
+            </a:r>
+            <a:r>
+              <a:rPr kumimoji="0" lang="nl-NL" sz="1600" b="1" i="0" u="none" strike="noStrike" cap="none" normalizeH="0" baseline="0" dirty="0" smtClean="0">
+                <a:ln>
+                  <a:noFill/>
+                </a:ln>
+                <a:solidFill>
+                  <a:srgbClr val="000080"/>
+                </a:solidFill>
+                <a:effectLst/>
+                <a:latin typeface="Courier New" pitchFamily="49" charset="0"/>
+                <a:cs typeface="Courier New" pitchFamily="49" charset="0"/>
+              </a:rPr>
+              <a:t>li</a:t>
+            </a:r>
+            <a:r>
+              <a:rPr kumimoji="0" lang="nl-NL" sz="1600" b="0" i="0" u="none" strike="noStrike" cap="none" normalizeH="0" baseline="0" dirty="0" smtClean="0">
+                <a:ln>
+                  <a:noFill/>
+                </a:ln>
+                <a:solidFill>
+                  <a:srgbClr val="000000"/>
+                </a:solidFill>
+                <a:effectLst/>
+                <a:latin typeface="Courier New" pitchFamily="49" charset="0"/>
+                <a:cs typeface="Courier New" pitchFamily="49" charset="0"/>
+              </a:rPr>
+              <a:t>&gt;</a:t>
+            </a:r>
+            <a:br>
+              <a:rPr kumimoji="0" lang="nl-NL" sz="1600" b="0" i="0" u="none" strike="noStrike" cap="none" normalizeH="0" baseline="0" dirty="0" smtClean="0">
+                <a:ln>
+                  <a:noFill/>
+                </a:ln>
+                <a:solidFill>
+                  <a:srgbClr val="000000"/>
+                </a:solidFill>
+                <a:effectLst/>
+                <a:latin typeface="Courier New" pitchFamily="49" charset="0"/>
+                <a:cs typeface="Courier New" pitchFamily="49" charset="0"/>
+              </a:rPr>
+            </a:br>
+            <a:r>
+              <a:rPr kumimoji="0" lang="nl-NL" sz="1600" b="0" i="0" u="none" strike="noStrike" cap="none" normalizeH="0" baseline="0" dirty="0" smtClean="0">
+                <a:ln>
+                  <a:noFill/>
+                </a:ln>
+                <a:solidFill>
+                  <a:srgbClr val="000000"/>
+                </a:solidFill>
+                <a:effectLst/>
+                <a:latin typeface="Courier New" pitchFamily="49" charset="0"/>
+                <a:cs typeface="Courier New" pitchFamily="49" charset="0"/>
+              </a:rPr>
+              <a:t>    &lt;</a:t>
+            </a:r>
+            <a:r>
+              <a:rPr kumimoji="0" lang="nl-NL" sz="1600" b="1" i="0" u="none" strike="noStrike" cap="none" normalizeH="0" baseline="0" dirty="0" smtClean="0">
+                <a:ln>
+                  <a:noFill/>
+                </a:ln>
+                <a:solidFill>
+                  <a:srgbClr val="000080"/>
+                </a:solidFill>
+                <a:effectLst/>
+                <a:latin typeface="Courier New" pitchFamily="49" charset="0"/>
+                <a:cs typeface="Courier New" pitchFamily="49" charset="0"/>
+              </a:rPr>
+              <a:t>li </a:t>
+            </a:r>
+            <a:r>
+              <a:rPr kumimoji="0" lang="nl-NL" sz="1600" b="1" i="0" u="none" strike="noStrike" cap="none" normalizeH="0" baseline="0" dirty="0" smtClean="0">
+                <a:ln>
+                  <a:noFill/>
+                </a:ln>
+                <a:solidFill>
+                  <a:srgbClr val="0000FF"/>
+                </a:solidFill>
+                <a:effectLst/>
+                <a:latin typeface="Courier New" pitchFamily="49" charset="0"/>
+                <a:cs typeface="Courier New" pitchFamily="49" charset="0"/>
+              </a:rPr>
+              <a:t>class=</a:t>
+            </a:r>
+            <a:r>
+              <a:rPr kumimoji="0" lang="nl-NL" sz="1600" b="1" i="0" u="none" strike="noStrike" cap="none" normalizeH="0" baseline="0" dirty="0" smtClean="0">
+                <a:ln>
+                  <a:noFill/>
+                </a:ln>
+                <a:solidFill>
+                  <a:srgbClr val="008000"/>
+                </a:solidFill>
+                <a:effectLst/>
+                <a:latin typeface="Courier New" pitchFamily="49" charset="0"/>
+                <a:cs typeface="Courier New" pitchFamily="49" charset="0"/>
+              </a:rPr>
+              <a:t>"todo-item"</a:t>
+            </a:r>
+            <a:r>
+              <a:rPr kumimoji="0" lang="nl-NL" sz="1600" b="0" i="0" u="none" strike="noStrike" cap="none" normalizeH="0" baseline="0" dirty="0" smtClean="0">
+                <a:ln>
+                  <a:noFill/>
+                </a:ln>
+                <a:solidFill>
+                  <a:srgbClr val="000000"/>
+                </a:solidFill>
+                <a:effectLst/>
+                <a:latin typeface="Courier New" pitchFamily="49" charset="0"/>
+                <a:cs typeface="Courier New" pitchFamily="49" charset="0"/>
+              </a:rPr>
+              <a:t>&gt;Buy a card&lt;/</a:t>
+            </a:r>
+            <a:r>
+              <a:rPr kumimoji="0" lang="nl-NL" sz="1600" b="1" i="0" u="none" strike="noStrike" cap="none" normalizeH="0" baseline="0" dirty="0" smtClean="0">
+                <a:ln>
+                  <a:noFill/>
+                </a:ln>
+                <a:solidFill>
+                  <a:srgbClr val="000080"/>
+                </a:solidFill>
+                <a:effectLst/>
+                <a:latin typeface="Courier New" pitchFamily="49" charset="0"/>
+                <a:cs typeface="Courier New" pitchFamily="49" charset="0"/>
+              </a:rPr>
+              <a:t>li</a:t>
+            </a:r>
+            <a:r>
+              <a:rPr kumimoji="0" lang="nl-NL" sz="1600" b="0" i="0" u="none" strike="noStrike" cap="none" normalizeH="0" baseline="0" dirty="0" smtClean="0">
+                <a:ln>
+                  <a:noFill/>
+                </a:ln>
+                <a:solidFill>
+                  <a:srgbClr val="000000"/>
+                </a:solidFill>
+                <a:effectLst/>
+                <a:latin typeface="Courier New" pitchFamily="49" charset="0"/>
+                <a:cs typeface="Courier New" pitchFamily="49" charset="0"/>
+              </a:rPr>
+              <a:t>&gt;</a:t>
+            </a:r>
+            <a:br>
+              <a:rPr kumimoji="0" lang="nl-NL" sz="1600" b="0" i="0" u="none" strike="noStrike" cap="none" normalizeH="0" baseline="0" dirty="0" smtClean="0">
+                <a:ln>
+                  <a:noFill/>
+                </a:ln>
+                <a:solidFill>
+                  <a:srgbClr val="000000"/>
+                </a:solidFill>
+                <a:effectLst/>
+                <a:latin typeface="Courier New" pitchFamily="49" charset="0"/>
+                <a:cs typeface="Courier New" pitchFamily="49" charset="0"/>
+              </a:rPr>
+            </a:br>
+            <a:r>
+              <a:rPr kumimoji="0" lang="nl-NL" sz="1600" b="0" i="0" u="none" strike="noStrike" cap="none" normalizeH="0" baseline="0" dirty="0" smtClean="0">
+                <a:ln>
+                  <a:noFill/>
+                </a:ln>
+                <a:solidFill>
+                  <a:srgbClr val="000000"/>
+                </a:solidFill>
+                <a:effectLst/>
+                <a:latin typeface="Courier New" pitchFamily="49" charset="0"/>
+                <a:cs typeface="Courier New" pitchFamily="49" charset="0"/>
+              </a:rPr>
+              <a:t>&lt;/</a:t>
+            </a:r>
+            <a:r>
+              <a:rPr kumimoji="0" lang="nl-NL" sz="1600" b="1" i="0" u="none" strike="noStrike" cap="none" normalizeH="0" baseline="0" dirty="0" smtClean="0">
+                <a:ln>
+                  <a:noFill/>
+                </a:ln>
+                <a:solidFill>
+                  <a:srgbClr val="000080"/>
+                </a:solidFill>
+                <a:effectLst/>
+                <a:latin typeface="Courier New" pitchFamily="49" charset="0"/>
+                <a:cs typeface="Courier New" pitchFamily="49" charset="0"/>
+              </a:rPr>
+              <a:t>ul</a:t>
+            </a:r>
+            <a:r>
+              <a:rPr kumimoji="0" lang="nl-NL" sz="1600" b="0" i="0" u="none" strike="noStrike" cap="none" normalizeH="0" baseline="0" dirty="0" smtClean="0">
+                <a:ln>
+                  <a:noFill/>
+                </a:ln>
+                <a:solidFill>
+                  <a:srgbClr val="000000"/>
+                </a:solidFill>
+                <a:effectLst/>
+                <a:latin typeface="Courier New" pitchFamily="49" charset="0"/>
+                <a:cs typeface="Courier New" pitchFamily="49" charset="0"/>
+              </a:rPr>
+              <a:t>&gt;</a:t>
+            </a:r>
+            <a:br>
+              <a:rPr kumimoji="0" lang="nl-NL" sz="1600" b="0" i="0" u="none" strike="noStrike" cap="none" normalizeH="0" baseline="0" dirty="0" smtClean="0">
+                <a:ln>
+                  <a:noFill/>
+                </a:ln>
+                <a:solidFill>
+                  <a:srgbClr val="000000"/>
+                </a:solidFill>
+                <a:effectLst/>
+                <a:latin typeface="Courier New" pitchFamily="49" charset="0"/>
+                <a:cs typeface="Courier New" pitchFamily="49" charset="0"/>
+              </a:rPr>
+            </a:br>
+            <a:endParaRPr kumimoji="0" lang="nl-NL" sz="1600" b="0" i="0" u="none" strike="noStrike" cap="none" normalizeH="0" baseline="0" dirty="0" smtClean="0">
+              <a:ln>
+                <a:noFill/>
+              </a:ln>
+              <a:solidFill>
+                <a:schemeClr val="tx1"/>
+              </a:solidFill>
+              <a:effectLst/>
+              <a:latin typeface="Arial" pitchFamily="34" charset="0"/>
+              <a:cs typeface="Arial" pitchFamily="34" charset="0"/>
+            </a:endParaRPr>
+          </a:p>
+        </p:txBody>
+      </p:sp>
+      <p:sp>
+        <p:nvSpPr>
+          <p:cNvPr id="78851" name="Rectangle 3"/>
+          <p:cNvSpPr>
+            <a:spLocks noChangeArrowheads="1"/>
+          </p:cNvSpPr>
+          <p:nvPr/>
+        </p:nvSpPr>
+        <p:spPr bwMode="auto">
+          <a:xfrm>
+            <a:off x="281344" y="2786924"/>
+            <a:ext cx="8042586" cy="3416320"/>
+          </a:xfrm>
+          <a:prstGeom prst="rect">
+            <a:avLst/>
+          </a:prstGeom>
+          <a:solidFill>
+            <a:srgbClr val="FFFFFF"/>
+          </a:solidFill>
+          <a:ln w="9525">
+            <a:noFill/>
+            <a:miter lim="800000"/>
+            <a:headEnd/>
+            <a:tailEnd/>
+          </a:ln>
+          <a:effectLst/>
+        </p:spPr>
+        <p:txBody>
+          <a:bodyPr vert="horz" wrap="none" lIns="91440" tIns="45720" rIns="91440" bIns="45720" numCol="1" anchor="ctr" anchorCtr="0" compatLnSpc="1">
+            <a:prstTxWarp prst="textNoShape">
+              <a:avLst/>
+            </a:prstTxWarp>
+            <a:spAutoFit/>
+          </a:bodyPr>
+          <a:lstStyle/>
+          <a:p>
+            <a:pPr marL="0" marR="0" lvl="0" indent="0" algn="l" defTabSz="914400" rtl="0" eaLnBrk="1" fontAlgn="base" latinLnBrk="0" hangingPunct="1">
+              <a:lnSpc>
+                <a:spcPct val="100000"/>
+              </a:lnSpc>
+              <a:spcBef>
+                <a:spcPct val="0"/>
+              </a:spcBef>
+              <a:spcAft>
+                <a:spcPct val="0"/>
+              </a:spcAft>
+              <a:buClrTx/>
+              <a:buSzTx/>
+              <a:buFontTx/>
+              <a:buNone/>
+              <a:tabLst/>
+            </a:pPr>
+            <a:r>
+              <a:rPr kumimoji="0" lang="nl-NL" b="0" i="1" u="none" strike="noStrike" cap="none" normalizeH="0" baseline="0" dirty="0" smtClean="0">
+                <a:ln>
+                  <a:noFill/>
+                </a:ln>
+                <a:solidFill>
+                  <a:srgbClr val="808080"/>
+                </a:solidFill>
+                <a:effectLst/>
+                <a:latin typeface="Courier New" pitchFamily="49" charset="0"/>
+                <a:cs typeface="Courier New" pitchFamily="49" charset="0"/>
+              </a:rPr>
+              <a:t>// Get element by id</a:t>
+            </a:r>
+            <a:br>
+              <a:rPr kumimoji="0" lang="nl-NL" b="0" i="1" u="none" strike="noStrike" cap="none" normalizeH="0" baseline="0" dirty="0" smtClean="0">
+                <a:ln>
+                  <a:noFill/>
+                </a:ln>
+                <a:solidFill>
+                  <a:srgbClr val="808080"/>
+                </a:solidFill>
+                <a:effectLst/>
+                <a:latin typeface="Courier New" pitchFamily="49" charset="0"/>
+                <a:cs typeface="Courier New" pitchFamily="49" charset="0"/>
+              </a:rPr>
+            </a:br>
+            <a:r>
+              <a:rPr kumimoji="0" lang="nl-NL" b="1" i="0" u="none" strike="noStrike" cap="none" normalizeH="0" baseline="0" dirty="0" smtClean="0">
+                <a:ln>
+                  <a:noFill/>
+                </a:ln>
+                <a:solidFill>
+                  <a:srgbClr val="000080"/>
+                </a:solidFill>
+                <a:effectLst/>
+                <a:latin typeface="Courier New" pitchFamily="49" charset="0"/>
+                <a:cs typeface="Courier New" pitchFamily="49" charset="0"/>
+              </a:rPr>
+              <a:t>var </a:t>
+            </a:r>
+            <a:r>
+              <a:rPr kumimoji="0" lang="nl-NL" b="1" i="1" u="none" strike="noStrike" cap="none" normalizeH="0" baseline="0" dirty="0" smtClean="0">
+                <a:ln>
+                  <a:noFill/>
+                </a:ln>
+                <a:solidFill>
+                  <a:srgbClr val="660E7A"/>
+                </a:solidFill>
+                <a:effectLst/>
+                <a:latin typeface="Courier New" pitchFamily="49" charset="0"/>
+                <a:cs typeface="Courier New" pitchFamily="49" charset="0"/>
+              </a:rPr>
+              <a:t>todoList </a:t>
+            </a:r>
+            <a:r>
+              <a:rPr kumimoji="0" lang="nl-NL" b="0" i="0" u="none" strike="noStrike" cap="none" normalizeH="0" baseline="0" dirty="0" smtClean="0">
+                <a:ln>
+                  <a:noFill/>
+                </a:ln>
+                <a:solidFill>
+                  <a:srgbClr val="000000"/>
+                </a:solidFill>
+                <a:effectLst/>
+                <a:latin typeface="Courier New" pitchFamily="49" charset="0"/>
+                <a:cs typeface="Courier New" pitchFamily="49" charset="0"/>
+              </a:rPr>
+              <a:t>= </a:t>
+            </a:r>
+            <a:r>
+              <a:rPr kumimoji="0" lang="nl-NL" b="1" i="1" u="none" strike="noStrike" cap="none" normalizeH="0" baseline="0" dirty="0" smtClean="0">
+                <a:ln>
+                  <a:noFill/>
+                </a:ln>
+                <a:solidFill>
+                  <a:srgbClr val="660E7A"/>
+                </a:solidFill>
+                <a:effectLst/>
+                <a:latin typeface="Courier New" pitchFamily="49" charset="0"/>
+                <a:cs typeface="Courier New" pitchFamily="49" charset="0"/>
+              </a:rPr>
+              <a:t>document</a:t>
+            </a:r>
+            <a:r>
+              <a:rPr kumimoji="0" lang="nl-NL" b="0" i="0" u="none" strike="noStrike" cap="none" normalizeH="0" baseline="0" dirty="0" smtClean="0">
+                <a:ln>
+                  <a:noFill/>
+                </a:ln>
+                <a:solidFill>
+                  <a:srgbClr val="000000"/>
+                </a:solidFill>
+                <a:effectLst/>
+                <a:latin typeface="Courier New" pitchFamily="49" charset="0"/>
+                <a:cs typeface="Courier New" pitchFamily="49" charset="0"/>
+              </a:rPr>
+              <a:t>.</a:t>
+            </a:r>
+            <a:r>
+              <a:rPr kumimoji="0" lang="nl-NL" b="0" i="0" u="none" strike="noStrike" cap="none" normalizeH="0" baseline="0" dirty="0" smtClean="0">
+                <a:ln>
+                  <a:noFill/>
+                </a:ln>
+                <a:solidFill>
+                  <a:srgbClr val="7A7A43"/>
+                </a:solidFill>
+                <a:effectLst/>
+                <a:latin typeface="Courier New" pitchFamily="49" charset="0"/>
+                <a:cs typeface="Courier New" pitchFamily="49" charset="0"/>
+              </a:rPr>
+              <a:t>getElementById</a:t>
+            </a:r>
+            <a:r>
+              <a:rPr kumimoji="0" lang="nl-NL" b="0" i="0" u="none" strike="noStrike" cap="none" normalizeH="0" baseline="0" dirty="0" smtClean="0">
+                <a:ln>
+                  <a:noFill/>
+                </a:ln>
+                <a:solidFill>
+                  <a:srgbClr val="000000"/>
+                </a:solidFill>
+                <a:effectLst/>
+                <a:latin typeface="Courier New" pitchFamily="49" charset="0"/>
+                <a:cs typeface="Courier New" pitchFamily="49" charset="0"/>
+              </a:rPr>
+              <a:t>(</a:t>
+            </a:r>
+            <a:r>
+              <a:rPr kumimoji="0" lang="nl-NL" b="1" i="0" u="none" strike="noStrike" cap="none" normalizeH="0" baseline="0" dirty="0" smtClean="0">
+                <a:ln>
+                  <a:noFill/>
+                </a:ln>
+                <a:solidFill>
+                  <a:srgbClr val="008000"/>
+                </a:solidFill>
+                <a:effectLst/>
+                <a:latin typeface="Courier New" pitchFamily="49" charset="0"/>
+                <a:cs typeface="Courier New" pitchFamily="49" charset="0"/>
+              </a:rPr>
+              <a:t>"todo"</a:t>
+            </a:r>
+            <a:r>
+              <a:rPr kumimoji="0" lang="nl-NL" b="0" i="0" u="none" strike="noStrike" cap="none" normalizeH="0" baseline="0" dirty="0" smtClean="0">
+                <a:ln>
+                  <a:noFill/>
+                </a:ln>
+                <a:solidFill>
+                  <a:srgbClr val="000000"/>
+                </a:solidFill>
+                <a:effectLst/>
+                <a:latin typeface="Courier New" pitchFamily="49" charset="0"/>
+                <a:cs typeface="Courier New" pitchFamily="49" charset="0"/>
+              </a:rPr>
+              <a:t>)</a:t>
+            </a:r>
+            <a:r>
+              <a:rPr kumimoji="0" lang="nl-NL" b="0" i="0" u="none" strike="noStrike" cap="none" normalizeH="0" baseline="0" dirty="0" smtClean="0">
+                <a:ln>
+                  <a:noFill/>
+                </a:ln>
+                <a:solidFill>
+                  <a:srgbClr val="CC7832"/>
+                </a:solidFill>
+                <a:effectLst/>
+                <a:latin typeface="Courier New" pitchFamily="49" charset="0"/>
+                <a:cs typeface="Courier New" pitchFamily="49" charset="0"/>
+              </a:rPr>
+              <a:t>;</a:t>
+            </a:r>
+            <a:br>
+              <a:rPr kumimoji="0" lang="nl-NL" b="0" i="0" u="none" strike="noStrike" cap="none" normalizeH="0" baseline="0" dirty="0" smtClean="0">
+                <a:ln>
+                  <a:noFill/>
+                </a:ln>
+                <a:solidFill>
+                  <a:srgbClr val="CC7832"/>
+                </a:solidFill>
+                <a:effectLst/>
+                <a:latin typeface="Courier New" pitchFamily="49" charset="0"/>
+                <a:cs typeface="Courier New" pitchFamily="49" charset="0"/>
+              </a:rPr>
+            </a:br>
+            <a:r>
+              <a:rPr kumimoji="0" lang="nl-NL" b="0" i="0" u="none" strike="noStrike" cap="none" normalizeH="0" baseline="0" dirty="0" smtClean="0">
+                <a:ln>
+                  <a:noFill/>
+                </a:ln>
+                <a:solidFill>
+                  <a:srgbClr val="CC7832"/>
+                </a:solidFill>
+                <a:effectLst/>
+                <a:latin typeface="Courier New" pitchFamily="49" charset="0"/>
+                <a:cs typeface="Courier New" pitchFamily="49" charset="0"/>
+              </a:rPr>
+              <a:t/>
+            </a:r>
+            <a:br>
+              <a:rPr kumimoji="0" lang="nl-NL" b="0" i="0" u="none" strike="noStrike" cap="none" normalizeH="0" baseline="0" dirty="0" smtClean="0">
+                <a:ln>
+                  <a:noFill/>
+                </a:ln>
+                <a:solidFill>
+                  <a:srgbClr val="CC7832"/>
+                </a:solidFill>
+                <a:effectLst/>
+                <a:latin typeface="Courier New" pitchFamily="49" charset="0"/>
+                <a:cs typeface="Courier New" pitchFamily="49" charset="0"/>
+              </a:rPr>
+            </a:br>
+            <a:r>
+              <a:rPr kumimoji="0" lang="nl-NL" b="0" i="1" u="none" strike="noStrike" cap="none" normalizeH="0" baseline="0" dirty="0" smtClean="0">
+                <a:ln>
+                  <a:noFill/>
+                </a:ln>
+                <a:solidFill>
+                  <a:srgbClr val="808080"/>
+                </a:solidFill>
+                <a:effectLst/>
+                <a:latin typeface="Courier New" pitchFamily="49" charset="0"/>
+                <a:cs typeface="Courier New" pitchFamily="49" charset="0"/>
+              </a:rPr>
+              <a:t>// Get element by tagname (returns an array)</a:t>
+            </a:r>
+            <a:br>
+              <a:rPr kumimoji="0" lang="nl-NL" b="0" i="1" u="none" strike="noStrike" cap="none" normalizeH="0" baseline="0" dirty="0" smtClean="0">
+                <a:ln>
+                  <a:noFill/>
+                </a:ln>
+                <a:solidFill>
+                  <a:srgbClr val="808080"/>
+                </a:solidFill>
+                <a:effectLst/>
+                <a:latin typeface="Courier New" pitchFamily="49" charset="0"/>
+                <a:cs typeface="Courier New" pitchFamily="49" charset="0"/>
+              </a:rPr>
+            </a:br>
+            <a:r>
+              <a:rPr kumimoji="0" lang="nl-NL" b="1" i="1" u="none" strike="noStrike" cap="none" normalizeH="0" baseline="0" dirty="0" smtClean="0">
+                <a:ln>
+                  <a:noFill/>
+                </a:ln>
+                <a:solidFill>
+                  <a:srgbClr val="660E7A"/>
+                </a:solidFill>
+                <a:effectLst/>
+                <a:latin typeface="Courier New" pitchFamily="49" charset="0"/>
+                <a:cs typeface="Courier New" pitchFamily="49" charset="0"/>
+              </a:rPr>
+              <a:t>todoList </a:t>
+            </a:r>
+            <a:r>
+              <a:rPr kumimoji="0" lang="nl-NL" b="0" i="0" u="none" strike="noStrike" cap="none" normalizeH="0" baseline="0" dirty="0" smtClean="0">
+                <a:ln>
+                  <a:noFill/>
+                </a:ln>
+                <a:solidFill>
+                  <a:srgbClr val="000000"/>
+                </a:solidFill>
+                <a:effectLst/>
+                <a:latin typeface="Courier New" pitchFamily="49" charset="0"/>
+                <a:cs typeface="Courier New" pitchFamily="49" charset="0"/>
+              </a:rPr>
+              <a:t>= </a:t>
+            </a:r>
+            <a:r>
+              <a:rPr kumimoji="0" lang="nl-NL" b="1" i="1" u="none" strike="noStrike" cap="none" normalizeH="0" baseline="0" dirty="0" smtClean="0">
+                <a:ln>
+                  <a:noFill/>
+                </a:ln>
+                <a:solidFill>
+                  <a:srgbClr val="660E7A"/>
+                </a:solidFill>
+                <a:effectLst/>
+                <a:latin typeface="Courier New" pitchFamily="49" charset="0"/>
+                <a:cs typeface="Courier New" pitchFamily="49" charset="0"/>
+              </a:rPr>
+              <a:t>document</a:t>
+            </a:r>
+            <a:r>
+              <a:rPr kumimoji="0" lang="nl-NL" b="0" i="0" u="none" strike="noStrike" cap="none" normalizeH="0" baseline="0" dirty="0" smtClean="0">
+                <a:ln>
+                  <a:noFill/>
+                </a:ln>
+                <a:solidFill>
+                  <a:srgbClr val="000000"/>
+                </a:solidFill>
+                <a:effectLst/>
+                <a:latin typeface="Courier New" pitchFamily="49" charset="0"/>
+                <a:cs typeface="Courier New" pitchFamily="49" charset="0"/>
+              </a:rPr>
+              <a:t>.</a:t>
+            </a:r>
+            <a:r>
+              <a:rPr kumimoji="0" lang="nl-NL" b="0" i="0" u="none" strike="noStrike" cap="none" normalizeH="0" baseline="0" dirty="0" smtClean="0">
+                <a:ln>
+                  <a:noFill/>
+                </a:ln>
+                <a:solidFill>
+                  <a:srgbClr val="7A7A43"/>
+                </a:solidFill>
+                <a:effectLst/>
+                <a:latin typeface="Courier New" pitchFamily="49" charset="0"/>
+                <a:cs typeface="Courier New" pitchFamily="49" charset="0"/>
+              </a:rPr>
+              <a:t>getElementsByTagName</a:t>
+            </a:r>
+            <a:r>
+              <a:rPr kumimoji="0" lang="nl-NL" b="0" i="0" u="none" strike="noStrike" cap="none" normalizeH="0" baseline="0" dirty="0" smtClean="0">
+                <a:ln>
+                  <a:noFill/>
+                </a:ln>
+                <a:solidFill>
+                  <a:srgbClr val="000000"/>
+                </a:solidFill>
+                <a:effectLst/>
+                <a:latin typeface="Courier New" pitchFamily="49" charset="0"/>
+                <a:cs typeface="Courier New" pitchFamily="49" charset="0"/>
+              </a:rPr>
+              <a:t>(</a:t>
+            </a:r>
+            <a:r>
+              <a:rPr kumimoji="0" lang="nl-NL" b="1" i="0" u="none" strike="noStrike" cap="none" normalizeH="0" baseline="0" dirty="0" smtClean="0">
+                <a:ln>
+                  <a:noFill/>
+                </a:ln>
+                <a:solidFill>
+                  <a:srgbClr val="008000"/>
+                </a:solidFill>
+                <a:effectLst/>
+                <a:latin typeface="Courier New" pitchFamily="49" charset="0"/>
+                <a:cs typeface="Courier New" pitchFamily="49" charset="0"/>
+              </a:rPr>
+              <a:t>"ul"</a:t>
+            </a:r>
+            <a:r>
+              <a:rPr kumimoji="0" lang="nl-NL" b="0" i="0" u="none" strike="noStrike" cap="none" normalizeH="0" baseline="0" dirty="0" smtClean="0">
+                <a:ln>
+                  <a:noFill/>
+                </a:ln>
+                <a:solidFill>
+                  <a:srgbClr val="000000"/>
+                </a:solidFill>
+                <a:effectLst/>
+                <a:latin typeface="Courier New" pitchFamily="49" charset="0"/>
+                <a:cs typeface="Courier New" pitchFamily="49" charset="0"/>
+              </a:rPr>
+              <a:t>)</a:t>
+            </a:r>
+            <a:r>
+              <a:rPr kumimoji="0" lang="nl-NL" b="0" i="0" u="none" strike="noStrike" cap="none" normalizeH="0" baseline="0" dirty="0" smtClean="0">
+                <a:ln>
+                  <a:noFill/>
+                </a:ln>
+                <a:solidFill>
+                  <a:srgbClr val="CC7832"/>
+                </a:solidFill>
+                <a:effectLst/>
+                <a:latin typeface="Courier New" pitchFamily="49" charset="0"/>
+                <a:cs typeface="Courier New" pitchFamily="49" charset="0"/>
+              </a:rPr>
+              <a:t>;</a:t>
+            </a:r>
+            <a:br>
+              <a:rPr kumimoji="0" lang="nl-NL" b="0" i="0" u="none" strike="noStrike" cap="none" normalizeH="0" baseline="0" dirty="0" smtClean="0">
+                <a:ln>
+                  <a:noFill/>
+                </a:ln>
+                <a:solidFill>
+                  <a:srgbClr val="CC7832"/>
+                </a:solidFill>
+                <a:effectLst/>
+                <a:latin typeface="Courier New" pitchFamily="49" charset="0"/>
+                <a:cs typeface="Courier New" pitchFamily="49" charset="0"/>
+              </a:rPr>
+            </a:br>
+            <a:r>
+              <a:rPr kumimoji="0" lang="nl-NL" b="1" i="0" u="none" strike="noStrike" cap="none" normalizeH="0" baseline="0" dirty="0" smtClean="0">
+                <a:ln>
+                  <a:noFill/>
+                </a:ln>
+                <a:solidFill>
+                  <a:srgbClr val="000080"/>
+                </a:solidFill>
+                <a:effectLst/>
+                <a:latin typeface="Courier New" pitchFamily="49" charset="0"/>
+                <a:cs typeface="Courier New" pitchFamily="49" charset="0"/>
+              </a:rPr>
+              <a:t>var </a:t>
+            </a:r>
+            <a:r>
+              <a:rPr kumimoji="0" lang="nl-NL" b="1" i="1" u="none" strike="noStrike" cap="none" normalizeH="0" baseline="0" dirty="0" smtClean="0">
+                <a:ln>
+                  <a:noFill/>
+                </a:ln>
+                <a:solidFill>
+                  <a:srgbClr val="660E7A"/>
+                </a:solidFill>
+                <a:effectLst/>
+                <a:latin typeface="Courier New" pitchFamily="49" charset="0"/>
+                <a:cs typeface="Courier New" pitchFamily="49" charset="0"/>
+              </a:rPr>
+              <a:t>todoItems </a:t>
+            </a:r>
+            <a:r>
+              <a:rPr kumimoji="0" lang="nl-NL" b="0" i="0" u="none" strike="noStrike" cap="none" normalizeH="0" baseline="0" dirty="0" smtClean="0">
+                <a:ln>
+                  <a:noFill/>
+                </a:ln>
+                <a:solidFill>
+                  <a:srgbClr val="000000"/>
+                </a:solidFill>
+                <a:effectLst/>
+                <a:latin typeface="Courier New" pitchFamily="49" charset="0"/>
+                <a:cs typeface="Courier New" pitchFamily="49" charset="0"/>
+              </a:rPr>
+              <a:t>= </a:t>
+            </a:r>
+            <a:r>
+              <a:rPr kumimoji="0" lang="nl-NL" b="1" i="1" u="none" strike="noStrike" cap="none" normalizeH="0" baseline="0" dirty="0" smtClean="0">
+                <a:ln>
+                  <a:noFill/>
+                </a:ln>
+                <a:solidFill>
+                  <a:srgbClr val="660E7A"/>
+                </a:solidFill>
+                <a:effectLst/>
+                <a:latin typeface="Courier New" pitchFamily="49" charset="0"/>
+                <a:cs typeface="Courier New" pitchFamily="49" charset="0"/>
+              </a:rPr>
+              <a:t>document</a:t>
+            </a:r>
+            <a:r>
+              <a:rPr kumimoji="0" lang="nl-NL" b="0" i="0" u="none" strike="noStrike" cap="none" normalizeH="0" baseline="0" dirty="0" smtClean="0">
+                <a:ln>
+                  <a:noFill/>
+                </a:ln>
+                <a:solidFill>
+                  <a:srgbClr val="000000"/>
+                </a:solidFill>
+                <a:effectLst/>
+                <a:latin typeface="Courier New" pitchFamily="49" charset="0"/>
+                <a:cs typeface="Courier New" pitchFamily="49" charset="0"/>
+              </a:rPr>
+              <a:t>.</a:t>
+            </a:r>
+            <a:r>
+              <a:rPr kumimoji="0" lang="nl-NL" b="0" i="0" u="none" strike="noStrike" cap="none" normalizeH="0" baseline="0" dirty="0" smtClean="0">
+                <a:ln>
+                  <a:noFill/>
+                </a:ln>
+                <a:solidFill>
+                  <a:srgbClr val="7A7A43"/>
+                </a:solidFill>
+                <a:effectLst/>
+                <a:latin typeface="Courier New" pitchFamily="49" charset="0"/>
+                <a:cs typeface="Courier New" pitchFamily="49" charset="0"/>
+              </a:rPr>
+              <a:t>getElementsByTagName</a:t>
+            </a:r>
+            <a:r>
+              <a:rPr kumimoji="0" lang="nl-NL" b="0" i="0" u="none" strike="noStrike" cap="none" normalizeH="0" baseline="0" dirty="0" smtClean="0">
+                <a:ln>
+                  <a:noFill/>
+                </a:ln>
+                <a:solidFill>
+                  <a:srgbClr val="000000"/>
+                </a:solidFill>
+                <a:effectLst/>
+                <a:latin typeface="Courier New" pitchFamily="49" charset="0"/>
+                <a:cs typeface="Courier New" pitchFamily="49" charset="0"/>
+              </a:rPr>
+              <a:t>(</a:t>
+            </a:r>
+            <a:r>
+              <a:rPr kumimoji="0" lang="nl-NL" b="1" i="0" u="none" strike="noStrike" cap="none" normalizeH="0" baseline="0" dirty="0" smtClean="0">
+                <a:ln>
+                  <a:noFill/>
+                </a:ln>
+                <a:solidFill>
+                  <a:srgbClr val="008000"/>
+                </a:solidFill>
+                <a:effectLst/>
+                <a:latin typeface="Courier New" pitchFamily="49" charset="0"/>
+                <a:cs typeface="Courier New" pitchFamily="49" charset="0"/>
+              </a:rPr>
+              <a:t>"li"</a:t>
+            </a:r>
+            <a:r>
+              <a:rPr kumimoji="0" lang="nl-NL" b="0" i="0" u="none" strike="noStrike" cap="none" normalizeH="0" baseline="0" dirty="0" smtClean="0">
+                <a:ln>
+                  <a:noFill/>
+                </a:ln>
+                <a:solidFill>
+                  <a:srgbClr val="000000"/>
+                </a:solidFill>
+                <a:effectLst/>
+                <a:latin typeface="Courier New" pitchFamily="49" charset="0"/>
+                <a:cs typeface="Courier New" pitchFamily="49" charset="0"/>
+              </a:rPr>
+              <a:t>)</a:t>
+            </a:r>
+            <a:r>
+              <a:rPr kumimoji="0" lang="nl-NL" b="0" i="0" u="none" strike="noStrike" cap="none" normalizeH="0" baseline="0" dirty="0" smtClean="0">
+                <a:ln>
+                  <a:noFill/>
+                </a:ln>
+                <a:solidFill>
+                  <a:srgbClr val="CC7832"/>
+                </a:solidFill>
+                <a:effectLst/>
+                <a:latin typeface="Courier New" pitchFamily="49" charset="0"/>
+                <a:cs typeface="Courier New" pitchFamily="49" charset="0"/>
+              </a:rPr>
+              <a:t>;</a:t>
+            </a:r>
+            <a:br>
+              <a:rPr kumimoji="0" lang="nl-NL" b="0" i="0" u="none" strike="noStrike" cap="none" normalizeH="0" baseline="0" dirty="0" smtClean="0">
+                <a:ln>
+                  <a:noFill/>
+                </a:ln>
+                <a:solidFill>
+                  <a:srgbClr val="CC7832"/>
+                </a:solidFill>
+                <a:effectLst/>
+                <a:latin typeface="Courier New" pitchFamily="49" charset="0"/>
+                <a:cs typeface="Courier New" pitchFamily="49" charset="0"/>
+              </a:rPr>
+            </a:br>
+            <a:r>
+              <a:rPr kumimoji="0" lang="nl-NL" b="0" i="0" u="none" strike="noStrike" cap="none" normalizeH="0" baseline="0" dirty="0" smtClean="0">
+                <a:ln>
+                  <a:noFill/>
+                </a:ln>
+                <a:solidFill>
+                  <a:srgbClr val="CC7832"/>
+                </a:solidFill>
+                <a:effectLst/>
+                <a:latin typeface="Courier New" pitchFamily="49" charset="0"/>
+                <a:cs typeface="Courier New" pitchFamily="49" charset="0"/>
+              </a:rPr>
+              <a:t/>
+            </a:r>
+            <a:br>
+              <a:rPr kumimoji="0" lang="nl-NL" b="0" i="0" u="none" strike="noStrike" cap="none" normalizeH="0" baseline="0" dirty="0" smtClean="0">
+                <a:ln>
+                  <a:noFill/>
+                </a:ln>
+                <a:solidFill>
+                  <a:srgbClr val="CC7832"/>
+                </a:solidFill>
+                <a:effectLst/>
+                <a:latin typeface="Courier New" pitchFamily="49" charset="0"/>
+                <a:cs typeface="Courier New" pitchFamily="49" charset="0"/>
+              </a:rPr>
+            </a:br>
+            <a:r>
+              <a:rPr kumimoji="0" lang="nl-NL" b="0" i="1" u="none" strike="noStrike" cap="none" normalizeH="0" baseline="0" dirty="0" smtClean="0">
+                <a:ln>
+                  <a:noFill/>
+                </a:ln>
+                <a:solidFill>
+                  <a:srgbClr val="808080"/>
+                </a:solidFill>
+                <a:effectLst/>
+                <a:latin typeface="Courier New" pitchFamily="49" charset="0"/>
+                <a:cs typeface="Courier New" pitchFamily="49" charset="0"/>
+              </a:rPr>
+              <a:t>// Get element by classname (returns an array)</a:t>
+            </a:r>
+            <a:br>
+              <a:rPr kumimoji="0" lang="nl-NL" b="0" i="1" u="none" strike="noStrike" cap="none" normalizeH="0" baseline="0" dirty="0" smtClean="0">
+                <a:ln>
+                  <a:noFill/>
+                </a:ln>
+                <a:solidFill>
+                  <a:srgbClr val="808080"/>
+                </a:solidFill>
+                <a:effectLst/>
+                <a:latin typeface="Courier New" pitchFamily="49" charset="0"/>
+                <a:cs typeface="Courier New" pitchFamily="49" charset="0"/>
+              </a:rPr>
+            </a:br>
+            <a:r>
+              <a:rPr kumimoji="0" lang="nl-NL" b="1" i="1" u="none" strike="noStrike" cap="none" normalizeH="0" baseline="0" dirty="0" smtClean="0">
+                <a:ln>
+                  <a:noFill/>
+                </a:ln>
+                <a:solidFill>
+                  <a:srgbClr val="660E7A"/>
+                </a:solidFill>
+                <a:effectLst/>
+                <a:latin typeface="Courier New" pitchFamily="49" charset="0"/>
+                <a:cs typeface="Courier New" pitchFamily="49" charset="0"/>
+              </a:rPr>
+              <a:t>todoItems </a:t>
+            </a:r>
+            <a:r>
+              <a:rPr kumimoji="0" lang="nl-NL" b="0" i="0" u="none" strike="noStrike" cap="none" normalizeH="0" baseline="0" dirty="0" smtClean="0">
+                <a:ln>
+                  <a:noFill/>
+                </a:ln>
+                <a:solidFill>
+                  <a:srgbClr val="000000"/>
+                </a:solidFill>
+                <a:effectLst/>
+                <a:latin typeface="Courier New" pitchFamily="49" charset="0"/>
+                <a:cs typeface="Courier New" pitchFamily="49" charset="0"/>
+              </a:rPr>
+              <a:t>= </a:t>
+            </a:r>
+            <a:r>
+              <a:rPr kumimoji="0" lang="nl-NL" b="1" i="1" u="none" strike="noStrike" cap="none" normalizeH="0" baseline="0" dirty="0" smtClean="0">
+                <a:ln>
+                  <a:noFill/>
+                </a:ln>
+                <a:solidFill>
+                  <a:srgbClr val="660E7A"/>
+                </a:solidFill>
+                <a:effectLst/>
+                <a:latin typeface="Courier New" pitchFamily="49" charset="0"/>
+                <a:cs typeface="Courier New" pitchFamily="49" charset="0"/>
+              </a:rPr>
+              <a:t>document</a:t>
+            </a:r>
+            <a:r>
+              <a:rPr kumimoji="0" lang="nl-NL" b="0" i="0" u="none" strike="noStrike" cap="none" normalizeH="0" baseline="0" dirty="0" smtClean="0">
+                <a:ln>
+                  <a:noFill/>
+                </a:ln>
+                <a:solidFill>
+                  <a:srgbClr val="000000"/>
+                </a:solidFill>
+                <a:effectLst/>
+                <a:latin typeface="Courier New" pitchFamily="49" charset="0"/>
+                <a:cs typeface="Courier New" pitchFamily="49" charset="0"/>
+              </a:rPr>
+              <a:t>.</a:t>
+            </a:r>
+            <a:r>
+              <a:rPr kumimoji="0" lang="nl-NL" b="0" i="0" u="none" strike="noStrike" cap="none" normalizeH="0" baseline="0" dirty="0" smtClean="0">
+                <a:ln>
+                  <a:noFill/>
+                </a:ln>
+                <a:solidFill>
+                  <a:srgbClr val="7A7A43"/>
+                </a:solidFill>
+                <a:effectLst/>
+                <a:latin typeface="Courier New" pitchFamily="49" charset="0"/>
+                <a:cs typeface="Courier New" pitchFamily="49" charset="0"/>
+              </a:rPr>
+              <a:t>getElementsByClassName</a:t>
+            </a:r>
+            <a:r>
+              <a:rPr kumimoji="0" lang="nl-NL" b="0" i="0" u="none" strike="noStrike" cap="none" normalizeH="0" baseline="0" dirty="0" smtClean="0">
+                <a:ln>
+                  <a:noFill/>
+                </a:ln>
+                <a:solidFill>
+                  <a:srgbClr val="000000"/>
+                </a:solidFill>
+                <a:effectLst/>
+                <a:latin typeface="Courier New" pitchFamily="49" charset="0"/>
+                <a:cs typeface="Courier New" pitchFamily="49" charset="0"/>
+              </a:rPr>
+              <a:t>(</a:t>
+            </a:r>
+            <a:r>
+              <a:rPr kumimoji="0" lang="nl-NL" b="1" i="0" u="none" strike="noStrike" cap="none" normalizeH="0" baseline="0" dirty="0" smtClean="0">
+                <a:ln>
+                  <a:noFill/>
+                </a:ln>
+                <a:solidFill>
+                  <a:srgbClr val="008000"/>
+                </a:solidFill>
+                <a:effectLst/>
+                <a:latin typeface="Courier New" pitchFamily="49" charset="0"/>
+                <a:cs typeface="Courier New" pitchFamily="49" charset="0"/>
+              </a:rPr>
+              <a:t>"todo-item"</a:t>
+            </a:r>
+            <a:r>
+              <a:rPr kumimoji="0" lang="nl-NL" b="0" i="0" u="none" strike="noStrike" cap="none" normalizeH="0" baseline="0" dirty="0" smtClean="0">
+                <a:ln>
+                  <a:noFill/>
+                </a:ln>
+                <a:solidFill>
+                  <a:srgbClr val="000000"/>
+                </a:solidFill>
+                <a:effectLst/>
+                <a:latin typeface="Courier New" pitchFamily="49" charset="0"/>
+                <a:cs typeface="Courier New" pitchFamily="49" charset="0"/>
+              </a:rPr>
+              <a:t>)</a:t>
+            </a:r>
+            <a:r>
+              <a:rPr kumimoji="0" lang="nl-NL" b="0" i="0" u="none" strike="noStrike" cap="none" normalizeH="0" baseline="0" dirty="0" smtClean="0">
+                <a:ln>
+                  <a:noFill/>
+                </a:ln>
+                <a:solidFill>
+                  <a:srgbClr val="CC7832"/>
+                </a:solidFill>
+                <a:effectLst/>
+                <a:latin typeface="Courier New" pitchFamily="49" charset="0"/>
+                <a:cs typeface="Courier New" pitchFamily="49" charset="0"/>
+              </a:rPr>
+              <a:t>;</a:t>
+            </a:r>
+            <a:br>
+              <a:rPr kumimoji="0" lang="nl-NL" b="0" i="0" u="none" strike="noStrike" cap="none" normalizeH="0" baseline="0" dirty="0" smtClean="0">
+                <a:ln>
+                  <a:noFill/>
+                </a:ln>
+                <a:solidFill>
+                  <a:srgbClr val="CC7832"/>
+                </a:solidFill>
+                <a:effectLst/>
+                <a:latin typeface="Courier New" pitchFamily="49" charset="0"/>
+                <a:cs typeface="Courier New" pitchFamily="49" charset="0"/>
+              </a:rPr>
+            </a:br>
+            <a:r>
+              <a:rPr kumimoji="0" lang="nl-NL" b="0" i="0" u="none" strike="noStrike" cap="none" normalizeH="0" baseline="0" dirty="0" smtClean="0">
+                <a:ln>
+                  <a:noFill/>
+                </a:ln>
+                <a:solidFill>
+                  <a:srgbClr val="CC7832"/>
+                </a:solidFill>
+                <a:effectLst/>
+                <a:latin typeface="Courier New" pitchFamily="49" charset="0"/>
+                <a:cs typeface="Courier New" pitchFamily="49" charset="0"/>
+              </a:rPr>
+              <a:t/>
+            </a:r>
+            <a:br>
+              <a:rPr kumimoji="0" lang="nl-NL" b="0" i="0" u="none" strike="noStrike" cap="none" normalizeH="0" baseline="0" dirty="0" smtClean="0">
+                <a:ln>
+                  <a:noFill/>
+                </a:ln>
+                <a:solidFill>
+                  <a:srgbClr val="CC7832"/>
+                </a:solidFill>
+                <a:effectLst/>
+                <a:latin typeface="Courier New" pitchFamily="49" charset="0"/>
+                <a:cs typeface="Courier New" pitchFamily="49" charset="0"/>
+              </a:rPr>
+            </a:br>
+            <a:r>
+              <a:rPr kumimoji="0" lang="nl-NL" b="0" i="1" u="none" strike="noStrike" cap="none" normalizeH="0" baseline="0" dirty="0" smtClean="0">
+                <a:ln>
+                  <a:noFill/>
+                </a:ln>
+                <a:solidFill>
+                  <a:srgbClr val="808080"/>
+                </a:solidFill>
+                <a:effectLst/>
+                <a:latin typeface="Courier New" pitchFamily="49" charset="0"/>
+                <a:cs typeface="Courier New" pitchFamily="49" charset="0"/>
+              </a:rPr>
+              <a:t>// Get a child</a:t>
+            </a:r>
+            <a:br>
+              <a:rPr kumimoji="0" lang="nl-NL" b="0" i="1" u="none" strike="noStrike" cap="none" normalizeH="0" baseline="0" dirty="0" smtClean="0">
+                <a:ln>
+                  <a:noFill/>
+                </a:ln>
+                <a:solidFill>
+                  <a:srgbClr val="808080"/>
+                </a:solidFill>
+                <a:effectLst/>
+                <a:latin typeface="Courier New" pitchFamily="49" charset="0"/>
+                <a:cs typeface="Courier New" pitchFamily="49" charset="0"/>
+              </a:rPr>
+            </a:br>
+            <a:r>
+              <a:rPr kumimoji="0" lang="nl-NL" b="1" i="1" u="none" strike="noStrike" cap="none" normalizeH="0" baseline="0" dirty="0" smtClean="0">
+                <a:ln>
+                  <a:noFill/>
+                </a:ln>
+                <a:solidFill>
+                  <a:srgbClr val="660E7A"/>
+                </a:solidFill>
+                <a:effectLst/>
+                <a:latin typeface="Courier New" pitchFamily="49" charset="0"/>
+                <a:cs typeface="Courier New" pitchFamily="49" charset="0"/>
+              </a:rPr>
+              <a:t>todoItems </a:t>
+            </a:r>
+            <a:r>
+              <a:rPr kumimoji="0" lang="nl-NL" b="0" i="0" u="none" strike="noStrike" cap="none" normalizeH="0" baseline="0" dirty="0" smtClean="0">
+                <a:ln>
+                  <a:noFill/>
+                </a:ln>
+                <a:solidFill>
+                  <a:srgbClr val="000000"/>
+                </a:solidFill>
+                <a:effectLst/>
+                <a:latin typeface="Courier New" pitchFamily="49" charset="0"/>
+                <a:cs typeface="Courier New" pitchFamily="49" charset="0"/>
+              </a:rPr>
+              <a:t>= </a:t>
+            </a:r>
+            <a:r>
+              <a:rPr kumimoji="0" lang="nl-NL" b="1" i="1" u="none" strike="noStrike" cap="none" normalizeH="0" baseline="0" dirty="0" smtClean="0">
+                <a:ln>
+                  <a:noFill/>
+                </a:ln>
+                <a:solidFill>
+                  <a:srgbClr val="660E7A"/>
+                </a:solidFill>
+                <a:effectLst/>
+                <a:latin typeface="Courier New" pitchFamily="49" charset="0"/>
+                <a:cs typeface="Courier New" pitchFamily="49" charset="0"/>
+              </a:rPr>
+              <a:t>todoList</a:t>
+            </a:r>
+            <a:r>
+              <a:rPr kumimoji="0" lang="nl-NL" b="0" i="0" u="none" strike="noStrike" cap="none" normalizeH="0" baseline="0" dirty="0" smtClean="0">
+                <a:ln>
+                  <a:noFill/>
+                </a:ln>
+                <a:solidFill>
+                  <a:srgbClr val="000000"/>
+                </a:solidFill>
+                <a:effectLst/>
+                <a:latin typeface="Courier New" pitchFamily="49" charset="0"/>
+                <a:cs typeface="Courier New" pitchFamily="49" charset="0"/>
+              </a:rPr>
+              <a:t>.</a:t>
+            </a:r>
+            <a:r>
+              <a:rPr kumimoji="0" lang="nl-NL" b="1" i="0" u="none" strike="noStrike" cap="none" normalizeH="0" baseline="0" dirty="0" smtClean="0">
+                <a:ln>
+                  <a:noFill/>
+                </a:ln>
+                <a:solidFill>
+                  <a:srgbClr val="660E7A"/>
+                </a:solidFill>
+                <a:effectLst/>
+                <a:latin typeface="Courier New" pitchFamily="49" charset="0"/>
+                <a:cs typeface="Courier New" pitchFamily="49" charset="0"/>
+              </a:rPr>
+              <a:t>lastElementChild</a:t>
+            </a:r>
+            <a:r>
+              <a:rPr kumimoji="0" lang="nl-NL" b="0" i="0" u="none" strike="noStrike" cap="none" normalizeH="0" baseline="0" dirty="0" smtClean="0">
+                <a:ln>
+                  <a:noFill/>
+                </a:ln>
+                <a:solidFill>
+                  <a:srgbClr val="CC7832"/>
+                </a:solidFill>
+                <a:effectLst/>
+                <a:latin typeface="Courier New" pitchFamily="49" charset="0"/>
+                <a:cs typeface="Courier New" pitchFamily="49" charset="0"/>
+              </a:rPr>
+              <a:t>;</a:t>
+            </a:r>
+            <a:endParaRPr kumimoji="0" lang="nl-NL" b="0" i="0" u="none" strike="noStrike" cap="none" normalizeH="0" baseline="0" dirty="0" smtClean="0">
+              <a:ln>
+                <a:noFill/>
+              </a:ln>
+              <a:solidFill>
+                <a:schemeClr val="tx1"/>
+              </a:solidFill>
+              <a:effectLst/>
+              <a:latin typeface="Arial" pitchFamily="34" charset="0"/>
+              <a:cs typeface="Arial" pitchFamily="34" charset="0"/>
+            </a:endParaRPr>
+          </a:p>
+        </p:txBody>
+      </p:sp>
+    </p:spTree>
+    <p:extLst>
+      <p:ext uri="{BB962C8B-B14F-4D97-AF65-F5344CB8AC3E}">
+        <p14:creationId xmlns:p14="http://schemas.microsoft.com/office/powerpoint/2010/main" xmlns="" val="2205736978"/>
+      </p:ext>
+    </p:extLst>
+  </p:cSld>
+  <p:clrMapOvr>
+    <a:masterClrMapping/>
+  </p:clrMapOvr>
 </p:sld>
 </file>
 
@@ -31742,7 +27564,7 @@
     </p:spTree>
     <p:extLst>
       <p:ext uri="{BB962C8B-B14F-4D97-AF65-F5344CB8AC3E}">
-        <p14:creationId xmlns="" xmlns:p14="http://schemas.microsoft.com/office/powerpoint/2010/main" val="2695700454"/>
+        <p14:creationId xmlns:p14="http://schemas.microsoft.com/office/powerpoint/2010/main" xmlns="" val="2695700454"/>
       </p:ext>
     </p:extLst>
   </p:cSld>
@@ -31826,17 +27648,7 @@
                 <a:latin typeface="Century Gothic"/>
                 <a:cs typeface="Century Gothic"/>
               </a:rPr>
-              <a:t>het </a:t>
-            </a:r>
-            <a:r>
-              <a:rPr lang="nl-NL" sz="4000" dirty="0" smtClean="0">
-                <a:solidFill>
-                  <a:schemeClr val="bg1"/>
-                </a:solidFill>
-                <a:latin typeface="Century Gothic"/>
-                <a:cs typeface="Century Gothic"/>
-              </a:rPr>
-              <a:t>groeperen/hergebruiken</a:t>
+              <a:t>het groeperen/hergebruiken</a:t>
             </a:r>
           </a:p>
           <a:p>
@@ -31863,7 +27675,7 @@
     </p:spTree>
     <p:extLst>
       <p:ext uri="{BB962C8B-B14F-4D97-AF65-F5344CB8AC3E}">
-        <p14:creationId xmlns="" xmlns:p14="http://schemas.microsoft.com/office/powerpoint/2010/main" val="2695700454"/>
+        <p14:creationId xmlns:p14="http://schemas.microsoft.com/office/powerpoint/2010/main" xmlns="" val="2695700454"/>
       </p:ext>
     </p:extLst>
   </p:cSld>
@@ -32300,7 +28112,7 @@
     </p:spTree>
     <p:extLst>
       <p:ext uri="{BB962C8B-B14F-4D97-AF65-F5344CB8AC3E}">
-        <p14:creationId xmlns="" xmlns:p14="http://schemas.microsoft.com/office/powerpoint/2010/main" val="1077331294"/>
+        <p14:creationId xmlns:p14="http://schemas.microsoft.com/office/powerpoint/2010/main" xmlns="" val="1077331294"/>
       </p:ext>
     </p:extLst>
   </p:cSld>
